--- a/documents/schedule.pptx
+++ b/documents/schedule.pptx
@@ -108,6 +108,11 @@
       </a:defRPr>
     </a:lvl9pPr>
   </p:defaultTextStyle>
+  <p:extLst>
+    <p:ext uri="{EFAFB233-063F-42B5-8137-9DF3F51BA10A}">
+      <p15:sldGuideLst xmlns:p15="http://schemas.microsoft.com/office/powerpoint/2012/main"/>
+    </p:ext>
+  </p:extLst>
 </p:presentation>
 </file>
 
@@ -193,7 +198,7 @@
           <a:p>
             <a:fld id="{01BC1ADB-3F7F-4ACC-9740-B7FE65E90A42}" type="datetimeFigureOut">
               <a:rPr lang="en-SG" smtClean="0"/>
-              <a:t>19/9/2019</a:t>
+              <a:t>19/9/19</a:t>
             </a:fld>
             <a:endParaRPr lang="en-SG"/>
           </a:p>
@@ -778,7 +783,7 @@
           <a:p>
             <a:fld id="{C6A6E151-1C2E-4ED8-9770-D8C903140F13}" type="datetimeFigureOut">
               <a:rPr lang="en-SG" smtClean="0"/>
-              <a:t>19/9/2019</a:t>
+              <a:t>19/9/19</a:t>
             </a:fld>
             <a:endParaRPr lang="en-SG"/>
           </a:p>
@@ -978,7 +983,7 @@
           <a:p>
             <a:fld id="{C6A6E151-1C2E-4ED8-9770-D8C903140F13}" type="datetimeFigureOut">
               <a:rPr lang="en-SG" smtClean="0"/>
-              <a:t>19/9/2019</a:t>
+              <a:t>19/9/19</a:t>
             </a:fld>
             <a:endParaRPr lang="en-SG"/>
           </a:p>
@@ -1188,7 +1193,7 @@
           <a:p>
             <a:fld id="{C6A6E151-1C2E-4ED8-9770-D8C903140F13}" type="datetimeFigureOut">
               <a:rPr lang="en-SG" smtClean="0"/>
-              <a:t>19/9/2019</a:t>
+              <a:t>19/9/19</a:t>
             </a:fld>
             <a:endParaRPr lang="en-SG"/>
           </a:p>
@@ -1388,7 +1393,7 @@
           <a:p>
             <a:fld id="{C6A6E151-1C2E-4ED8-9770-D8C903140F13}" type="datetimeFigureOut">
               <a:rPr lang="en-SG" smtClean="0"/>
-              <a:t>19/9/2019</a:t>
+              <a:t>19/9/19</a:t>
             </a:fld>
             <a:endParaRPr lang="en-SG"/>
           </a:p>
@@ -1664,7 +1669,7 @@
           <a:p>
             <a:fld id="{C6A6E151-1C2E-4ED8-9770-D8C903140F13}" type="datetimeFigureOut">
               <a:rPr lang="en-SG" smtClean="0"/>
-              <a:t>19/9/2019</a:t>
+              <a:t>19/9/19</a:t>
             </a:fld>
             <a:endParaRPr lang="en-SG"/>
           </a:p>
@@ -1932,7 +1937,7 @@
           <a:p>
             <a:fld id="{C6A6E151-1C2E-4ED8-9770-D8C903140F13}" type="datetimeFigureOut">
               <a:rPr lang="en-SG" smtClean="0"/>
-              <a:t>19/9/2019</a:t>
+              <a:t>19/9/19</a:t>
             </a:fld>
             <a:endParaRPr lang="en-SG"/>
           </a:p>
@@ -2347,7 +2352,7 @@
           <a:p>
             <a:fld id="{C6A6E151-1C2E-4ED8-9770-D8C903140F13}" type="datetimeFigureOut">
               <a:rPr lang="en-SG" smtClean="0"/>
-              <a:t>19/9/2019</a:t>
+              <a:t>19/9/19</a:t>
             </a:fld>
             <a:endParaRPr lang="en-SG"/>
           </a:p>
@@ -2489,7 +2494,7 @@
           <a:p>
             <a:fld id="{C6A6E151-1C2E-4ED8-9770-D8C903140F13}" type="datetimeFigureOut">
               <a:rPr lang="en-SG" smtClean="0"/>
-              <a:t>19/9/2019</a:t>
+              <a:t>19/9/19</a:t>
             </a:fld>
             <a:endParaRPr lang="en-SG"/>
           </a:p>
@@ -2602,7 +2607,7 @@
           <a:p>
             <a:fld id="{C6A6E151-1C2E-4ED8-9770-D8C903140F13}" type="datetimeFigureOut">
               <a:rPr lang="en-SG" smtClean="0"/>
-              <a:t>19/9/2019</a:t>
+              <a:t>19/9/19</a:t>
             </a:fld>
             <a:endParaRPr lang="en-SG"/>
           </a:p>
@@ -2915,7 +2920,7 @@
           <a:p>
             <a:fld id="{C6A6E151-1C2E-4ED8-9770-D8C903140F13}" type="datetimeFigureOut">
               <a:rPr lang="en-SG" smtClean="0"/>
-              <a:t>19/9/2019</a:t>
+              <a:t>19/9/19</a:t>
             </a:fld>
             <a:endParaRPr lang="en-SG"/>
           </a:p>
@@ -3204,7 +3209,7 @@
           <a:p>
             <a:fld id="{C6A6E151-1C2E-4ED8-9770-D8C903140F13}" type="datetimeFigureOut">
               <a:rPr lang="en-SG" smtClean="0"/>
-              <a:t>19/9/2019</a:t>
+              <a:t>19/9/19</a:t>
             </a:fld>
             <a:endParaRPr lang="en-SG"/>
           </a:p>
@@ -3447,7 +3452,7 @@
           <a:p>
             <a:fld id="{C6A6E151-1C2E-4ED8-9770-D8C903140F13}" type="datetimeFigureOut">
               <a:rPr lang="en-SG" smtClean="0"/>
-              <a:t>19/9/2019</a:t>
+              <a:t>19/9/19</a:t>
             </a:fld>
             <a:endParaRPr lang="en-SG"/>
           </a:p>
@@ -3927,14 +3932,14 @@
           <p:nvPr>
             <p:extLst>
               <p:ext uri="{D42A27DB-BD31-4B8C-83A1-F6EECF244321}">
-                <p14:modId xmlns:p14="http://schemas.microsoft.com/office/powerpoint/2010/main" val="3792280139"/>
+                <p14:modId xmlns:p14="http://schemas.microsoft.com/office/powerpoint/2010/main" val="1582936961"/>
               </p:ext>
             </p:extLst>
           </p:nvPr>
         </p:nvGraphicFramePr>
         <p:xfrm>
-          <a:off x="2032000" y="227297"/>
-          <a:ext cx="8128000" cy="5461000"/>
+          <a:off x="1359337" y="429260"/>
+          <a:ext cx="8793655" cy="5999480"/>
         </p:xfrm>
         <a:graphic>
           <a:graphicData uri="http://schemas.openxmlformats.org/drawingml/2006/table">
@@ -3943,35 +3948,35 @@
                 <a:tableStyleId>{5C22544A-7EE6-4342-B048-85BDC9FD1C3A}</a:tableStyleId>
               </a:tblPr>
               <a:tblGrid>
-                <a:gridCol w="1020689">
+                <a:gridCol w="1104279">
                   <a:extLst>
                     <a:ext uri="{9D8B030D-6E8A-4147-A177-3AD203B41FA5}">
                       <a16:colId xmlns:a16="http://schemas.microsoft.com/office/drawing/2014/main" val="3211942219"/>
                     </a:ext>
                   </a:extLst>
                 </a:gridCol>
-                <a:gridCol w="970671">
+                <a:gridCol w="1050165">
                   <a:extLst>
                     <a:ext uri="{9D8B030D-6E8A-4147-A177-3AD203B41FA5}">
                       <a16:colId xmlns:a16="http://schemas.microsoft.com/office/drawing/2014/main" val="1486704503"/>
                     </a:ext>
                   </a:extLst>
                 </a:gridCol>
-                <a:gridCol w="3643532">
+                <a:gridCol w="3941925">
                   <a:extLst>
                     <a:ext uri="{9D8B030D-6E8A-4147-A177-3AD203B41FA5}">
                       <a16:colId xmlns:a16="http://schemas.microsoft.com/office/drawing/2014/main" val="2067182779"/>
                     </a:ext>
                   </a:extLst>
                 </a:gridCol>
-                <a:gridCol w="1097280">
+                <a:gridCol w="1187144">
                   <a:extLst>
                     <a:ext uri="{9D8B030D-6E8A-4147-A177-3AD203B41FA5}">
                       <a16:colId xmlns:a16="http://schemas.microsoft.com/office/drawing/2014/main" val="3326936722"/>
                     </a:ext>
                   </a:extLst>
                 </a:gridCol>
-                <a:gridCol w="1395828">
+                <a:gridCol w="1510142">
                   <a:extLst>
                     <a:ext uri="{9D8B030D-6E8A-4147-A177-3AD203B41FA5}">
                       <a16:colId xmlns:a16="http://schemas.microsoft.com/office/drawing/2014/main" val="140614351"/>
@@ -4096,17 +4101,23 @@
                     <a:bodyPr/>
                     <a:lstStyle/>
                     <a:p>
-                      <a:endParaRPr lang="en-SG" dirty="0"/>
-                    </a:p>
-                  </a:txBody>
-                  <a:tcPr/>
-                </a:tc>
-                <a:tc>
-                  <a:txBody>
-                    <a:bodyPr/>
-                    <a:lstStyle/>
-                    <a:p>
-                      <a:endParaRPr lang="en-SG" dirty="0"/>
+                      <a:r>
+                        <a:rPr lang="en-SG" dirty="0"/>
+                        <a:t>1</a:t>
+                      </a:r>
+                    </a:p>
+                  </a:txBody>
+                  <a:tcPr/>
+                </a:tc>
+                <a:tc>
+                  <a:txBody>
+                    <a:bodyPr/>
+                    <a:lstStyle/>
+                    <a:p>
+                      <a:r>
+                        <a:rPr lang="en-SG" dirty="0"/>
+                        <a:t>-</a:t>
+                      </a:r>
                     </a:p>
                   </a:txBody>
                   <a:tcPr/>
@@ -4123,7 +4134,10 @@
                     <a:bodyPr/>
                     <a:lstStyle/>
                     <a:p>
-                      <a:endParaRPr lang="en-SG" dirty="0"/>
+                      <a:r>
+                        <a:rPr lang="en-SG" dirty="0"/>
+                        <a:t>1</a:t>
+                      </a:r>
                     </a:p>
                   </a:txBody>
                   <a:tcPr/>
@@ -4159,17 +4173,23 @@
                     <a:bodyPr/>
                     <a:lstStyle/>
                     <a:p>
-                      <a:endParaRPr lang="en-SG" dirty="0"/>
-                    </a:p>
-                  </a:txBody>
-                  <a:tcPr/>
-                </a:tc>
-                <a:tc>
-                  <a:txBody>
-                    <a:bodyPr/>
-                    <a:lstStyle/>
-                    <a:p>
-                      <a:endParaRPr lang="en-SG"/>
+                      <a:r>
+                        <a:rPr lang="en-SG" dirty="0"/>
+                        <a:t>1</a:t>
+                      </a:r>
+                    </a:p>
+                  </a:txBody>
+                  <a:tcPr/>
+                </a:tc>
+                <a:tc>
+                  <a:txBody>
+                    <a:bodyPr/>
+                    <a:lstStyle/>
+                    <a:p>
+                      <a:r>
+                        <a:rPr lang="en-SG" dirty="0"/>
+                        <a:t>1</a:t>
+                      </a:r>
                     </a:p>
                   </a:txBody>
                   <a:tcPr/>
@@ -4186,7 +4206,10 @@
                     <a:bodyPr/>
                     <a:lstStyle/>
                     <a:p>
-                      <a:endParaRPr lang="en-SG"/>
+                      <a:r>
+                        <a:rPr lang="en-SG" dirty="0"/>
+                        <a:t>1</a:t>
+                      </a:r>
                     </a:p>
                   </a:txBody>
                   <a:tcPr/>
@@ -4222,17 +4245,23 @@
                     <a:bodyPr/>
                     <a:lstStyle/>
                     <a:p>
-                      <a:endParaRPr lang="en-SG"/>
-                    </a:p>
-                  </a:txBody>
-                  <a:tcPr/>
-                </a:tc>
-                <a:tc>
-                  <a:txBody>
-                    <a:bodyPr/>
-                    <a:lstStyle/>
-                    <a:p>
-                      <a:endParaRPr lang="en-SG"/>
+                      <a:r>
+                        <a:rPr lang="en-SG" dirty="0"/>
+                        <a:t>1</a:t>
+                      </a:r>
+                    </a:p>
+                  </a:txBody>
+                  <a:tcPr/>
+                </a:tc>
+                <a:tc>
+                  <a:txBody>
+                    <a:bodyPr/>
+                    <a:lstStyle/>
+                    <a:p>
+                      <a:r>
+                        <a:rPr lang="en-SG" dirty="0"/>
+                        <a:t>1, 2</a:t>
+                      </a:r>
                     </a:p>
                   </a:txBody>
                   <a:tcPr/>
@@ -4249,7 +4278,10 @@
                     <a:bodyPr/>
                     <a:lstStyle/>
                     <a:p>
-                      <a:endParaRPr lang="en-SG" dirty="0"/>
+                      <a:r>
+                        <a:rPr lang="en-SG" dirty="0"/>
+                        <a:t>1</a:t>
+                      </a:r>
                     </a:p>
                   </a:txBody>
                   <a:tcPr/>
@@ -4274,28 +4306,34 @@
                     <a:p>
                       <a:r>
                         <a:rPr lang="en-SG" dirty="0"/>
-                        <a:t>Login, CSS</a:t>
-                      </a:r>
-                    </a:p>
-                  </a:txBody>
-                  <a:tcPr/>
-                </a:tc>
-                <a:tc>
-                  <a:txBody>
-                    <a:bodyPr/>
-                    <a:lstStyle/>
-                    <a:p>
-                      <a:endParaRPr lang="en-SG" dirty="0"/>
-                    </a:p>
-                  </a:txBody>
-                  <a:tcPr/>
-                </a:tc>
-                <a:tc>
-                  <a:txBody>
-                    <a:bodyPr/>
-                    <a:lstStyle/>
-                    <a:p>
-                      <a:endParaRPr lang="en-SG" dirty="0"/>
+                        <a:t>Login function (+ CSS)</a:t>
+                      </a:r>
+                    </a:p>
+                  </a:txBody>
+                  <a:tcPr/>
+                </a:tc>
+                <a:tc>
+                  <a:txBody>
+                    <a:bodyPr/>
+                    <a:lstStyle/>
+                    <a:p>
+                      <a:r>
+                        <a:rPr lang="en-SG" dirty="0"/>
+                        <a:t>1</a:t>
+                      </a:r>
+                    </a:p>
+                  </a:txBody>
+                  <a:tcPr/>
+                </a:tc>
+                <a:tc>
+                  <a:txBody>
+                    <a:bodyPr/>
+                    <a:lstStyle/>
+                    <a:p>
+                      <a:r>
+                        <a:rPr lang="en-SG" dirty="0"/>
+                        <a:t>1</a:t>
+                      </a:r>
                     </a:p>
                   </a:txBody>
                   <a:tcPr/>
@@ -4312,7 +4350,10 @@
                     <a:bodyPr/>
                     <a:lstStyle/>
                     <a:p>
-                      <a:endParaRPr lang="en-SG" dirty="0"/>
+                      <a:r>
+                        <a:rPr lang="en-SG" dirty="0"/>
+                        <a:t>1</a:t>
+                      </a:r>
                     </a:p>
                   </a:txBody>
                   <a:tcPr/>
@@ -4337,33 +4378,34 @@
                     <a:p>
                       <a:r>
                         <a:rPr lang="en-SG" dirty="0"/>
-                        <a:t>Student &amp; Admin </a:t>
-                      </a:r>
-                      <a:r>
-                        <a:rPr lang="en-SG" dirty="0" err="1"/>
-                        <a:t>index.php</a:t>
-                      </a:r>
-                      <a:endParaRPr lang="en-SG" dirty="0"/>
-                    </a:p>
-                  </a:txBody>
-                  <a:tcPr/>
-                </a:tc>
-                <a:tc>
-                  <a:txBody>
-                    <a:bodyPr/>
-                    <a:lstStyle/>
-                    <a:p>
-                      <a:endParaRPr lang="en-SG" dirty="0"/>
-                    </a:p>
-                  </a:txBody>
-                  <a:tcPr/>
-                </a:tc>
-                <a:tc>
-                  <a:txBody>
-                    <a:bodyPr/>
-                    <a:lstStyle/>
-                    <a:p>
-                      <a:endParaRPr lang="en-SG" dirty="0"/>
+                        <a:t>Student &amp; Admin index.php</a:t>
+                      </a:r>
+                    </a:p>
+                  </a:txBody>
+                  <a:tcPr/>
+                </a:tc>
+                <a:tc>
+                  <a:txBody>
+                    <a:bodyPr/>
+                    <a:lstStyle/>
+                    <a:p>
+                      <a:r>
+                        <a:rPr lang="en-SG" dirty="0"/>
+                        <a:t>1</a:t>
+                      </a:r>
+                    </a:p>
+                  </a:txBody>
+                  <a:tcPr/>
+                </a:tc>
+                <a:tc>
+                  <a:txBody>
+                    <a:bodyPr/>
+                    <a:lstStyle/>
+                    <a:p>
+                      <a:r>
+                        <a:rPr lang="en-SG" dirty="0"/>
+                        <a:t>3, 4</a:t>
+                      </a:r>
                     </a:p>
                   </a:txBody>
                   <a:tcPr/>
@@ -4380,7 +4422,10 @@
                     <a:bodyPr/>
                     <a:lstStyle/>
                     <a:p>
-                      <a:endParaRPr lang="en-SG" dirty="0"/>
+                      <a:r>
+                        <a:rPr lang="en-SG" dirty="0"/>
+                        <a:t>1</a:t>
+                      </a:r>
                     </a:p>
                   </a:txBody>
                   <a:tcPr/>
@@ -4405,28 +4450,34 @@
                     <a:p>
                       <a:r>
                         <a:rPr lang="en-SG" dirty="0"/>
-                        <a:t>Bootstrap</a:t>
-                      </a:r>
-                    </a:p>
-                  </a:txBody>
-                  <a:tcPr/>
-                </a:tc>
-                <a:tc>
-                  <a:txBody>
-                    <a:bodyPr/>
-                    <a:lstStyle/>
-                    <a:p>
-                      <a:endParaRPr lang="en-SG" dirty="0"/>
-                    </a:p>
-                  </a:txBody>
-                  <a:tcPr/>
-                </a:tc>
-                <a:tc>
-                  <a:txBody>
-                    <a:bodyPr/>
-                    <a:lstStyle/>
-                    <a:p>
-                      <a:endParaRPr lang="en-SG" dirty="0"/>
+                        <a:t>Bootstrap function</a:t>
+                      </a:r>
+                    </a:p>
+                  </a:txBody>
+                  <a:tcPr/>
+                </a:tc>
+                <a:tc>
+                  <a:txBody>
+                    <a:bodyPr/>
+                    <a:lstStyle/>
+                    <a:p>
+                      <a:r>
+                        <a:rPr lang="en-SG" dirty="0"/>
+                        <a:t>6</a:t>
+                      </a:r>
+                    </a:p>
+                  </a:txBody>
+                  <a:tcPr/>
+                </a:tc>
+                <a:tc>
+                  <a:txBody>
+                    <a:bodyPr/>
+                    <a:lstStyle/>
+                    <a:p>
+                      <a:r>
+                        <a:rPr lang="en-SG" dirty="0"/>
+                        <a:t>-</a:t>
+                      </a:r>
                     </a:p>
                   </a:txBody>
                   <a:tcPr/>
@@ -4443,7 +4494,10 @@
                     <a:bodyPr/>
                     <a:lstStyle/>
                     <a:p>
-                      <a:endParaRPr lang="en-SG" dirty="0"/>
+                      <a:r>
+                        <a:rPr lang="en-SG" dirty="0"/>
+                        <a:t>1</a:t>
+                      </a:r>
                     </a:p>
                   </a:txBody>
                   <a:tcPr/>
@@ -4485,28 +4539,34 @@
                       </a:pPr>
                       <a:r>
                         <a:rPr lang="en-SG" dirty="0"/>
-                        <a:t>Course.csv validation,</a:t>
-                      </a:r>
-                    </a:p>
-                  </a:txBody>
-                  <a:tcPr/>
-                </a:tc>
-                <a:tc>
-                  <a:txBody>
-                    <a:bodyPr/>
-                    <a:lstStyle/>
-                    <a:p>
-                      <a:endParaRPr lang="en-SG" dirty="0"/>
-                    </a:p>
-                  </a:txBody>
-                  <a:tcPr/>
-                </a:tc>
-                <a:tc>
-                  <a:txBody>
-                    <a:bodyPr/>
-                    <a:lstStyle/>
-                    <a:p>
-                      <a:endParaRPr lang="en-SG" dirty="0"/>
+                        <a:t>Student.csv validation</a:t>
+                      </a:r>
+                    </a:p>
+                  </a:txBody>
+                  <a:tcPr/>
+                </a:tc>
+                <a:tc>
+                  <a:txBody>
+                    <a:bodyPr/>
+                    <a:lstStyle/>
+                    <a:p>
+                      <a:r>
+                        <a:rPr lang="en-SG" dirty="0"/>
+                        <a:t>1</a:t>
+                      </a:r>
+                    </a:p>
+                  </a:txBody>
+                  <a:tcPr/>
+                </a:tc>
+                <a:tc>
+                  <a:txBody>
+                    <a:bodyPr/>
+                    <a:lstStyle/>
+                    <a:p>
+                      <a:r>
+                        <a:rPr lang="en-SG" dirty="0"/>
+                        <a:t>5</a:t>
+                      </a:r>
                     </a:p>
                   </a:txBody>
                   <a:tcPr/>
@@ -4523,7 +4583,10 @@
                     <a:bodyPr/>
                     <a:lstStyle/>
                     <a:p>
-                      <a:endParaRPr lang="en-SG" dirty="0"/>
+                      <a:r>
+                        <a:rPr lang="en-SG" dirty="0"/>
+                        <a:t>1</a:t>
+                      </a:r>
                     </a:p>
                   </a:txBody>
                   <a:tcPr/>
@@ -4546,30 +4609,53 @@
                     <a:bodyPr/>
                     <a:lstStyle/>
                     <a:p>
-                      <a:r>
-                        <a:rPr lang="en-SG" dirty="0"/>
-                        <a:t>Section.csv</a:t>
-                      </a:r>
-                    </a:p>
-                  </a:txBody>
-                  <a:tcPr/>
-                </a:tc>
-                <a:tc>
-                  <a:txBody>
-                    <a:bodyPr/>
-                    <a:lstStyle/>
-                    <a:p>
-                      <a:endParaRPr lang="en-SG" dirty="0"/>
-                    </a:p>
-                  </a:txBody>
-                  <a:tcPr/>
-                </a:tc>
-                <a:tc>
-                  <a:txBody>
-                    <a:bodyPr/>
-                    <a:lstStyle/>
-                    <a:p>
-                      <a:endParaRPr lang="en-SG" dirty="0"/>
+                      <a:pPr marL="0" marR="0" lvl="0" indent="0" algn="l" defTabSz="914400" rtl="0" eaLnBrk="1" fontAlgn="auto" latinLnBrk="0" hangingPunct="1">
+                        <a:lnSpc>
+                          <a:spcPct val="100000"/>
+                        </a:lnSpc>
+                        <a:spcBef>
+                          <a:spcPts val="0"/>
+                        </a:spcBef>
+                        <a:spcAft>
+                          <a:spcPts val="0"/>
+                        </a:spcAft>
+                        <a:buClrTx/>
+                        <a:buSzTx/>
+                        <a:buFontTx/>
+                        <a:buNone/>
+                        <a:tabLst/>
+                        <a:defRPr/>
+                      </a:pPr>
+                      <a:r>
+                        <a:rPr lang="en-SG" dirty="0"/>
+                        <a:t>Course.csv validation</a:t>
+                      </a:r>
+                    </a:p>
+                  </a:txBody>
+                  <a:tcPr/>
+                </a:tc>
+                <a:tc>
+                  <a:txBody>
+                    <a:bodyPr/>
+                    <a:lstStyle/>
+                    <a:p>
+                      <a:r>
+                        <a:rPr lang="en-SG" dirty="0"/>
+                        <a:t>1</a:t>
+                      </a:r>
+                    </a:p>
+                  </a:txBody>
+                  <a:tcPr/>
+                </a:tc>
+                <a:tc>
+                  <a:txBody>
+                    <a:bodyPr/>
+                    <a:lstStyle/>
+                    <a:p>
+                      <a:r>
+                        <a:rPr lang="en-SG" dirty="0"/>
+                        <a:t>5, 6_1</a:t>
+                      </a:r>
                     </a:p>
                   </a:txBody>
                   <a:tcPr/>
@@ -4586,7 +4672,10 @@
                     <a:bodyPr/>
                     <a:lstStyle/>
                     <a:p>
-                      <a:endParaRPr lang="en-SG" dirty="0"/>
+                      <a:r>
+                        <a:rPr lang="en-SG" dirty="0"/>
+                        <a:t>1</a:t>
+                      </a:r>
                     </a:p>
                   </a:txBody>
                   <a:tcPr/>
@@ -4609,30 +4698,53 @@
                     <a:bodyPr/>
                     <a:lstStyle/>
                     <a:p>
-                      <a:r>
-                        <a:rPr lang="en-SG" dirty="0"/>
-                        <a:t>Student.csv</a:t>
-                      </a:r>
-                    </a:p>
-                  </a:txBody>
-                  <a:tcPr/>
-                </a:tc>
-                <a:tc>
-                  <a:txBody>
-                    <a:bodyPr/>
-                    <a:lstStyle/>
-                    <a:p>
-                      <a:endParaRPr lang="en-SG" dirty="0"/>
-                    </a:p>
-                  </a:txBody>
-                  <a:tcPr/>
-                </a:tc>
-                <a:tc>
-                  <a:txBody>
-                    <a:bodyPr/>
-                    <a:lstStyle/>
-                    <a:p>
-                      <a:endParaRPr lang="en-SG" dirty="0"/>
+                      <a:pPr marL="0" marR="0" lvl="0" indent="0" algn="l" defTabSz="914400" rtl="0" eaLnBrk="1" fontAlgn="auto" latinLnBrk="0" hangingPunct="1">
+                        <a:lnSpc>
+                          <a:spcPct val="100000"/>
+                        </a:lnSpc>
+                        <a:spcBef>
+                          <a:spcPts val="0"/>
+                        </a:spcBef>
+                        <a:spcAft>
+                          <a:spcPts val="0"/>
+                        </a:spcAft>
+                        <a:buClrTx/>
+                        <a:buSzTx/>
+                        <a:buFontTx/>
+                        <a:buNone/>
+                        <a:tabLst/>
+                        <a:defRPr/>
+                      </a:pPr>
+                      <a:r>
+                        <a:rPr lang="en-SG" dirty="0"/>
+                        <a:t>Section.csv validation</a:t>
+                      </a:r>
+                    </a:p>
+                  </a:txBody>
+                  <a:tcPr/>
+                </a:tc>
+                <a:tc>
+                  <a:txBody>
+                    <a:bodyPr/>
+                    <a:lstStyle/>
+                    <a:p>
+                      <a:r>
+                        <a:rPr lang="en-SG" dirty="0"/>
+                        <a:t>1</a:t>
+                      </a:r>
+                    </a:p>
+                  </a:txBody>
+                  <a:tcPr/>
+                </a:tc>
+                <a:tc>
+                  <a:txBody>
+                    <a:bodyPr/>
+                    <a:lstStyle/>
+                    <a:p>
+                      <a:r>
+                        <a:rPr lang="en-SG" dirty="0"/>
+                        <a:t>5, 6_1, 6_2</a:t>
+                      </a:r>
                     </a:p>
                   </a:txBody>
                   <a:tcPr/>
@@ -4649,7 +4761,10 @@
                     <a:bodyPr/>
                     <a:lstStyle/>
                     <a:p>
-                      <a:endParaRPr lang="en-SG" dirty="0"/>
+                      <a:r>
+                        <a:rPr lang="en-SG" dirty="0"/>
+                        <a:t>1</a:t>
+                      </a:r>
                     </a:p>
                   </a:txBody>
                   <a:tcPr/>
@@ -4672,30 +4787,70 @@
                     <a:bodyPr/>
                     <a:lstStyle/>
                     <a:p>
-                      <a:r>
-                        <a:rPr lang="en-SG" dirty="0"/>
-                        <a:t>Bid.csv</a:t>
-                      </a:r>
-                    </a:p>
-                  </a:txBody>
-                  <a:tcPr/>
-                </a:tc>
-                <a:tc>
-                  <a:txBody>
-                    <a:bodyPr/>
-                    <a:lstStyle/>
-                    <a:p>
-                      <a:endParaRPr lang="en-SG" dirty="0"/>
-                    </a:p>
-                  </a:txBody>
-                  <a:tcPr/>
-                </a:tc>
-                <a:tc>
-                  <a:txBody>
-                    <a:bodyPr/>
-                    <a:lstStyle/>
-                    <a:p>
-                      <a:endParaRPr lang="en-SG" dirty="0"/>
+                      <a:pPr marL="0" marR="0" lvl="0" indent="0" algn="l" defTabSz="914400" rtl="0" eaLnBrk="1" fontAlgn="auto" latinLnBrk="0" hangingPunct="1">
+                        <a:lnSpc>
+                          <a:spcPct val="100000"/>
+                        </a:lnSpc>
+                        <a:spcBef>
+                          <a:spcPts val="0"/>
+                        </a:spcBef>
+                        <a:spcAft>
+                          <a:spcPts val="0"/>
+                        </a:spcAft>
+                        <a:buClrTx/>
+                        <a:buSzTx/>
+                        <a:buFontTx/>
+                        <a:buNone/>
+                        <a:tabLst/>
+                        <a:defRPr/>
+                      </a:pPr>
+                      <a:r>
+                        <a:rPr lang="en-SG" dirty="0"/>
+                        <a:t>Prerequisite.csv validation Course_completed.csv validation</a:t>
+                      </a:r>
+                    </a:p>
+                  </a:txBody>
+                  <a:tcPr/>
+                </a:tc>
+                <a:tc>
+                  <a:txBody>
+                    <a:bodyPr/>
+                    <a:lstStyle/>
+                    <a:p>
+                      <a:r>
+                        <a:rPr lang="en-SG" dirty="0"/>
+                        <a:t>1</a:t>
+                      </a:r>
+                    </a:p>
+                  </a:txBody>
+                  <a:tcPr/>
+                </a:tc>
+                <a:tc>
+                  <a:txBody>
+                    <a:bodyPr/>
+                    <a:lstStyle/>
+                    <a:p>
+                      <a:pPr marL="0" marR="0" lvl="0" indent="0" algn="l" defTabSz="914400" rtl="0" eaLnBrk="1" fontAlgn="auto" latinLnBrk="0" hangingPunct="1">
+                        <a:lnSpc>
+                          <a:spcPct val="100000"/>
+                        </a:lnSpc>
+                        <a:spcBef>
+                          <a:spcPts val="0"/>
+                        </a:spcBef>
+                        <a:spcAft>
+                          <a:spcPts val="0"/>
+                        </a:spcAft>
+                        <a:buClrTx/>
+                        <a:buSzTx/>
+                        <a:buFontTx/>
+                        <a:buNone/>
+                        <a:tabLst/>
+                        <a:defRPr/>
+                      </a:pPr>
+                      <a:r>
+                        <a:rPr lang="en-SG" dirty="0"/>
+                        <a:t>5, 6_1, 6_2, 6_3</a:t>
+                      </a:r>
                     </a:p>
                   </a:txBody>
                   <a:tcPr/>
@@ -4712,7 +4867,10 @@
                     <a:bodyPr/>
                     <a:lstStyle/>
                     <a:p>
-                      <a:endParaRPr lang="en-SG" dirty="0"/>
+                      <a:r>
+                        <a:rPr lang="en-SG" dirty="0"/>
+                        <a:t>1</a:t>
+                      </a:r>
                     </a:p>
                   </a:txBody>
                   <a:tcPr/>
@@ -4735,30 +4893,70 @@
                     <a:bodyPr/>
                     <a:lstStyle/>
                     <a:p>
-                      <a:r>
-                        <a:rPr lang="en-SG" dirty="0"/>
-                        <a:t>Prerequisite.csv, Course_completed.csv</a:t>
-                      </a:r>
-                    </a:p>
-                  </a:txBody>
-                  <a:tcPr/>
-                </a:tc>
-                <a:tc>
-                  <a:txBody>
-                    <a:bodyPr/>
-                    <a:lstStyle/>
-                    <a:p>
-                      <a:endParaRPr lang="en-SG" dirty="0"/>
-                    </a:p>
-                  </a:txBody>
-                  <a:tcPr/>
-                </a:tc>
-                <a:tc>
-                  <a:txBody>
-                    <a:bodyPr/>
-                    <a:lstStyle/>
-                    <a:p>
-                      <a:endParaRPr lang="en-SG" dirty="0"/>
+                      <a:pPr marL="0" marR="0" lvl="0" indent="0" algn="l" defTabSz="914400" rtl="0" eaLnBrk="1" fontAlgn="auto" latinLnBrk="0" hangingPunct="1">
+                        <a:lnSpc>
+                          <a:spcPct val="100000"/>
+                        </a:lnSpc>
+                        <a:spcBef>
+                          <a:spcPts val="0"/>
+                        </a:spcBef>
+                        <a:spcAft>
+                          <a:spcPts val="0"/>
+                        </a:spcAft>
+                        <a:buClrTx/>
+                        <a:buSzTx/>
+                        <a:buFontTx/>
+                        <a:buNone/>
+                        <a:tabLst/>
+                        <a:defRPr/>
+                      </a:pPr>
+                      <a:r>
+                        <a:rPr lang="en-SG" dirty="0"/>
+                        <a:t>Bid.csv validation</a:t>
+                      </a:r>
+                    </a:p>
+                  </a:txBody>
+                  <a:tcPr/>
+                </a:tc>
+                <a:tc>
+                  <a:txBody>
+                    <a:bodyPr/>
+                    <a:lstStyle/>
+                    <a:p>
+                      <a:r>
+                        <a:rPr lang="en-SG" dirty="0"/>
+                        <a:t>1</a:t>
+                      </a:r>
+                    </a:p>
+                  </a:txBody>
+                  <a:tcPr/>
+                </a:tc>
+                <a:tc>
+                  <a:txBody>
+                    <a:bodyPr/>
+                    <a:lstStyle/>
+                    <a:p>
+                      <a:pPr marL="0" marR="0" lvl="0" indent="0" algn="l" defTabSz="914400" rtl="0" eaLnBrk="1" fontAlgn="auto" latinLnBrk="0" hangingPunct="1">
+                        <a:lnSpc>
+                          <a:spcPct val="100000"/>
+                        </a:lnSpc>
+                        <a:spcBef>
+                          <a:spcPts val="0"/>
+                        </a:spcBef>
+                        <a:spcAft>
+                          <a:spcPts val="0"/>
+                        </a:spcAft>
+                        <a:buClrTx/>
+                        <a:buSzTx/>
+                        <a:buFontTx/>
+                        <a:buNone/>
+                        <a:tabLst/>
+                        <a:defRPr/>
+                      </a:pPr>
+                      <a:r>
+                        <a:rPr lang="en-SG" dirty="0"/>
+                        <a:t>5, 6_1, 6_2, 6_3, 6_4</a:t>
+                      </a:r>
                     </a:p>
                   </a:txBody>
                   <a:tcPr/>
@@ -4775,7 +4973,10 @@
                     <a:bodyPr/>
                     <a:lstStyle/>
                     <a:p>
-                      <a:endParaRPr lang="en-SG" dirty="0"/>
+                      <a:r>
+                        <a:rPr lang="en-SG" dirty="0"/>
+                        <a:t>1</a:t>
+                      </a:r>
                     </a:p>
                   </a:txBody>
                   <a:tcPr/>
@@ -4800,28 +5001,34 @@
                     <a:p>
                       <a:r>
                         <a:rPr lang="en-SG" dirty="0"/>
-                        <a:t>Combine bootstrap</a:t>
-                      </a:r>
-                    </a:p>
-                  </a:txBody>
-                  <a:tcPr/>
-                </a:tc>
-                <a:tc>
-                  <a:txBody>
-                    <a:bodyPr/>
-                    <a:lstStyle/>
-                    <a:p>
-                      <a:endParaRPr lang="en-SG" dirty="0"/>
-                    </a:p>
-                  </a:txBody>
-                  <a:tcPr/>
-                </a:tc>
-                <a:tc>
-                  <a:txBody>
-                    <a:bodyPr/>
-                    <a:lstStyle/>
-                    <a:p>
-                      <a:endParaRPr lang="en-SG" dirty="0"/>
+                        <a:t>Combine bootstrap function</a:t>
+                      </a:r>
+                    </a:p>
+                  </a:txBody>
+                  <a:tcPr/>
+                </a:tc>
+                <a:tc>
+                  <a:txBody>
+                    <a:bodyPr/>
+                    <a:lstStyle/>
+                    <a:p>
+                      <a:r>
+                        <a:rPr lang="en-SG" dirty="0"/>
+                        <a:t>1</a:t>
+                      </a:r>
+                    </a:p>
+                  </a:txBody>
+                  <a:tcPr/>
+                </a:tc>
+                <a:tc>
+                  <a:txBody>
+                    <a:bodyPr/>
+                    <a:lstStyle/>
+                    <a:p>
+                      <a:r>
+                        <a:rPr lang="en-SG" dirty="0"/>
+                        <a:t>6_1, 6_2, 6_3, 6_4, 6_5</a:t>
+                      </a:r>
                     </a:p>
                   </a:txBody>
                   <a:tcPr/>
@@ -4838,7 +5045,10 @@
                     <a:bodyPr/>
                     <a:lstStyle/>
                     <a:p>
-                      <a:endParaRPr lang="en-SG" dirty="0"/>
+                      <a:r>
+                        <a:rPr lang="en-SG" dirty="0"/>
+                        <a:t>1</a:t>
+                      </a:r>
                     </a:p>
                   </a:txBody>
                   <a:tcPr/>
@@ -4863,28 +5073,34 @@
                     <a:p>
                       <a:r>
                         <a:rPr lang="en-SG" dirty="0"/>
-                        <a:t>Logout </a:t>
-                      </a:r>
-                    </a:p>
-                  </a:txBody>
-                  <a:tcPr/>
-                </a:tc>
-                <a:tc>
-                  <a:txBody>
-                    <a:bodyPr/>
-                    <a:lstStyle/>
-                    <a:p>
-                      <a:endParaRPr lang="en-SG" dirty="0"/>
-                    </a:p>
-                  </a:txBody>
-                  <a:tcPr/>
-                </a:tc>
-                <a:tc>
-                  <a:txBody>
-                    <a:bodyPr/>
-                    <a:lstStyle/>
-                    <a:p>
-                      <a:endParaRPr lang="en-SG" dirty="0"/>
+                        <a:t>Logout function</a:t>
+                      </a:r>
+                    </a:p>
+                  </a:txBody>
+                  <a:tcPr/>
+                </a:tc>
+                <a:tc>
+                  <a:txBody>
+                    <a:bodyPr/>
+                    <a:lstStyle/>
+                    <a:p>
+                      <a:r>
+                        <a:rPr lang="en-SG" dirty="0"/>
+                        <a:t>1</a:t>
+                      </a:r>
+                    </a:p>
+                  </a:txBody>
+                  <a:tcPr/>
+                </a:tc>
+                <a:tc>
+                  <a:txBody>
+                    <a:bodyPr/>
+                    <a:lstStyle/>
+                    <a:p>
+                      <a:r>
+                        <a:rPr lang="en-SG" dirty="0"/>
+                        <a:t>4, 5</a:t>
+                      </a:r>
                     </a:p>
                   </a:txBody>
                   <a:tcPr/>
@@ -4944,14 +5160,14 @@
           <p:nvPr>
             <p:extLst>
               <p:ext uri="{D42A27DB-BD31-4B8C-83A1-F6EECF244321}">
-                <p14:modId xmlns:p14="http://schemas.microsoft.com/office/powerpoint/2010/main" val="1744289949"/>
+                <p14:modId xmlns:p14="http://schemas.microsoft.com/office/powerpoint/2010/main" val="2273103999"/>
               </p:ext>
             </p:extLst>
           </p:nvPr>
         </p:nvGraphicFramePr>
         <p:xfrm>
-          <a:off x="2032000" y="63500"/>
-          <a:ext cx="8128000" cy="6238240"/>
+          <a:off x="1170152" y="535940"/>
+          <a:ext cx="9256110" cy="5593080"/>
         </p:xfrm>
         <a:graphic>
           <a:graphicData uri="http://schemas.openxmlformats.org/drawingml/2006/table">
@@ -4960,35 +5176,35 @@
                 <a:tableStyleId>{5C22544A-7EE6-4342-B048-85BDC9FD1C3A}</a:tableStyleId>
               </a:tblPr>
               <a:tblGrid>
-                <a:gridCol w="1020689">
+                <a:gridCol w="1162354">
                   <a:extLst>
                     <a:ext uri="{9D8B030D-6E8A-4147-A177-3AD203B41FA5}">
                       <a16:colId xmlns:a16="http://schemas.microsoft.com/office/drawing/2014/main" val="3211942219"/>
                     </a:ext>
                   </a:extLst>
                 </a:gridCol>
-                <a:gridCol w="928468">
+                <a:gridCol w="1057333">
                   <a:extLst>
                     <a:ext uri="{9D8B030D-6E8A-4147-A177-3AD203B41FA5}">
                       <a16:colId xmlns:a16="http://schemas.microsoft.com/office/drawing/2014/main" val="1486704503"/>
                     </a:ext>
                   </a:extLst>
                 </a:gridCol>
-                <a:gridCol w="3727938">
+                <a:gridCol w="4245350">
                   <a:extLst>
                     <a:ext uri="{9D8B030D-6E8A-4147-A177-3AD203B41FA5}">
                       <a16:colId xmlns:a16="http://schemas.microsoft.com/office/drawing/2014/main" val="2067182779"/>
                     </a:ext>
                   </a:extLst>
                 </a:gridCol>
-                <a:gridCol w="1055077">
+                <a:gridCol w="1201514">
                   <a:extLst>
                     <a:ext uri="{9D8B030D-6E8A-4147-A177-3AD203B41FA5}">
                       <a16:colId xmlns:a16="http://schemas.microsoft.com/office/drawing/2014/main" val="3326936722"/>
                     </a:ext>
                   </a:extLst>
                 </a:gridCol>
-                <a:gridCol w="1395828">
+                <a:gridCol w="1589559">
                   <a:extLst>
                     <a:ext uri="{9D8B030D-6E8A-4147-A177-3AD203B41FA5}">
                       <a16:colId xmlns:a16="http://schemas.microsoft.com/office/drawing/2014/main" val="140614351"/>
@@ -5102,28 +5318,34 @@
                     <a:p>
                       <a:r>
                         <a:rPr lang="en-SG" dirty="0"/>
-                        <a:t>Place bid</a:t>
-                      </a:r>
-                    </a:p>
-                  </a:txBody>
-                  <a:tcPr/>
-                </a:tc>
-                <a:tc>
-                  <a:txBody>
-                    <a:bodyPr/>
-                    <a:lstStyle/>
-                    <a:p>
-                      <a:endParaRPr lang="en-SG" dirty="0"/>
-                    </a:p>
-                  </a:txBody>
-                  <a:tcPr/>
-                </a:tc>
-                <a:tc>
-                  <a:txBody>
-                    <a:bodyPr/>
-                    <a:lstStyle/>
-                    <a:p>
-                      <a:endParaRPr lang="en-SG" dirty="0"/>
+                        <a:t>Place bid function</a:t>
+                      </a:r>
+                    </a:p>
+                  </a:txBody>
+                  <a:tcPr/>
+                </a:tc>
+                <a:tc>
+                  <a:txBody>
+                    <a:bodyPr/>
+                    <a:lstStyle/>
+                    <a:p>
+                      <a:r>
+                        <a:rPr lang="en-SG" dirty="0"/>
+                        <a:t>3</a:t>
+                      </a:r>
+                    </a:p>
+                  </a:txBody>
+                  <a:tcPr/>
+                </a:tc>
+                <a:tc>
+                  <a:txBody>
+                    <a:bodyPr/>
+                    <a:lstStyle/>
+                    <a:p>
+                      <a:r>
+                        <a:rPr lang="en-SG" dirty="0"/>
+                        <a:t>-</a:t>
+                      </a:r>
                     </a:p>
                   </a:txBody>
                   <a:tcPr/>
@@ -5140,7 +5362,10 @@
                     <a:bodyPr/>
                     <a:lstStyle/>
                     <a:p>
-                      <a:endParaRPr lang="en-SG" dirty="0"/>
+                      <a:r>
+                        <a:rPr lang="en-SG" dirty="0"/>
+                        <a:t>2</a:t>
+                      </a:r>
                     </a:p>
                   </a:txBody>
                   <a:tcPr/>
@@ -5180,339 +5405,6 @@
                         <a:t>Check bidding round number</a:t>
                       </a:r>
                     </a:p>
-                    <a:p>
-                      <a:r>
-                        <a:rPr lang="en-SG" dirty="0"/>
-                        <a:t>Check if student has fulfilled pre-requisite courses</a:t>
-                      </a:r>
-                    </a:p>
-                  </a:txBody>
-                  <a:tcPr/>
-                </a:tc>
-                <a:tc>
-                  <a:txBody>
-                    <a:bodyPr/>
-                    <a:lstStyle/>
-                    <a:p>
-                      <a:endParaRPr lang="en-SG" dirty="0"/>
-                    </a:p>
-                  </a:txBody>
-                  <a:tcPr/>
-                </a:tc>
-                <a:tc>
-                  <a:txBody>
-                    <a:bodyPr/>
-                    <a:lstStyle/>
-                    <a:p>
-                      <a:endParaRPr lang="en-SG"/>
-                    </a:p>
-                  </a:txBody>
-                  <a:tcPr/>
-                </a:tc>
-                <a:extLst>
-                  <a:ext uri="{0D108BD9-81ED-4DB2-BD59-A6C34878D82A}">
-                    <a16:rowId xmlns:a16="http://schemas.microsoft.com/office/drawing/2014/main" val="2822873400"/>
-                  </a:ext>
-                </a:extLst>
-              </a:tr>
-              <a:tr h="370840">
-                <a:tc>
-                  <a:txBody>
-                    <a:bodyPr/>
-                    <a:lstStyle/>
-                    <a:p>
-                      <a:endParaRPr lang="en-SG"/>
-                    </a:p>
-                  </a:txBody>
-                  <a:tcPr/>
-                </a:tc>
-                <a:tc>
-                  <a:txBody>
-                    <a:bodyPr/>
-                    <a:lstStyle/>
-                    <a:p>
-                      <a:r>
-                        <a:rPr lang="en-SG" dirty="0"/>
-                        <a:t>1_2</a:t>
-                      </a:r>
-                    </a:p>
-                  </a:txBody>
-                  <a:tcPr/>
-                </a:tc>
-                <a:tc>
-                  <a:txBody>
-                    <a:bodyPr/>
-                    <a:lstStyle/>
-                    <a:p>
-                      <a:r>
-                        <a:rPr lang="en-SG" dirty="0"/>
-                        <a:t>Check e-credits for students</a:t>
-                      </a:r>
-                    </a:p>
-                    <a:p>
-                      <a:r>
-                        <a:rPr lang="en-SG" dirty="0"/>
-                        <a:t>Check if student has bid for same course</a:t>
-                      </a:r>
-                    </a:p>
-                    <a:p>
-                      <a:r>
-                        <a:rPr lang="en-SG" dirty="0"/>
-                        <a:t>Check for clash in class &amp; exam timetables</a:t>
-                      </a:r>
-                    </a:p>
-                  </a:txBody>
-                  <a:tcPr/>
-                </a:tc>
-                <a:tc>
-                  <a:txBody>
-                    <a:bodyPr/>
-                    <a:lstStyle/>
-                    <a:p>
-                      <a:endParaRPr lang="en-SG"/>
-                    </a:p>
-                  </a:txBody>
-                  <a:tcPr/>
-                </a:tc>
-                <a:tc>
-                  <a:txBody>
-                    <a:bodyPr/>
-                    <a:lstStyle/>
-                    <a:p>
-                      <a:endParaRPr lang="en-SG"/>
-                    </a:p>
-                  </a:txBody>
-                  <a:tcPr/>
-                </a:tc>
-                <a:extLst>
-                  <a:ext uri="{0D108BD9-81ED-4DB2-BD59-A6C34878D82A}">
-                    <a16:rowId xmlns:a16="http://schemas.microsoft.com/office/drawing/2014/main" val="1989270857"/>
-                  </a:ext>
-                </a:extLst>
-              </a:tr>
-              <a:tr h="370840">
-                <a:tc>
-                  <a:txBody>
-                    <a:bodyPr/>
-                    <a:lstStyle/>
-                    <a:p>
-                      <a:endParaRPr lang="en-SG" dirty="0"/>
-                    </a:p>
-                  </a:txBody>
-                  <a:tcPr/>
-                </a:tc>
-                <a:tc>
-                  <a:txBody>
-                    <a:bodyPr/>
-                    <a:lstStyle/>
-                    <a:p>
-                      <a:r>
-                        <a:rPr lang="en-SG" dirty="0"/>
-                        <a:t>2</a:t>
-                      </a:r>
-                    </a:p>
-                  </a:txBody>
-                  <a:tcPr/>
-                </a:tc>
-                <a:tc>
-                  <a:txBody>
-                    <a:bodyPr/>
-                    <a:lstStyle/>
-                    <a:p>
-                      <a:r>
-                        <a:rPr lang="en-SG" dirty="0"/>
-                        <a:t>Drop bid</a:t>
-                      </a:r>
-                    </a:p>
-                  </a:txBody>
-                  <a:tcPr/>
-                </a:tc>
-                <a:tc>
-                  <a:txBody>
-                    <a:bodyPr/>
-                    <a:lstStyle/>
-                    <a:p>
-                      <a:endParaRPr lang="en-SG" dirty="0"/>
-                    </a:p>
-                  </a:txBody>
-                  <a:tcPr/>
-                </a:tc>
-                <a:tc>
-                  <a:txBody>
-                    <a:bodyPr/>
-                    <a:lstStyle/>
-                    <a:p>
-                      <a:endParaRPr lang="en-SG" dirty="0"/>
-                    </a:p>
-                  </a:txBody>
-                  <a:tcPr/>
-                </a:tc>
-                <a:extLst>
-                  <a:ext uri="{0D108BD9-81ED-4DB2-BD59-A6C34878D82A}">
-                    <a16:rowId xmlns:a16="http://schemas.microsoft.com/office/drawing/2014/main" val="966574650"/>
-                  </a:ext>
-                </a:extLst>
-              </a:tr>
-              <a:tr h="370840">
-                <a:tc>
-                  <a:txBody>
-                    <a:bodyPr/>
-                    <a:lstStyle/>
-                    <a:p>
-                      <a:endParaRPr lang="en-SG" dirty="0"/>
-                    </a:p>
-                  </a:txBody>
-                  <a:tcPr/>
-                </a:tc>
-                <a:tc>
-                  <a:txBody>
-                    <a:bodyPr/>
-                    <a:lstStyle/>
-                    <a:p>
-                      <a:r>
-                        <a:rPr lang="en-SG" dirty="0"/>
-                        <a:t>2_1</a:t>
-                      </a:r>
-                    </a:p>
-                  </a:txBody>
-                  <a:tcPr/>
-                </a:tc>
-                <a:tc>
-                  <a:txBody>
-                    <a:bodyPr/>
-                    <a:lstStyle/>
-                    <a:p>
-                      <a:r>
-                        <a:rPr lang="en-SG" dirty="0"/>
-                        <a:t>Check active bidding round</a:t>
-                      </a:r>
-                    </a:p>
-                    <a:p>
-                      <a:r>
-                        <a:rPr lang="en-SG" dirty="0"/>
-                        <a:t>Check if student has existing bid</a:t>
-                      </a:r>
-                    </a:p>
-                  </a:txBody>
-                  <a:tcPr/>
-                </a:tc>
-                <a:tc>
-                  <a:txBody>
-                    <a:bodyPr/>
-                    <a:lstStyle/>
-                    <a:p>
-                      <a:endParaRPr lang="en-SG" dirty="0"/>
-                    </a:p>
-                  </a:txBody>
-                  <a:tcPr/>
-                </a:tc>
-                <a:tc>
-                  <a:txBody>
-                    <a:bodyPr/>
-                    <a:lstStyle/>
-                    <a:p>
-                      <a:endParaRPr lang="en-SG" dirty="0"/>
-                    </a:p>
-                  </a:txBody>
-                  <a:tcPr/>
-                </a:tc>
-                <a:extLst>
-                  <a:ext uri="{0D108BD9-81ED-4DB2-BD59-A6C34878D82A}">
-                    <a16:rowId xmlns:a16="http://schemas.microsoft.com/office/drawing/2014/main" val="624286432"/>
-                  </a:ext>
-                </a:extLst>
-              </a:tr>
-              <a:tr h="370840">
-                <a:tc>
-                  <a:txBody>
-                    <a:bodyPr/>
-                    <a:lstStyle/>
-                    <a:p>
-                      <a:endParaRPr lang="en-SG" dirty="0"/>
-                    </a:p>
-                  </a:txBody>
-                  <a:tcPr/>
-                </a:tc>
-                <a:tc>
-                  <a:txBody>
-                    <a:bodyPr/>
-                    <a:lstStyle/>
-                    <a:p>
-                      <a:r>
-                        <a:rPr lang="en-SG" dirty="0"/>
-                        <a:t>3</a:t>
-                      </a:r>
-                    </a:p>
-                  </a:txBody>
-                  <a:tcPr/>
-                </a:tc>
-                <a:tc>
-                  <a:txBody>
-                    <a:bodyPr/>
-                    <a:lstStyle/>
-                    <a:p>
-                      <a:r>
-                        <a:rPr lang="en-SG" dirty="0"/>
-                        <a:t>Drop section</a:t>
-                      </a:r>
-                    </a:p>
-                  </a:txBody>
-                  <a:tcPr/>
-                </a:tc>
-                <a:tc>
-                  <a:txBody>
-                    <a:bodyPr/>
-                    <a:lstStyle/>
-                    <a:p>
-                      <a:endParaRPr lang="en-SG" dirty="0"/>
-                    </a:p>
-                  </a:txBody>
-                  <a:tcPr/>
-                </a:tc>
-                <a:tc>
-                  <a:txBody>
-                    <a:bodyPr/>
-                    <a:lstStyle/>
-                    <a:p>
-                      <a:endParaRPr lang="en-SG" dirty="0"/>
-                    </a:p>
-                  </a:txBody>
-                  <a:tcPr/>
-                </a:tc>
-                <a:extLst>
-                  <a:ext uri="{0D108BD9-81ED-4DB2-BD59-A6C34878D82A}">
-                    <a16:rowId xmlns:a16="http://schemas.microsoft.com/office/drawing/2014/main" val="1297787954"/>
-                  </a:ext>
-                </a:extLst>
-              </a:tr>
-              <a:tr h="370840">
-                <a:tc>
-                  <a:txBody>
-                    <a:bodyPr/>
-                    <a:lstStyle/>
-                    <a:p>
-                      <a:endParaRPr lang="en-SG" dirty="0"/>
-                    </a:p>
-                  </a:txBody>
-                  <a:tcPr/>
-                </a:tc>
-                <a:tc>
-                  <a:txBody>
-                    <a:bodyPr/>
-                    <a:lstStyle/>
-                    <a:p>
-                      <a:r>
-                        <a:rPr lang="en-SG" dirty="0"/>
-                        <a:t>3_1</a:t>
-                      </a:r>
-                    </a:p>
-                  </a:txBody>
-                  <a:tcPr/>
-                </a:tc>
-                <a:tc>
-                  <a:txBody>
-                    <a:bodyPr/>
-                    <a:lstStyle/>
                     <a:p>
                       <a:pPr marL="0" marR="0" lvl="0" indent="0" algn="l" defTabSz="914400" rtl="0" eaLnBrk="1" fontAlgn="auto" latinLnBrk="0" hangingPunct="1">
                         <a:lnSpc>
@@ -5533,47 +5425,447 @@
                       </a:pPr>
                       <a:r>
                         <a:rPr lang="en-SG" dirty="0"/>
-                        <a:t>Check active bidding round</a:t>
-                      </a:r>
-                    </a:p>
-                    <a:p>
-                      <a:r>
-                        <a:rPr lang="en-SG" dirty="0"/>
-                        <a:t>Check if student has enrolled in section</a:t>
-                      </a:r>
-                    </a:p>
-                    <a:p>
-                      <a:r>
-                        <a:rPr lang="en-SG" dirty="0"/>
-                        <a:t>Check for valid section input</a:t>
-                      </a:r>
-                    </a:p>
-                  </a:txBody>
-                  <a:tcPr/>
-                </a:tc>
-                <a:tc>
-                  <a:txBody>
-                    <a:bodyPr/>
-                    <a:lstStyle/>
-                    <a:p>
-                      <a:endParaRPr lang="en-SG" dirty="0"/>
-                    </a:p>
-                  </a:txBody>
-                  <a:tcPr/>
-                </a:tc>
-                <a:tc>
-                  <a:txBody>
-                    <a:bodyPr/>
-                    <a:lstStyle/>
-                    <a:p>
-                      <a:endParaRPr lang="en-SG" dirty="0"/>
+                        <a:t>Check for clash in class &amp; exam timetables</a:t>
+                      </a:r>
+                    </a:p>
+                  </a:txBody>
+                  <a:tcPr/>
+                </a:tc>
+                <a:tc>
+                  <a:txBody>
+                    <a:bodyPr/>
+                    <a:lstStyle/>
+                    <a:p>
+                      <a:r>
+                        <a:rPr lang="en-SG" dirty="0"/>
+                        <a:t>3</a:t>
+                      </a:r>
+                    </a:p>
+                  </a:txBody>
+                  <a:tcPr/>
+                </a:tc>
+                <a:tc>
+                  <a:txBody>
+                    <a:bodyPr/>
+                    <a:lstStyle/>
+                    <a:p>
+                      <a:r>
+                        <a:rPr lang="en-SG" dirty="0"/>
+                        <a:t>-</a:t>
+                      </a:r>
                     </a:p>
                   </a:txBody>
                   <a:tcPr/>
                 </a:tc>
                 <a:extLst>
                   <a:ext uri="{0D108BD9-81ED-4DB2-BD59-A6C34878D82A}">
-                    <a16:rowId xmlns:a16="http://schemas.microsoft.com/office/drawing/2014/main" val="1029028997"/>
+                    <a16:rowId xmlns:a16="http://schemas.microsoft.com/office/drawing/2014/main" val="2822873400"/>
+                  </a:ext>
+                </a:extLst>
+              </a:tr>
+              <a:tr h="370840">
+                <a:tc>
+                  <a:txBody>
+                    <a:bodyPr/>
+                    <a:lstStyle/>
+                    <a:p>
+                      <a:r>
+                        <a:rPr lang="en-SG" dirty="0"/>
+                        <a:t>2</a:t>
+                      </a:r>
+                    </a:p>
+                  </a:txBody>
+                  <a:tcPr/>
+                </a:tc>
+                <a:tc>
+                  <a:txBody>
+                    <a:bodyPr/>
+                    <a:lstStyle/>
+                    <a:p>
+                      <a:r>
+                        <a:rPr lang="en-SG" dirty="0"/>
+                        <a:t>1_2</a:t>
+                      </a:r>
+                    </a:p>
+                  </a:txBody>
+                  <a:tcPr/>
+                </a:tc>
+                <a:tc>
+                  <a:txBody>
+                    <a:bodyPr/>
+                    <a:lstStyle/>
+                    <a:p>
+                      <a:pPr marL="0" marR="0" lvl="0" indent="0" algn="l" defTabSz="914400" rtl="0" eaLnBrk="1" fontAlgn="auto" latinLnBrk="0" hangingPunct="1">
+                        <a:lnSpc>
+                          <a:spcPct val="100000"/>
+                        </a:lnSpc>
+                        <a:spcBef>
+                          <a:spcPts val="0"/>
+                        </a:spcBef>
+                        <a:spcAft>
+                          <a:spcPts val="0"/>
+                        </a:spcAft>
+                        <a:buClrTx/>
+                        <a:buSzTx/>
+                        <a:buFontTx/>
+                        <a:buNone/>
+                        <a:tabLst/>
+                        <a:defRPr/>
+                      </a:pPr>
+                      <a:r>
+                        <a:rPr lang="en-SG" dirty="0"/>
+                        <a:t>Check if student has fulfilled pre-requisite courses</a:t>
+                      </a:r>
+                    </a:p>
+                    <a:p>
+                      <a:r>
+                        <a:rPr lang="en-SG" dirty="0"/>
+                        <a:t>Check e-credits for students</a:t>
+                      </a:r>
+                    </a:p>
+                    <a:p>
+                      <a:r>
+                        <a:rPr lang="en-SG" dirty="0"/>
+                        <a:t>Check if student has bid for same course</a:t>
+                      </a:r>
+                    </a:p>
+                  </a:txBody>
+                  <a:tcPr/>
+                </a:tc>
+                <a:tc>
+                  <a:txBody>
+                    <a:bodyPr/>
+                    <a:lstStyle/>
+                    <a:p>
+                      <a:r>
+                        <a:rPr lang="en-SG" dirty="0"/>
+                        <a:t>3</a:t>
+                      </a:r>
+                    </a:p>
+                  </a:txBody>
+                  <a:tcPr/>
+                </a:tc>
+                <a:tc>
+                  <a:txBody>
+                    <a:bodyPr/>
+                    <a:lstStyle/>
+                    <a:p>
+                      <a:r>
+                        <a:rPr lang="en-SG" dirty="0"/>
+                        <a:t>-</a:t>
+                      </a:r>
+                    </a:p>
+                  </a:txBody>
+                  <a:tcPr/>
+                </a:tc>
+                <a:extLst>
+                  <a:ext uri="{0D108BD9-81ED-4DB2-BD59-A6C34878D82A}">
+                    <a16:rowId xmlns:a16="http://schemas.microsoft.com/office/drawing/2014/main" val="1989270857"/>
+                  </a:ext>
+                </a:extLst>
+              </a:tr>
+              <a:tr h="370840">
+                <a:tc>
+                  <a:txBody>
+                    <a:bodyPr/>
+                    <a:lstStyle/>
+                    <a:p>
+                      <a:r>
+                        <a:rPr lang="en-SG" dirty="0"/>
+                        <a:t>2</a:t>
+                      </a:r>
+                    </a:p>
+                  </a:txBody>
+                  <a:tcPr/>
+                </a:tc>
+                <a:tc>
+                  <a:txBody>
+                    <a:bodyPr/>
+                    <a:lstStyle/>
+                    <a:p>
+                      <a:r>
+                        <a:rPr lang="en-SG" dirty="0"/>
+                        <a:t>2</a:t>
+                      </a:r>
+                    </a:p>
+                  </a:txBody>
+                  <a:tcPr/>
+                </a:tc>
+                <a:tc>
+                  <a:txBody>
+                    <a:bodyPr/>
+                    <a:lstStyle/>
+                    <a:p>
+                      <a:r>
+                        <a:rPr lang="en-SG" dirty="0"/>
+                        <a:t>Combine place bid function</a:t>
+                      </a:r>
+                    </a:p>
+                  </a:txBody>
+                  <a:tcPr/>
+                </a:tc>
+                <a:tc>
+                  <a:txBody>
+                    <a:bodyPr/>
+                    <a:lstStyle/>
+                    <a:p>
+                      <a:r>
+                        <a:rPr lang="en-SG" dirty="0"/>
+                        <a:t>1</a:t>
+                      </a:r>
+                    </a:p>
+                  </a:txBody>
+                  <a:tcPr/>
+                </a:tc>
+                <a:tc>
+                  <a:txBody>
+                    <a:bodyPr/>
+                    <a:lstStyle/>
+                    <a:p>
+                      <a:r>
+                        <a:rPr lang="en-SG" dirty="0"/>
+                        <a:t>1_1, 1_2</a:t>
+                      </a:r>
+                    </a:p>
+                  </a:txBody>
+                  <a:tcPr/>
+                </a:tc>
+                <a:extLst>
+                  <a:ext uri="{0D108BD9-81ED-4DB2-BD59-A6C34878D82A}">
+                    <a16:rowId xmlns:a16="http://schemas.microsoft.com/office/drawing/2014/main" val="1092529037"/>
+                  </a:ext>
+                </a:extLst>
+              </a:tr>
+              <a:tr h="370840">
+                <a:tc>
+                  <a:txBody>
+                    <a:bodyPr/>
+                    <a:lstStyle/>
+                    <a:p>
+                      <a:r>
+                        <a:rPr lang="en-SG" dirty="0"/>
+                        <a:t>2</a:t>
+                      </a:r>
+                    </a:p>
+                  </a:txBody>
+                  <a:tcPr/>
+                </a:tc>
+                <a:tc>
+                  <a:txBody>
+                    <a:bodyPr/>
+                    <a:lstStyle/>
+                    <a:p>
+                      <a:r>
+                        <a:rPr lang="en-SG" dirty="0"/>
+                        <a:t>3</a:t>
+                      </a:r>
+                    </a:p>
+                  </a:txBody>
+                  <a:tcPr/>
+                </a:tc>
+                <a:tc>
+                  <a:txBody>
+                    <a:bodyPr/>
+                    <a:lstStyle/>
+                    <a:p>
+                      <a:r>
+                        <a:rPr lang="en-SG" dirty="0"/>
+                        <a:t>Drop bid function</a:t>
+                      </a:r>
+                    </a:p>
+                    <a:p>
+                      <a:pPr marL="285750" indent="-285750">
+                        <a:buFont typeface="Arial" panose="020B0604020202020204" pitchFamily="34" charset="0"/>
+                        <a:buChar char="•"/>
+                      </a:pPr>
+                      <a:r>
+                        <a:rPr lang="en-SG" dirty="0"/>
+                        <a:t>Check active bidding round</a:t>
+                      </a:r>
+                    </a:p>
+                    <a:p>
+                      <a:pPr marL="285750" indent="-285750">
+                        <a:buFont typeface="Arial" panose="020B0604020202020204" pitchFamily="34" charset="0"/>
+                        <a:buChar char="•"/>
+                      </a:pPr>
+                      <a:r>
+                        <a:rPr lang="en-SG" dirty="0"/>
+                        <a:t>Check if student has existing bid</a:t>
+                      </a:r>
+                    </a:p>
+                  </a:txBody>
+                  <a:tcPr/>
+                </a:tc>
+                <a:tc>
+                  <a:txBody>
+                    <a:bodyPr/>
+                    <a:lstStyle/>
+                    <a:p>
+                      <a:r>
+                        <a:rPr lang="en-SG" dirty="0"/>
+                        <a:t>3</a:t>
+                      </a:r>
+                    </a:p>
+                  </a:txBody>
+                  <a:tcPr/>
+                </a:tc>
+                <a:tc>
+                  <a:txBody>
+                    <a:bodyPr/>
+                    <a:lstStyle/>
+                    <a:p>
+                      <a:r>
+                        <a:rPr lang="en-SG" dirty="0"/>
+                        <a:t>2</a:t>
+                      </a:r>
+                    </a:p>
+                  </a:txBody>
+                  <a:tcPr/>
+                </a:tc>
+                <a:extLst>
+                  <a:ext uri="{0D108BD9-81ED-4DB2-BD59-A6C34878D82A}">
+                    <a16:rowId xmlns:a16="http://schemas.microsoft.com/office/drawing/2014/main" val="966574650"/>
+                  </a:ext>
+                </a:extLst>
+              </a:tr>
+              <a:tr h="370840">
+                <a:tc>
+                  <a:txBody>
+                    <a:bodyPr/>
+                    <a:lstStyle/>
+                    <a:p>
+                      <a:r>
+                        <a:rPr lang="en-SG" dirty="0"/>
+                        <a:t>2</a:t>
+                      </a:r>
+                    </a:p>
+                  </a:txBody>
+                  <a:tcPr/>
+                </a:tc>
+                <a:tc>
+                  <a:txBody>
+                    <a:bodyPr/>
+                    <a:lstStyle/>
+                    <a:p>
+                      <a:r>
+                        <a:rPr lang="en-SG" dirty="0"/>
+                        <a:t>4</a:t>
+                      </a:r>
+                    </a:p>
+                  </a:txBody>
+                  <a:tcPr/>
+                </a:tc>
+                <a:tc>
+                  <a:txBody>
+                    <a:bodyPr/>
+                    <a:lstStyle/>
+                    <a:p>
+                      <a:r>
+                        <a:rPr lang="en-SG" dirty="0"/>
+                        <a:t>Drop section function</a:t>
+                      </a:r>
+                    </a:p>
+                    <a:p>
+                      <a:pPr marL="285750" marR="0" lvl="0" indent="-285750" algn="l" defTabSz="914400" rtl="0" eaLnBrk="1" fontAlgn="auto" latinLnBrk="0" hangingPunct="1">
+                        <a:lnSpc>
+                          <a:spcPct val="100000"/>
+                        </a:lnSpc>
+                        <a:spcBef>
+                          <a:spcPts val="0"/>
+                        </a:spcBef>
+                        <a:spcAft>
+                          <a:spcPts val="0"/>
+                        </a:spcAft>
+                        <a:buClrTx/>
+                        <a:buSzTx/>
+                        <a:buFont typeface="Arial" panose="020B0604020202020204" pitchFamily="34" charset="0"/>
+                        <a:buChar char="•"/>
+                        <a:tabLst/>
+                        <a:defRPr/>
+                      </a:pPr>
+                      <a:r>
+                        <a:rPr lang="en-SG" dirty="0"/>
+                        <a:t>Check active bidding round</a:t>
+                      </a:r>
+                    </a:p>
+                    <a:p>
+                      <a:pPr marL="285750" marR="0" lvl="0" indent="-285750" algn="l" defTabSz="914400" rtl="0" eaLnBrk="1" fontAlgn="auto" latinLnBrk="0" hangingPunct="1">
+                        <a:lnSpc>
+                          <a:spcPct val="100000"/>
+                        </a:lnSpc>
+                        <a:spcBef>
+                          <a:spcPts val="0"/>
+                        </a:spcBef>
+                        <a:spcAft>
+                          <a:spcPts val="0"/>
+                        </a:spcAft>
+                        <a:buClrTx/>
+                        <a:buSzTx/>
+                        <a:buFont typeface="Arial" panose="020B0604020202020204" pitchFamily="34" charset="0"/>
+                        <a:buChar char="•"/>
+                        <a:tabLst/>
+                        <a:defRPr/>
+                      </a:pPr>
+                      <a:r>
+                        <a:rPr lang="en-SG" dirty="0"/>
+                        <a:t>Check if student has enrolled in section</a:t>
+                      </a:r>
+                    </a:p>
+                    <a:p>
+                      <a:pPr marL="285750" marR="0" lvl="0" indent="-285750" algn="l" defTabSz="914400" rtl="0" eaLnBrk="1" fontAlgn="auto" latinLnBrk="0" hangingPunct="1">
+                        <a:lnSpc>
+                          <a:spcPct val="100000"/>
+                        </a:lnSpc>
+                        <a:spcBef>
+                          <a:spcPts val="0"/>
+                        </a:spcBef>
+                        <a:spcAft>
+                          <a:spcPts val="0"/>
+                        </a:spcAft>
+                        <a:buClrTx/>
+                        <a:buSzTx/>
+                        <a:buFont typeface="Arial" panose="020B0604020202020204" pitchFamily="34" charset="0"/>
+                        <a:buChar char="•"/>
+                        <a:tabLst/>
+                        <a:defRPr/>
+                      </a:pPr>
+                      <a:r>
+                        <a:rPr lang="en-SG" dirty="0"/>
+                        <a:t>Check for valid section input</a:t>
+                      </a:r>
+                    </a:p>
+                  </a:txBody>
+                  <a:tcPr/>
+                </a:tc>
+                <a:tc>
+                  <a:txBody>
+                    <a:bodyPr/>
+                    <a:lstStyle/>
+                    <a:p>
+                      <a:r>
+                        <a:rPr lang="en-SG" dirty="0"/>
+                        <a:t>3</a:t>
+                      </a:r>
+                    </a:p>
+                  </a:txBody>
+                  <a:tcPr/>
+                </a:tc>
+                <a:tc>
+                  <a:txBody>
+                    <a:bodyPr/>
+                    <a:lstStyle/>
+                    <a:p>
+                      <a:r>
+                        <a:rPr lang="en-SG" dirty="0"/>
+                        <a:t>3</a:t>
+                      </a:r>
+                    </a:p>
+                  </a:txBody>
+                  <a:tcPr/>
+                </a:tc>
+                <a:extLst>
+                  <a:ext uri="{0D108BD9-81ED-4DB2-BD59-A6C34878D82A}">
+                    <a16:rowId xmlns:a16="http://schemas.microsoft.com/office/drawing/2014/main" val="1297787954"/>
                   </a:ext>
                 </a:extLst>
               </a:tr>

--- a/documents/schedule.pptx
+++ b/documents/schedule.pptx
@@ -3932,13 +3932,13 @@
           <p:nvPr>
             <p:extLst>
               <p:ext uri="{D42A27DB-BD31-4B8C-83A1-F6EECF244321}">
-                <p14:modId xmlns:p14="http://schemas.microsoft.com/office/powerpoint/2010/main" val="1582936961"/>
+                <p14:modId xmlns:p14="http://schemas.microsoft.com/office/powerpoint/2010/main" val="2972542255"/>
               </p:ext>
             </p:extLst>
           </p:nvPr>
         </p:nvGraphicFramePr>
         <p:xfrm>
-          <a:off x="1359337" y="429260"/>
+          <a:off x="1699172" y="429260"/>
           <a:ext cx="8793655" cy="5999480"/>
         </p:xfrm>
         <a:graphic>
@@ -4463,7 +4463,7 @@
                     <a:p>
                       <a:r>
                         <a:rPr lang="en-SG" dirty="0"/>
-                        <a:t>6</a:t>
+                        <a:t>3</a:t>
                       </a:r>
                     </a:p>
                   </a:txBody>
@@ -4542,72 +4542,6 @@
                         <a:t>Student.csv validation</a:t>
                       </a:r>
                     </a:p>
-                  </a:txBody>
-                  <a:tcPr/>
-                </a:tc>
-                <a:tc>
-                  <a:txBody>
-                    <a:bodyPr/>
-                    <a:lstStyle/>
-                    <a:p>
-                      <a:r>
-                        <a:rPr lang="en-SG" dirty="0"/>
-                        <a:t>1</a:t>
-                      </a:r>
-                    </a:p>
-                  </a:txBody>
-                  <a:tcPr/>
-                </a:tc>
-                <a:tc>
-                  <a:txBody>
-                    <a:bodyPr/>
-                    <a:lstStyle/>
-                    <a:p>
-                      <a:r>
-                        <a:rPr lang="en-SG" dirty="0"/>
-                        <a:t>5</a:t>
-                      </a:r>
-                    </a:p>
-                  </a:txBody>
-                  <a:tcPr/>
-                </a:tc>
-                <a:extLst>
-                  <a:ext uri="{0D108BD9-81ED-4DB2-BD59-A6C34878D82A}">
-                    <a16:rowId xmlns:a16="http://schemas.microsoft.com/office/drawing/2014/main" val="1029028997"/>
-                  </a:ext>
-                </a:extLst>
-              </a:tr>
-              <a:tr h="370840">
-                <a:tc>
-                  <a:txBody>
-                    <a:bodyPr/>
-                    <a:lstStyle/>
-                    <a:p>
-                      <a:r>
-                        <a:rPr lang="en-SG" dirty="0"/>
-                        <a:t>1</a:t>
-                      </a:r>
-                    </a:p>
-                  </a:txBody>
-                  <a:tcPr/>
-                </a:tc>
-                <a:tc>
-                  <a:txBody>
-                    <a:bodyPr/>
-                    <a:lstStyle/>
-                    <a:p>
-                      <a:r>
-                        <a:rPr lang="en-SG" dirty="0"/>
-                        <a:t>6_2</a:t>
-                      </a:r>
-                    </a:p>
-                  </a:txBody>
-                  <a:tcPr/>
-                </a:tc>
-                <a:tc>
-                  <a:txBody>
-                    <a:bodyPr/>
-                    <a:lstStyle/>
                     <a:p>
                       <a:pPr marL="0" marR="0" lvl="0" indent="0" algn="l" defTabSz="914400" rtl="0" eaLnBrk="1" fontAlgn="auto" latinLnBrk="0" hangingPunct="1">
                         <a:lnSpc>
@@ -4654,7 +4588,7 @@
                     <a:p>
                       <a:r>
                         <a:rPr lang="en-SG" dirty="0"/>
-                        <a:t>5, 6_1</a:t>
+                        <a:t>5</a:t>
                       </a:r>
                     </a:p>
                   </a:txBody>
@@ -4662,7 +4596,7 @@
                 </a:tc>
                 <a:extLst>
                   <a:ext uri="{0D108BD9-81ED-4DB2-BD59-A6C34878D82A}">
-                    <a16:rowId xmlns:a16="http://schemas.microsoft.com/office/drawing/2014/main" val="1587320840"/>
+                    <a16:rowId xmlns:a16="http://schemas.microsoft.com/office/drawing/2014/main" val="1029028997"/>
                   </a:ext>
                 </a:extLst>
               </a:tr>
@@ -4687,7 +4621,7 @@
                     <a:p>
                       <a:r>
                         <a:rPr lang="en-SG" dirty="0"/>
-                        <a:t>6_3</a:t>
+                        <a:t>6_2</a:t>
                       </a:r>
                     </a:p>
                   </a:txBody>
@@ -4720,72 +4654,6 @@
                         <a:t>Section.csv validation</a:t>
                       </a:r>
                     </a:p>
-                  </a:txBody>
-                  <a:tcPr/>
-                </a:tc>
-                <a:tc>
-                  <a:txBody>
-                    <a:bodyPr/>
-                    <a:lstStyle/>
-                    <a:p>
-                      <a:r>
-                        <a:rPr lang="en-SG" dirty="0"/>
-                        <a:t>1</a:t>
-                      </a:r>
-                    </a:p>
-                  </a:txBody>
-                  <a:tcPr/>
-                </a:tc>
-                <a:tc>
-                  <a:txBody>
-                    <a:bodyPr/>
-                    <a:lstStyle/>
-                    <a:p>
-                      <a:r>
-                        <a:rPr lang="en-SG" dirty="0"/>
-                        <a:t>5, 6_1, 6_2</a:t>
-                      </a:r>
-                    </a:p>
-                  </a:txBody>
-                  <a:tcPr/>
-                </a:tc>
-                <a:extLst>
-                  <a:ext uri="{0D108BD9-81ED-4DB2-BD59-A6C34878D82A}">
-                    <a16:rowId xmlns:a16="http://schemas.microsoft.com/office/drawing/2014/main" val="366614718"/>
-                  </a:ext>
-                </a:extLst>
-              </a:tr>
-              <a:tr h="370840">
-                <a:tc>
-                  <a:txBody>
-                    <a:bodyPr/>
-                    <a:lstStyle/>
-                    <a:p>
-                      <a:r>
-                        <a:rPr lang="en-SG" dirty="0"/>
-                        <a:t>1</a:t>
-                      </a:r>
-                    </a:p>
-                  </a:txBody>
-                  <a:tcPr/>
-                </a:tc>
-                <a:tc>
-                  <a:txBody>
-                    <a:bodyPr/>
-                    <a:lstStyle/>
-                    <a:p>
-                      <a:r>
-                        <a:rPr lang="en-SG" dirty="0"/>
-                        <a:t>6_4</a:t>
-                      </a:r>
-                    </a:p>
-                  </a:txBody>
-                  <a:tcPr/>
-                </a:tc>
-                <a:tc>
-                  <a:txBody>
-                    <a:bodyPr/>
-                    <a:lstStyle/>
                     <a:p>
                       <a:pPr marL="0" marR="0" lvl="0" indent="0" algn="l" defTabSz="914400" rtl="0" eaLnBrk="1" fontAlgn="auto" latinLnBrk="0" hangingPunct="1">
                         <a:lnSpc>
@@ -4806,7 +4674,7 @@
                       </a:pPr>
                       <a:r>
                         <a:rPr lang="en-SG" dirty="0"/>
-                        <a:t>Prerequisite.csv validation Course_completed.csv validation</a:t>
+                        <a:t>Prerequisite.csv validation </a:t>
                       </a:r>
                     </a:p>
                   </a:txBody>
@@ -4820,6 +4688,52 @@
                       <a:r>
                         <a:rPr lang="en-SG" dirty="0"/>
                         <a:t>1</a:t>
+                      </a:r>
+                    </a:p>
+                  </a:txBody>
+                  <a:tcPr/>
+                </a:tc>
+                <a:tc>
+                  <a:txBody>
+                    <a:bodyPr/>
+                    <a:lstStyle/>
+                    <a:p>
+                      <a:r>
+                        <a:rPr lang="en-SG" dirty="0"/>
+                        <a:t>5, 6_1</a:t>
+                      </a:r>
+                    </a:p>
+                  </a:txBody>
+                  <a:tcPr/>
+                </a:tc>
+                <a:extLst>
+                  <a:ext uri="{0D108BD9-81ED-4DB2-BD59-A6C34878D82A}">
+                    <a16:rowId xmlns:a16="http://schemas.microsoft.com/office/drawing/2014/main" val="1587320840"/>
+                  </a:ext>
+                </a:extLst>
+              </a:tr>
+              <a:tr h="370840">
+                <a:tc>
+                  <a:txBody>
+                    <a:bodyPr/>
+                    <a:lstStyle/>
+                    <a:p>
+                      <a:r>
+                        <a:rPr lang="en-SG" dirty="0"/>
+                        <a:t>1</a:t>
+                      </a:r>
+                    </a:p>
+                  </a:txBody>
+                  <a:tcPr/>
+                </a:tc>
+                <a:tc>
+                  <a:txBody>
+                    <a:bodyPr/>
+                    <a:lstStyle/>
+                    <a:p>
+                      <a:r>
+                        <a:rPr lang="en-SG" dirty="0"/>
+                        <a:t>6_3</a:t>
                       </a:r>
                     </a:p>
                   </a:txBody>
@@ -4849,49 +4763,9 @@
                       </a:pPr>
                       <a:r>
                         <a:rPr lang="en-SG" dirty="0"/>
-                        <a:t>5, 6_1, 6_2, 6_3</a:t>
-                      </a:r>
-                    </a:p>
-                  </a:txBody>
-                  <a:tcPr/>
-                </a:tc>
-                <a:extLst>
-                  <a:ext uri="{0D108BD9-81ED-4DB2-BD59-A6C34878D82A}">
-                    <a16:rowId xmlns:a16="http://schemas.microsoft.com/office/drawing/2014/main" val="1397653153"/>
-                  </a:ext>
-                </a:extLst>
-              </a:tr>
-              <a:tr h="370840">
-                <a:tc>
-                  <a:txBody>
-                    <a:bodyPr/>
-                    <a:lstStyle/>
-                    <a:p>
-                      <a:r>
-                        <a:rPr lang="en-SG" dirty="0"/>
-                        <a:t>1</a:t>
-                      </a:r>
-                    </a:p>
-                  </a:txBody>
-                  <a:tcPr/>
-                </a:tc>
-                <a:tc>
-                  <a:txBody>
-                    <a:bodyPr/>
-                    <a:lstStyle/>
-                    <a:p>
-                      <a:r>
-                        <a:rPr lang="en-SG" dirty="0"/>
-                        <a:t>6_5</a:t>
-                      </a:r>
-                    </a:p>
-                  </a:txBody>
-                  <a:tcPr/>
-                </a:tc>
-                <a:tc>
-                  <a:txBody>
-                    <a:bodyPr/>
-                    <a:lstStyle/>
+                        <a:t>Course_completed.csv validation</a:t>
+                      </a:r>
+                    </a:p>
                     <a:p>
                       <a:pPr marL="0" marR="0" lvl="0" indent="0" algn="l" defTabSz="914400" rtl="0" eaLnBrk="1" fontAlgn="auto" latinLnBrk="0" hangingPunct="1">
                         <a:lnSpc>
@@ -4936,26 +4810,9 @@
                     <a:bodyPr/>
                     <a:lstStyle/>
                     <a:p>
-                      <a:pPr marL="0" marR="0" lvl="0" indent="0" algn="l" defTabSz="914400" rtl="0" eaLnBrk="1" fontAlgn="auto" latinLnBrk="0" hangingPunct="1">
-                        <a:lnSpc>
-                          <a:spcPct val="100000"/>
-                        </a:lnSpc>
-                        <a:spcBef>
-                          <a:spcPts val="0"/>
-                        </a:spcBef>
-                        <a:spcAft>
-                          <a:spcPts val="0"/>
-                        </a:spcAft>
-                        <a:buClrTx/>
-                        <a:buSzTx/>
-                        <a:buFontTx/>
-                        <a:buNone/>
-                        <a:tabLst/>
-                        <a:defRPr/>
-                      </a:pPr>
-                      <a:r>
-                        <a:rPr lang="en-SG" dirty="0"/>
-                        <a:t>5, 6_1, 6_2, 6_3, 6_4</a:t>
+                      <a:r>
+                        <a:rPr lang="en-SG" dirty="0"/>
+                        <a:t>5, 6_1, 6_2</a:t>
                       </a:r>
                     </a:p>
                   </a:txBody>
@@ -4963,7 +4820,7 @@
                 </a:tc>
                 <a:extLst>
                   <a:ext uri="{0D108BD9-81ED-4DB2-BD59-A6C34878D82A}">
-                    <a16:rowId xmlns:a16="http://schemas.microsoft.com/office/drawing/2014/main" val="3889738544"/>
+                    <a16:rowId xmlns:a16="http://schemas.microsoft.com/office/drawing/2014/main" val="366614718"/>
                   </a:ext>
                 </a:extLst>
               </a:tr>
@@ -5027,7 +4884,7 @@
                     <a:p>
                       <a:r>
                         <a:rPr lang="en-SG" dirty="0"/>
-                        <a:t>6_1, 6_2, 6_3, 6_4, 6_5</a:t>
+                        <a:t>6_1, 6_2, 6_3</a:t>
                       </a:r>
                     </a:p>
                   </a:txBody>
@@ -5108,6 +4965,150 @@
                 <a:extLst>
                   <a:ext uri="{0D108BD9-81ED-4DB2-BD59-A6C34878D82A}">
                     <a16:rowId xmlns:a16="http://schemas.microsoft.com/office/drawing/2014/main" val="919843153"/>
+                  </a:ext>
+                </a:extLst>
+              </a:tr>
+              <a:tr h="370840">
+                <a:tc>
+                  <a:txBody>
+                    <a:bodyPr/>
+                    <a:lstStyle/>
+                    <a:p>
+                      <a:r>
+                        <a:rPr lang="en-SG" dirty="0"/>
+                        <a:t>1</a:t>
+                      </a:r>
+                    </a:p>
+                  </a:txBody>
+                  <a:tcPr/>
+                </a:tc>
+                <a:tc>
+                  <a:txBody>
+                    <a:bodyPr/>
+                    <a:lstStyle/>
+                    <a:p>
+                      <a:r>
+                        <a:rPr lang="en-SG" dirty="0"/>
+                        <a:t>9</a:t>
+                      </a:r>
+                    </a:p>
+                  </a:txBody>
+                  <a:tcPr/>
+                </a:tc>
+                <a:tc>
+                  <a:txBody>
+                    <a:bodyPr/>
+                    <a:lstStyle/>
+                    <a:p>
+                      <a:r>
+                        <a:rPr lang="en-SG" dirty="0"/>
+                        <a:t>Prepare bug metrics &amp; test plan</a:t>
+                      </a:r>
+                    </a:p>
+                  </a:txBody>
+                  <a:tcPr/>
+                </a:tc>
+                <a:tc>
+                  <a:txBody>
+                    <a:bodyPr/>
+                    <a:lstStyle/>
+                    <a:p>
+                      <a:r>
+                        <a:rPr lang="en-SG" dirty="0"/>
+                        <a:t>2</a:t>
+                      </a:r>
+                    </a:p>
+                  </a:txBody>
+                  <a:tcPr/>
+                </a:tc>
+                <a:tc>
+                  <a:txBody>
+                    <a:bodyPr/>
+                    <a:lstStyle/>
+                    <a:p>
+                      <a:r>
+                        <a:rPr lang="en-SG" dirty="0"/>
+                        <a:t>8</a:t>
+                      </a:r>
+                    </a:p>
+                  </a:txBody>
+                  <a:tcPr/>
+                </a:tc>
+                <a:extLst>
+                  <a:ext uri="{0D108BD9-81ED-4DB2-BD59-A6C34878D82A}">
+                    <a16:rowId xmlns:a16="http://schemas.microsoft.com/office/drawing/2014/main" val="1385106329"/>
+                  </a:ext>
+                </a:extLst>
+              </a:tr>
+              <a:tr h="370840">
+                <a:tc>
+                  <a:txBody>
+                    <a:bodyPr/>
+                    <a:lstStyle/>
+                    <a:p>
+                      <a:r>
+                        <a:rPr lang="en-SG" dirty="0"/>
+                        <a:t>1</a:t>
+                      </a:r>
+                    </a:p>
+                  </a:txBody>
+                  <a:tcPr/>
+                </a:tc>
+                <a:tc>
+                  <a:txBody>
+                    <a:bodyPr/>
+                    <a:lstStyle/>
+                    <a:p>
+                      <a:r>
+                        <a:rPr lang="en-SG" dirty="0"/>
+                        <a:t>10</a:t>
+                      </a:r>
+                    </a:p>
+                  </a:txBody>
+                  <a:tcPr/>
+                </a:tc>
+                <a:tc>
+                  <a:txBody>
+                    <a:bodyPr/>
+                    <a:lstStyle/>
+                    <a:p>
+                      <a:r>
+                        <a:rPr lang="en-SG" dirty="0"/>
+                        <a:t>Prepare PM review deliverables</a:t>
+                      </a:r>
+                    </a:p>
+                  </a:txBody>
+                  <a:tcPr/>
+                </a:tc>
+                <a:tc>
+                  <a:txBody>
+                    <a:bodyPr/>
+                    <a:lstStyle/>
+                    <a:p>
+                      <a:r>
+                        <a:rPr lang="en-SG" dirty="0"/>
+                        <a:t>1</a:t>
+                      </a:r>
+                    </a:p>
+                  </a:txBody>
+                  <a:tcPr/>
+                </a:tc>
+                <a:tc>
+                  <a:txBody>
+                    <a:bodyPr/>
+                    <a:lstStyle/>
+                    <a:p>
+                      <a:r>
+                        <a:rPr lang="en-SG" dirty="0"/>
+                        <a:t>9</a:t>
+                      </a:r>
+                    </a:p>
+                  </a:txBody>
+                  <a:tcPr/>
+                </a:tc>
+                <a:extLst>
+                  <a:ext uri="{0D108BD9-81ED-4DB2-BD59-A6C34878D82A}">
+                    <a16:rowId xmlns:a16="http://schemas.microsoft.com/office/drawing/2014/main" val="1669317710"/>
                   </a:ext>
                 </a:extLst>
               </a:tr>
@@ -5160,14 +5161,14 @@
           <p:nvPr>
             <p:extLst>
               <p:ext uri="{D42A27DB-BD31-4B8C-83A1-F6EECF244321}">
-                <p14:modId xmlns:p14="http://schemas.microsoft.com/office/powerpoint/2010/main" val="2273103999"/>
+                <p14:modId xmlns:p14="http://schemas.microsoft.com/office/powerpoint/2010/main" val="3661507323"/>
               </p:ext>
             </p:extLst>
           </p:nvPr>
         </p:nvGraphicFramePr>
         <p:xfrm>
-          <a:off x="1170152" y="535940"/>
-          <a:ext cx="9256110" cy="5593080"/>
+          <a:off x="1848945" y="0"/>
+          <a:ext cx="9256110" cy="6604000"/>
         </p:xfrm>
         <a:graphic>
           <a:graphicData uri="http://schemas.openxmlformats.org/drawingml/2006/table">
@@ -5866,6 +5867,204 @@
                 <a:extLst>
                   <a:ext uri="{0D108BD9-81ED-4DB2-BD59-A6C34878D82A}">
                     <a16:rowId xmlns:a16="http://schemas.microsoft.com/office/drawing/2014/main" val="1297787954"/>
+                  </a:ext>
+                </a:extLst>
+              </a:tr>
+              <a:tr h="370840">
+                <a:tc>
+                  <a:txBody>
+                    <a:bodyPr/>
+                    <a:lstStyle/>
+                    <a:p>
+                      <a:r>
+                        <a:rPr lang="en-SG" dirty="0"/>
+                        <a:t>2</a:t>
+                      </a:r>
+                    </a:p>
+                  </a:txBody>
+                  <a:tcPr/>
+                </a:tc>
+                <a:tc>
+                  <a:txBody>
+                    <a:bodyPr/>
+                    <a:lstStyle/>
+                    <a:p>
+                      <a:r>
+                        <a:rPr lang="en-SG" dirty="0"/>
+                        <a:t>5</a:t>
+                      </a:r>
+                    </a:p>
+                  </a:txBody>
+                  <a:tcPr/>
+                </a:tc>
+                <a:tc>
+                  <a:txBody>
+                    <a:bodyPr/>
+                    <a:lstStyle/>
+                    <a:p>
+                      <a:pPr marL="0" marR="0" lvl="0" indent="0" algn="l" defTabSz="914400" rtl="0" eaLnBrk="1" fontAlgn="auto" latinLnBrk="0" hangingPunct="1">
+                        <a:lnSpc>
+                          <a:spcPct val="100000"/>
+                        </a:lnSpc>
+                        <a:spcBef>
+                          <a:spcPts val="0"/>
+                        </a:spcBef>
+                        <a:spcAft>
+                          <a:spcPts val="0"/>
+                        </a:spcAft>
+                        <a:buClrTx/>
+                        <a:buSzTx/>
+                        <a:buFont typeface="Arial" panose="020B0604020202020204" pitchFamily="34" charset="0"/>
+                        <a:buNone/>
+                        <a:tabLst/>
+                        <a:defRPr/>
+                      </a:pPr>
+                      <a:r>
+                        <a:rPr lang="en-SG" dirty="0"/>
+                        <a:t>Prepare bug metrics &amp; test plan</a:t>
+                      </a:r>
+                    </a:p>
+                    <a:p>
+                      <a:pPr marL="285750" marR="0" lvl="0" indent="-285750" algn="l" defTabSz="914400" rtl="0" eaLnBrk="1" fontAlgn="auto" latinLnBrk="0" hangingPunct="1">
+                        <a:lnSpc>
+                          <a:spcPct val="100000"/>
+                        </a:lnSpc>
+                        <a:spcBef>
+                          <a:spcPts val="0"/>
+                        </a:spcBef>
+                        <a:spcAft>
+                          <a:spcPts val="0"/>
+                        </a:spcAft>
+                        <a:buClrTx/>
+                        <a:buSzTx/>
+                        <a:buFont typeface="Arial" panose="020B0604020202020204" pitchFamily="34" charset="0"/>
+                        <a:buChar char="•"/>
+                        <a:tabLst/>
+                        <a:defRPr/>
+                      </a:pPr>
+                      <a:endParaRPr lang="en-SG" dirty="0"/>
+                    </a:p>
+                  </a:txBody>
+                  <a:tcPr/>
+                </a:tc>
+                <a:tc>
+                  <a:txBody>
+                    <a:bodyPr/>
+                    <a:lstStyle/>
+                    <a:p>
+                      <a:r>
+                        <a:rPr lang="en-SG" dirty="0"/>
+                        <a:t>2</a:t>
+                      </a:r>
+                    </a:p>
+                  </a:txBody>
+                  <a:tcPr/>
+                </a:tc>
+                <a:tc>
+                  <a:txBody>
+                    <a:bodyPr/>
+                    <a:lstStyle/>
+                    <a:p>
+                      <a:r>
+                        <a:rPr lang="en-SG" dirty="0"/>
+                        <a:t>4</a:t>
+                      </a:r>
+                    </a:p>
+                  </a:txBody>
+                  <a:tcPr/>
+                </a:tc>
+                <a:extLst>
+                  <a:ext uri="{0D108BD9-81ED-4DB2-BD59-A6C34878D82A}">
+                    <a16:rowId xmlns:a16="http://schemas.microsoft.com/office/drawing/2014/main" val="3330083493"/>
+                  </a:ext>
+                </a:extLst>
+              </a:tr>
+              <a:tr h="370840">
+                <a:tc>
+                  <a:txBody>
+                    <a:bodyPr/>
+                    <a:lstStyle/>
+                    <a:p>
+                      <a:r>
+                        <a:rPr lang="en-SG" dirty="0"/>
+                        <a:t>2</a:t>
+                      </a:r>
+                    </a:p>
+                  </a:txBody>
+                  <a:tcPr/>
+                </a:tc>
+                <a:tc>
+                  <a:txBody>
+                    <a:bodyPr/>
+                    <a:lstStyle/>
+                    <a:p>
+                      <a:r>
+                        <a:rPr lang="en-SG" dirty="0"/>
+                        <a:t>6</a:t>
+                      </a:r>
+                    </a:p>
+                  </a:txBody>
+                  <a:tcPr/>
+                </a:tc>
+                <a:tc>
+                  <a:txBody>
+                    <a:bodyPr/>
+                    <a:lstStyle/>
+                    <a:p>
+                      <a:pPr marL="0" marR="0" lvl="0" indent="0" algn="l" defTabSz="914400" rtl="0" eaLnBrk="1" fontAlgn="auto" latinLnBrk="0" hangingPunct="1">
+                        <a:lnSpc>
+                          <a:spcPct val="100000"/>
+                        </a:lnSpc>
+                        <a:spcBef>
+                          <a:spcPts val="0"/>
+                        </a:spcBef>
+                        <a:spcAft>
+                          <a:spcPts val="0"/>
+                        </a:spcAft>
+                        <a:buClrTx/>
+                        <a:buSzTx/>
+                        <a:buFont typeface="Arial" panose="020B0604020202020204" pitchFamily="34" charset="0"/>
+                        <a:buNone/>
+                        <a:tabLst/>
+                        <a:defRPr/>
+                      </a:pPr>
+                      <a:r>
+                        <a:rPr lang="en-SG" dirty="0"/>
+                        <a:t>Prepare App Demo deliverables</a:t>
+                      </a:r>
+                    </a:p>
+                  </a:txBody>
+                  <a:tcPr/>
+                </a:tc>
+                <a:tc>
+                  <a:txBody>
+                    <a:bodyPr/>
+                    <a:lstStyle/>
+                    <a:p>
+                      <a:r>
+                        <a:rPr lang="en-SG" dirty="0"/>
+                        <a:t>1</a:t>
+                      </a:r>
+                    </a:p>
+                  </a:txBody>
+                  <a:tcPr/>
+                </a:tc>
+                <a:tc>
+                  <a:txBody>
+                    <a:bodyPr/>
+                    <a:lstStyle/>
+                    <a:p>
+                      <a:r>
+                        <a:rPr lang="en-SG" dirty="0"/>
+                        <a:t>5</a:t>
+                      </a:r>
+                    </a:p>
+                  </a:txBody>
+                  <a:tcPr/>
+                </a:tc>
+                <a:extLst>
+                  <a:ext uri="{0D108BD9-81ED-4DB2-BD59-A6C34878D82A}">
+                    <a16:rowId xmlns:a16="http://schemas.microsoft.com/office/drawing/2014/main" val="2747846504"/>
                   </a:ext>
                 </a:extLst>
               </a:tr>

--- a/documents/schedule.pptx
+++ b/documents/schedule.pptx
@@ -5,11 +5,13 @@
     <p:sldMasterId id="2147483648" r:id="rId1"/>
   </p:sldMasterIdLst>
   <p:notesMasterIdLst>
-    <p:notesMasterId r:id="rId4"/>
+    <p:notesMasterId r:id="rId6"/>
   </p:notesMasterIdLst>
   <p:sldIdLst>
     <p:sldId id="257" r:id="rId2"/>
-    <p:sldId id="256" r:id="rId3"/>
+    <p:sldId id="258" r:id="rId3"/>
+    <p:sldId id="256" r:id="rId4"/>
+    <p:sldId id="259" r:id="rId5"/>
   </p:sldIdLst>
   <p:sldSz cx="12192000" cy="6858000"/>
   <p:notesSz cx="6858000" cy="9144000"/>
@@ -198,7 +200,7 @@
           <a:p>
             <a:fld id="{01BC1ADB-3F7F-4ACC-9740-B7FE65E90A42}" type="datetimeFigureOut">
               <a:rPr lang="en-SG" smtClean="0"/>
-              <a:t>19/9/19</a:t>
+              <a:t>20/9/19</a:t>
             </a:fld>
             <a:endParaRPr lang="en-SG"/>
           </a:p>
@@ -615,7 +617,7 @@
           <a:p>
             <a:fld id="{CDF22A62-9C80-495C-96B3-3130A7DB9997}" type="slidenum">
               <a:rPr lang="en-SG" smtClean="0"/>
-              <a:t>2</a:t>
+              <a:t>3</a:t>
             </a:fld>
             <a:endParaRPr lang="en-SG"/>
           </a:p>
@@ -783,7 +785,7 @@
           <a:p>
             <a:fld id="{C6A6E151-1C2E-4ED8-9770-D8C903140F13}" type="datetimeFigureOut">
               <a:rPr lang="en-SG" smtClean="0"/>
-              <a:t>19/9/19</a:t>
+              <a:t>20/9/19</a:t>
             </a:fld>
             <a:endParaRPr lang="en-SG"/>
           </a:p>
@@ -983,7 +985,7 @@
           <a:p>
             <a:fld id="{C6A6E151-1C2E-4ED8-9770-D8C903140F13}" type="datetimeFigureOut">
               <a:rPr lang="en-SG" smtClean="0"/>
-              <a:t>19/9/19</a:t>
+              <a:t>20/9/19</a:t>
             </a:fld>
             <a:endParaRPr lang="en-SG"/>
           </a:p>
@@ -1193,7 +1195,7 @@
           <a:p>
             <a:fld id="{C6A6E151-1C2E-4ED8-9770-D8C903140F13}" type="datetimeFigureOut">
               <a:rPr lang="en-SG" smtClean="0"/>
-              <a:t>19/9/19</a:t>
+              <a:t>20/9/19</a:t>
             </a:fld>
             <a:endParaRPr lang="en-SG"/>
           </a:p>
@@ -1393,7 +1395,7 @@
           <a:p>
             <a:fld id="{C6A6E151-1C2E-4ED8-9770-D8C903140F13}" type="datetimeFigureOut">
               <a:rPr lang="en-SG" smtClean="0"/>
-              <a:t>19/9/19</a:t>
+              <a:t>20/9/19</a:t>
             </a:fld>
             <a:endParaRPr lang="en-SG"/>
           </a:p>
@@ -1669,7 +1671,7 @@
           <a:p>
             <a:fld id="{C6A6E151-1C2E-4ED8-9770-D8C903140F13}" type="datetimeFigureOut">
               <a:rPr lang="en-SG" smtClean="0"/>
-              <a:t>19/9/19</a:t>
+              <a:t>20/9/19</a:t>
             </a:fld>
             <a:endParaRPr lang="en-SG"/>
           </a:p>
@@ -1937,7 +1939,7 @@
           <a:p>
             <a:fld id="{C6A6E151-1C2E-4ED8-9770-D8C903140F13}" type="datetimeFigureOut">
               <a:rPr lang="en-SG" smtClean="0"/>
-              <a:t>19/9/19</a:t>
+              <a:t>20/9/19</a:t>
             </a:fld>
             <a:endParaRPr lang="en-SG"/>
           </a:p>
@@ -2352,7 +2354,7 @@
           <a:p>
             <a:fld id="{C6A6E151-1C2E-4ED8-9770-D8C903140F13}" type="datetimeFigureOut">
               <a:rPr lang="en-SG" smtClean="0"/>
-              <a:t>19/9/19</a:t>
+              <a:t>20/9/19</a:t>
             </a:fld>
             <a:endParaRPr lang="en-SG"/>
           </a:p>
@@ -2494,7 +2496,7 @@
           <a:p>
             <a:fld id="{C6A6E151-1C2E-4ED8-9770-D8C903140F13}" type="datetimeFigureOut">
               <a:rPr lang="en-SG" smtClean="0"/>
-              <a:t>19/9/19</a:t>
+              <a:t>20/9/19</a:t>
             </a:fld>
             <a:endParaRPr lang="en-SG"/>
           </a:p>
@@ -2607,7 +2609,7 @@
           <a:p>
             <a:fld id="{C6A6E151-1C2E-4ED8-9770-D8C903140F13}" type="datetimeFigureOut">
               <a:rPr lang="en-SG" smtClean="0"/>
-              <a:t>19/9/19</a:t>
+              <a:t>20/9/19</a:t>
             </a:fld>
             <a:endParaRPr lang="en-SG"/>
           </a:p>
@@ -2920,7 +2922,7 @@
           <a:p>
             <a:fld id="{C6A6E151-1C2E-4ED8-9770-D8C903140F13}" type="datetimeFigureOut">
               <a:rPr lang="en-SG" smtClean="0"/>
-              <a:t>19/9/19</a:t>
+              <a:t>20/9/19</a:t>
             </a:fld>
             <a:endParaRPr lang="en-SG"/>
           </a:p>
@@ -3209,7 +3211,7 @@
           <a:p>
             <a:fld id="{C6A6E151-1C2E-4ED8-9770-D8C903140F13}" type="datetimeFigureOut">
               <a:rPr lang="en-SG" smtClean="0"/>
-              <a:t>19/9/19</a:t>
+              <a:t>20/9/19</a:t>
             </a:fld>
             <a:endParaRPr lang="en-SG"/>
           </a:p>
@@ -3452,7 +3454,7 @@
           <a:p>
             <a:fld id="{C6A6E151-1C2E-4ED8-9770-D8C903140F13}" type="datetimeFigureOut">
               <a:rPr lang="en-SG" smtClean="0"/>
-              <a:t>19/9/19</a:t>
+              <a:t>20/9/19</a:t>
             </a:fld>
             <a:endParaRPr lang="en-SG"/>
           </a:p>
@@ -3932,7 +3934,7 @@
           <p:nvPr>
             <p:extLst>
               <p:ext uri="{D42A27DB-BD31-4B8C-83A1-F6EECF244321}">
-                <p14:modId xmlns:p14="http://schemas.microsoft.com/office/powerpoint/2010/main" val="2972542255"/>
+                <p14:modId xmlns:p14="http://schemas.microsoft.com/office/powerpoint/2010/main" val="270012025"/>
               </p:ext>
             </p:extLst>
           </p:nvPr>
@@ -4234,7 +4236,7 @@
                     <a:p>
                       <a:r>
                         <a:rPr lang="en-SG" dirty="0"/>
-                        <a:t>6 CSV DAOs &amp; Classes</a:t>
+                        <a:t>Login function (+ CSS)</a:t>
                       </a:r>
                     </a:p>
                   </a:txBody>
@@ -4260,7 +4262,7 @@
                     <a:p>
                       <a:r>
                         <a:rPr lang="en-SG" dirty="0"/>
-                        <a:t>1, 2</a:t>
+                        <a:t>1</a:t>
                       </a:r>
                     </a:p>
                   </a:txBody>
@@ -4306,33 +4308,33 @@
                     <a:p>
                       <a:r>
                         <a:rPr lang="en-SG" dirty="0"/>
-                        <a:t>Login function (+ CSS)</a:t>
-                      </a:r>
-                    </a:p>
-                  </a:txBody>
-                  <a:tcPr/>
-                </a:tc>
-                <a:tc>
-                  <a:txBody>
-                    <a:bodyPr/>
-                    <a:lstStyle/>
-                    <a:p>
-                      <a:r>
-                        <a:rPr lang="en-SG" dirty="0"/>
-                        <a:t>1</a:t>
-                      </a:r>
-                    </a:p>
-                  </a:txBody>
-                  <a:tcPr/>
-                </a:tc>
-                <a:tc>
-                  <a:txBody>
-                    <a:bodyPr/>
-                    <a:lstStyle/>
-                    <a:p>
-                      <a:r>
-                        <a:rPr lang="en-SG" dirty="0"/>
-                        <a:t>1</a:t>
+                        <a:t>6 CSV DAOs &amp; Classes</a:t>
+                      </a:r>
+                    </a:p>
+                  </a:txBody>
+                  <a:tcPr/>
+                </a:tc>
+                <a:tc>
+                  <a:txBody>
+                    <a:bodyPr/>
+                    <a:lstStyle/>
+                    <a:p>
+                      <a:r>
+                        <a:rPr lang="en-SG" dirty="0"/>
+                        <a:t>2</a:t>
+                      </a:r>
+                    </a:p>
+                  </a:txBody>
+                  <a:tcPr/>
+                </a:tc>
+                <a:tc>
+                  <a:txBody>
+                    <a:bodyPr/>
+                    <a:lstStyle/>
+                    <a:p>
+                      <a:r>
+                        <a:rPr lang="en-SG" dirty="0"/>
+                        <a:t>1, 2</a:t>
                       </a:r>
                     </a:p>
                   </a:txBody>
@@ -4463,7 +4465,7 @@
                     <a:p>
                       <a:r>
                         <a:rPr lang="en-SG" dirty="0"/>
-                        <a:t>3</a:t>
+                        <a:t>6</a:t>
                       </a:r>
                     </a:p>
                   </a:txBody>
@@ -4575,7 +4577,7 @@
                     <a:p>
                       <a:r>
                         <a:rPr lang="en-SG" dirty="0"/>
-                        <a:t>1</a:t>
+                        <a:t>2</a:t>
                       </a:r>
                     </a:p>
                   </a:txBody>
@@ -4687,7 +4689,7 @@
                     <a:p>
                       <a:r>
                         <a:rPr lang="en-SG" dirty="0"/>
-                        <a:t>1</a:t>
+                        <a:t>2</a:t>
                       </a:r>
                     </a:p>
                   </a:txBody>
@@ -4799,7 +4801,7 @@
                     <a:p>
                       <a:r>
                         <a:rPr lang="en-SG" dirty="0"/>
-                        <a:t>1</a:t>
+                        <a:t>2</a:t>
                       </a:r>
                     </a:p>
                   </a:txBody>
@@ -5015,20 +5017,20 @@
                     <a:p>
                       <a:r>
                         <a:rPr lang="en-SG" dirty="0"/>
-                        <a:t>2</a:t>
-                      </a:r>
-                    </a:p>
-                  </a:txBody>
-                  <a:tcPr/>
-                </a:tc>
-                <a:tc>
-                  <a:txBody>
-                    <a:bodyPr/>
-                    <a:lstStyle/>
-                    <a:p>
-                      <a:r>
-                        <a:rPr lang="en-SG" dirty="0"/>
-                        <a:t>8</a:t>
+                        <a:t>3</a:t>
+                      </a:r>
+                    </a:p>
+                  </a:txBody>
+                  <a:tcPr/>
+                </a:tc>
+                <a:tc>
+                  <a:txBody>
+                    <a:bodyPr/>
+                    <a:lstStyle/>
+                    <a:p>
+                      <a:r>
+                        <a:rPr lang="en-SG" dirty="0"/>
+                        <a:t>7, 8</a:t>
                       </a:r>
                     </a:p>
                   </a:txBody>
@@ -5087,7 +5089,7 @@
                     <a:p>
                       <a:r>
                         <a:rPr lang="en-SG" dirty="0"/>
-                        <a:t>1</a:t>
+                        <a:t>2</a:t>
                       </a:r>
                     </a:p>
                   </a:txBody>
@@ -5146,6 +5148,72 @@
           <a:chExt cx="0" cy="0"/>
         </a:xfrm>
       </p:grpSpPr>
+      <p:pic>
+        <p:nvPicPr>
+          <p:cNvPr id="44" name="Picture 43" descr="A close up of text on a whiteboard&#10;&#10;Description automatically generated">
+            <a:extLst>
+              <a:ext uri="{FF2B5EF4-FFF2-40B4-BE49-F238E27FC236}">
+                <a16:creationId xmlns:a16="http://schemas.microsoft.com/office/drawing/2014/main" id="{2B3D512E-D1CC-0E44-9E24-B1DAD7B4BB4E}"/>
+              </a:ext>
+            </a:extLst>
+          </p:cNvPr>
+          <p:cNvPicPr>
+            <a:picLocks noChangeAspect="1"/>
+          </p:cNvPicPr>
+          <p:nvPr/>
+        </p:nvPicPr>
+        <p:blipFill>
+          <a:blip r:embed="rId2">
+            <a:extLst>
+              <a:ext uri="{28A0092B-C50C-407E-A947-70E740481C1C}">
+                <a14:useLocalDpi xmlns:a14="http://schemas.microsoft.com/office/drawing/2010/main" val="0"/>
+              </a:ext>
+            </a:extLst>
+          </a:blip>
+          <a:stretch>
+            <a:fillRect/>
+          </a:stretch>
+        </p:blipFill>
+        <p:spPr>
+          <a:xfrm>
+            <a:off x="239485" y="656306"/>
+            <a:ext cx="11713029" cy="5545387"/>
+          </a:xfrm>
+          <a:prstGeom prst="rect">
+            <a:avLst/>
+          </a:prstGeom>
+        </p:spPr>
+      </p:pic>
+    </p:spTree>
+    <p:extLst>
+      <p:ext uri="{BB962C8B-B14F-4D97-AF65-F5344CB8AC3E}">
+        <p14:creationId xmlns:p14="http://schemas.microsoft.com/office/powerpoint/2010/main" val="832377412"/>
+      </p:ext>
+    </p:extLst>
+  </p:cSld>
+  <p:clrMapOvr>
+    <a:masterClrMapping/>
+  </p:clrMapOvr>
+</p:sld>
+</file>
+
+<file path=ppt/slides/slide3.xml><?xml version="1.0" encoding="utf-8"?>
+<p:sld xmlns:a="http://schemas.openxmlformats.org/drawingml/2006/main" xmlns:r="http://schemas.openxmlformats.org/officeDocument/2006/relationships" xmlns:p="http://schemas.openxmlformats.org/presentationml/2006/main">
+  <p:cSld>
+    <p:spTree>
+      <p:nvGrpSpPr>
+        <p:cNvPr id="1" name=""/>
+        <p:cNvGrpSpPr/>
+        <p:nvPr/>
+      </p:nvGrpSpPr>
+      <p:grpSpPr>
+        <a:xfrm>
+          <a:off x="0" y="0"/>
+          <a:ext cx="0" cy="0"/>
+          <a:chOff x="0" y="0"/>
+          <a:chExt cx="0" cy="0"/>
+        </a:xfrm>
+      </p:grpSpPr>
       <p:graphicFrame>
         <p:nvGraphicFramePr>
           <p:cNvPr id="4" name="Table 3">
@@ -5161,7 +5229,7 @@
           <p:nvPr>
             <p:extLst>
               <p:ext uri="{D42A27DB-BD31-4B8C-83A1-F6EECF244321}">
-                <p14:modId xmlns:p14="http://schemas.microsoft.com/office/powerpoint/2010/main" val="3661507323"/>
+                <p14:modId xmlns:p14="http://schemas.microsoft.com/office/powerpoint/2010/main" val="3303118458"/>
               </p:ext>
             </p:extLst>
           </p:nvPr>
@@ -5954,20 +6022,20 @@
                     <a:p>
                       <a:r>
                         <a:rPr lang="en-SG" dirty="0"/>
-                        <a:t>2</a:t>
-                      </a:r>
-                    </a:p>
-                  </a:txBody>
-                  <a:tcPr/>
-                </a:tc>
-                <a:tc>
-                  <a:txBody>
-                    <a:bodyPr/>
-                    <a:lstStyle/>
-                    <a:p>
-                      <a:r>
-                        <a:rPr lang="en-SG" dirty="0"/>
-                        <a:t>4</a:t>
+                        <a:t>3</a:t>
+                      </a:r>
+                    </a:p>
+                  </a:txBody>
+                  <a:tcPr/>
+                </a:tc>
+                <a:tc>
+                  <a:txBody>
+                    <a:bodyPr/>
+                    <a:lstStyle/>
+                    <a:p>
+                      <a:r>
+                        <a:rPr lang="en-SG" dirty="0"/>
+                        <a:t>2, 3, 4</a:t>
                       </a:r>
                     </a:p>
                   </a:txBody>
@@ -6043,7 +6111,7 @@
                     <a:p>
                       <a:r>
                         <a:rPr lang="en-SG" dirty="0"/>
-                        <a:t>1</a:t>
+                        <a:t>2</a:t>
                       </a:r>
                     </a:p>
                   </a:txBody>
@@ -6076,6 +6144,72 @@
     <p:extLst>
       <p:ext uri="{BB962C8B-B14F-4D97-AF65-F5344CB8AC3E}">
         <p14:creationId xmlns:p14="http://schemas.microsoft.com/office/powerpoint/2010/main" val="1102240909"/>
+      </p:ext>
+    </p:extLst>
+  </p:cSld>
+  <p:clrMapOvr>
+    <a:masterClrMapping/>
+  </p:clrMapOvr>
+</p:sld>
+</file>
+
+<file path=ppt/slides/slide4.xml><?xml version="1.0" encoding="utf-8"?>
+<p:sld xmlns:a="http://schemas.openxmlformats.org/drawingml/2006/main" xmlns:r="http://schemas.openxmlformats.org/officeDocument/2006/relationships" xmlns:p="http://schemas.openxmlformats.org/presentationml/2006/main">
+  <p:cSld>
+    <p:spTree>
+      <p:nvGrpSpPr>
+        <p:cNvPr id="1" name=""/>
+        <p:cNvGrpSpPr/>
+        <p:nvPr/>
+      </p:nvGrpSpPr>
+      <p:grpSpPr>
+        <a:xfrm>
+          <a:off x="0" y="0"/>
+          <a:ext cx="0" cy="0"/>
+          <a:chOff x="0" y="0"/>
+          <a:chExt cx="0" cy="0"/>
+        </a:xfrm>
+      </p:grpSpPr>
+      <p:pic>
+        <p:nvPicPr>
+          <p:cNvPr id="5" name="Picture 4" descr="A picture containing text, whiteboard&#10;&#10;Description automatically generated">
+            <a:extLst>
+              <a:ext uri="{FF2B5EF4-FFF2-40B4-BE49-F238E27FC236}">
+                <a16:creationId xmlns:a16="http://schemas.microsoft.com/office/drawing/2014/main" id="{029010A6-A95C-674A-8848-52E7EBECCC8B}"/>
+              </a:ext>
+            </a:extLst>
+          </p:cNvPr>
+          <p:cNvPicPr>
+            <a:picLocks noChangeAspect="1"/>
+          </p:cNvPicPr>
+          <p:nvPr/>
+        </p:nvPicPr>
+        <p:blipFill>
+          <a:blip r:embed="rId2">
+            <a:extLst>
+              <a:ext uri="{28A0092B-C50C-407E-A947-70E740481C1C}">
+                <a14:useLocalDpi xmlns:a14="http://schemas.microsoft.com/office/drawing/2010/main" val="0"/>
+              </a:ext>
+            </a:extLst>
+          </a:blip>
+          <a:stretch>
+            <a:fillRect/>
+          </a:stretch>
+        </p:blipFill>
+        <p:spPr>
+          <a:xfrm>
+            <a:off x="464776" y="230641"/>
+            <a:ext cx="11262447" cy="6396718"/>
+          </a:xfrm>
+          <a:prstGeom prst="rect">
+            <a:avLst/>
+          </a:prstGeom>
+        </p:spPr>
+      </p:pic>
+    </p:spTree>
+    <p:extLst>
+      <p:ext uri="{BB962C8B-B14F-4D97-AF65-F5344CB8AC3E}">
+        <p14:creationId xmlns:p14="http://schemas.microsoft.com/office/powerpoint/2010/main" val="3971046614"/>
       </p:ext>
     </p:extLst>
   </p:cSld>

--- a/documents/schedule.pptx
+++ b/documents/schedule.pptx
@@ -5,13 +5,20 @@
     <p:sldMasterId id="2147483648" r:id="rId1"/>
   </p:sldMasterIdLst>
   <p:notesMasterIdLst>
-    <p:notesMasterId r:id="rId6"/>
+    <p:notesMasterId r:id="rId13"/>
   </p:notesMasterIdLst>
   <p:sldIdLst>
     <p:sldId id="257" r:id="rId2"/>
     <p:sldId id="258" r:id="rId3"/>
     <p:sldId id="256" r:id="rId4"/>
     <p:sldId id="259" r:id="rId5"/>
+    <p:sldId id="260" r:id="rId6"/>
+    <p:sldId id="261" r:id="rId7"/>
+    <p:sldId id="262" r:id="rId8"/>
+    <p:sldId id="263" r:id="rId9"/>
+    <p:sldId id="264" r:id="rId10"/>
+    <p:sldId id="265" r:id="rId11"/>
+    <p:sldId id="266" r:id="rId12"/>
   </p:sldIdLst>
   <p:sldSz cx="12192000" cy="6858000"/>
   <p:notesSz cx="6858000" cy="9144000"/>
@@ -200,7 +207,7 @@
           <a:p>
             <a:fld id="{01BC1ADB-3F7F-4ACC-9740-B7FE65E90A42}" type="datetimeFigureOut">
               <a:rPr lang="en-SG" smtClean="0"/>
-              <a:t>20/9/19</a:t>
+              <a:t>28/9/2019</a:t>
             </a:fld>
             <a:endParaRPr lang="en-SG"/>
           </a:p>
@@ -785,7 +792,7 @@
           <a:p>
             <a:fld id="{C6A6E151-1C2E-4ED8-9770-D8C903140F13}" type="datetimeFigureOut">
               <a:rPr lang="en-SG" smtClean="0"/>
-              <a:t>20/9/19</a:t>
+              <a:t>28/9/2019</a:t>
             </a:fld>
             <a:endParaRPr lang="en-SG"/>
           </a:p>
@@ -985,7 +992,7 @@
           <a:p>
             <a:fld id="{C6A6E151-1C2E-4ED8-9770-D8C903140F13}" type="datetimeFigureOut">
               <a:rPr lang="en-SG" smtClean="0"/>
-              <a:t>20/9/19</a:t>
+              <a:t>28/9/2019</a:t>
             </a:fld>
             <a:endParaRPr lang="en-SG"/>
           </a:p>
@@ -1195,7 +1202,7 @@
           <a:p>
             <a:fld id="{C6A6E151-1C2E-4ED8-9770-D8C903140F13}" type="datetimeFigureOut">
               <a:rPr lang="en-SG" smtClean="0"/>
-              <a:t>20/9/19</a:t>
+              <a:t>28/9/2019</a:t>
             </a:fld>
             <a:endParaRPr lang="en-SG"/>
           </a:p>
@@ -1395,7 +1402,7 @@
           <a:p>
             <a:fld id="{C6A6E151-1C2E-4ED8-9770-D8C903140F13}" type="datetimeFigureOut">
               <a:rPr lang="en-SG" smtClean="0"/>
-              <a:t>20/9/19</a:t>
+              <a:t>28/9/2019</a:t>
             </a:fld>
             <a:endParaRPr lang="en-SG"/>
           </a:p>
@@ -1671,7 +1678,7 @@
           <a:p>
             <a:fld id="{C6A6E151-1C2E-4ED8-9770-D8C903140F13}" type="datetimeFigureOut">
               <a:rPr lang="en-SG" smtClean="0"/>
-              <a:t>20/9/19</a:t>
+              <a:t>28/9/2019</a:t>
             </a:fld>
             <a:endParaRPr lang="en-SG"/>
           </a:p>
@@ -1939,7 +1946,7 @@
           <a:p>
             <a:fld id="{C6A6E151-1C2E-4ED8-9770-D8C903140F13}" type="datetimeFigureOut">
               <a:rPr lang="en-SG" smtClean="0"/>
-              <a:t>20/9/19</a:t>
+              <a:t>28/9/2019</a:t>
             </a:fld>
             <a:endParaRPr lang="en-SG"/>
           </a:p>
@@ -2354,7 +2361,7 @@
           <a:p>
             <a:fld id="{C6A6E151-1C2E-4ED8-9770-D8C903140F13}" type="datetimeFigureOut">
               <a:rPr lang="en-SG" smtClean="0"/>
-              <a:t>20/9/19</a:t>
+              <a:t>28/9/2019</a:t>
             </a:fld>
             <a:endParaRPr lang="en-SG"/>
           </a:p>
@@ -2496,7 +2503,7 @@
           <a:p>
             <a:fld id="{C6A6E151-1C2E-4ED8-9770-D8C903140F13}" type="datetimeFigureOut">
               <a:rPr lang="en-SG" smtClean="0"/>
-              <a:t>20/9/19</a:t>
+              <a:t>28/9/2019</a:t>
             </a:fld>
             <a:endParaRPr lang="en-SG"/>
           </a:p>
@@ -2609,7 +2616,7 @@
           <a:p>
             <a:fld id="{C6A6E151-1C2E-4ED8-9770-D8C903140F13}" type="datetimeFigureOut">
               <a:rPr lang="en-SG" smtClean="0"/>
-              <a:t>20/9/19</a:t>
+              <a:t>28/9/2019</a:t>
             </a:fld>
             <a:endParaRPr lang="en-SG"/>
           </a:p>
@@ -2922,7 +2929,7 @@
           <a:p>
             <a:fld id="{C6A6E151-1C2E-4ED8-9770-D8C903140F13}" type="datetimeFigureOut">
               <a:rPr lang="en-SG" smtClean="0"/>
-              <a:t>20/9/19</a:t>
+              <a:t>28/9/2019</a:t>
             </a:fld>
             <a:endParaRPr lang="en-SG"/>
           </a:p>
@@ -3211,7 +3218,7 @@
           <a:p>
             <a:fld id="{C6A6E151-1C2E-4ED8-9770-D8C903140F13}" type="datetimeFigureOut">
               <a:rPr lang="en-SG" smtClean="0"/>
-              <a:t>20/9/19</a:t>
+              <a:t>28/9/2019</a:t>
             </a:fld>
             <a:endParaRPr lang="en-SG"/>
           </a:p>
@@ -3454,7 +3461,7 @@
           <a:p>
             <a:fld id="{C6A6E151-1C2E-4ED8-9770-D8C903140F13}" type="datetimeFigureOut">
               <a:rPr lang="en-SG" smtClean="0"/>
-              <a:t>20/9/19</a:t>
+              <a:t>28/9/2019</a:t>
             </a:fld>
             <a:endParaRPr lang="en-SG"/>
           </a:p>
@@ -5131,6 +5138,1036 @@
 </p:sld>
 </file>
 
+<file path=ppt/slides/slide10.xml><?xml version="1.0" encoding="utf-8"?>
+<p:sld xmlns:a="http://schemas.openxmlformats.org/drawingml/2006/main" xmlns:r="http://schemas.openxmlformats.org/officeDocument/2006/relationships" xmlns:p="http://schemas.openxmlformats.org/presentationml/2006/main">
+  <p:cSld>
+    <p:spTree>
+      <p:nvGrpSpPr>
+        <p:cNvPr id="1" name=""/>
+        <p:cNvGrpSpPr/>
+        <p:nvPr/>
+      </p:nvGrpSpPr>
+      <p:grpSpPr>
+        <a:xfrm>
+          <a:off x="0" y="0"/>
+          <a:ext cx="0" cy="0"/>
+          <a:chOff x="0" y="0"/>
+          <a:chExt cx="0" cy="0"/>
+        </a:xfrm>
+      </p:grpSpPr>
+      <p:sp>
+        <p:nvSpPr>
+          <p:cNvPr id="2" name="Title 1">
+            <a:extLst>
+              <a:ext uri="{FF2B5EF4-FFF2-40B4-BE49-F238E27FC236}">
+                <a16:creationId xmlns:a16="http://schemas.microsoft.com/office/drawing/2014/main" id="{2B84E9AE-F920-42E0-AA23-60F9C08E5E58}"/>
+              </a:ext>
+            </a:extLst>
+          </p:cNvPr>
+          <p:cNvSpPr>
+            <a:spLocks noGrp="1"/>
+          </p:cNvSpPr>
+          <p:nvPr>
+            <p:ph type="title"/>
+          </p:nvPr>
+        </p:nvSpPr>
+        <p:spPr/>
+        <p:txBody>
+          <a:bodyPr/>
+          <a:lstStyle/>
+          <a:p>
+            <a:r>
+              <a:rPr lang="en-SG" dirty="0"/>
+              <a:t>Critical Path Analysis – Iteration 5</a:t>
+            </a:r>
+          </a:p>
+        </p:txBody>
+      </p:sp>
+    </p:spTree>
+    <p:extLst>
+      <p:ext uri="{BB962C8B-B14F-4D97-AF65-F5344CB8AC3E}">
+        <p14:creationId xmlns:p14="http://schemas.microsoft.com/office/powerpoint/2010/main" val="1658138788"/>
+      </p:ext>
+    </p:extLst>
+  </p:cSld>
+  <p:clrMapOvr>
+    <a:masterClrMapping/>
+  </p:clrMapOvr>
+</p:sld>
+</file>
+
+<file path=ppt/slides/slide11.xml><?xml version="1.0" encoding="utf-8"?>
+<p:sld xmlns:a="http://schemas.openxmlformats.org/drawingml/2006/main" xmlns:r="http://schemas.openxmlformats.org/officeDocument/2006/relationships" xmlns:p="http://schemas.openxmlformats.org/presentationml/2006/main">
+  <p:cSld>
+    <p:spTree>
+      <p:nvGrpSpPr>
+        <p:cNvPr id="1" name=""/>
+        <p:cNvGrpSpPr/>
+        <p:nvPr/>
+      </p:nvGrpSpPr>
+      <p:grpSpPr>
+        <a:xfrm>
+          <a:off x="0" y="0"/>
+          <a:ext cx="0" cy="0"/>
+          <a:chOff x="0" y="0"/>
+          <a:chExt cx="0" cy="0"/>
+        </a:xfrm>
+      </p:grpSpPr>
+      <p:graphicFrame>
+        <p:nvGraphicFramePr>
+          <p:cNvPr id="6" name="Table 5">
+            <a:extLst>
+              <a:ext uri="{FF2B5EF4-FFF2-40B4-BE49-F238E27FC236}">
+                <a16:creationId xmlns:a16="http://schemas.microsoft.com/office/drawing/2014/main" id="{CEF18489-5343-45D9-83B3-59F67DE7C3F7}"/>
+              </a:ext>
+            </a:extLst>
+          </p:cNvPr>
+          <p:cNvGraphicFramePr>
+            <a:graphicFrameLocks noGrp="1"/>
+          </p:cNvGraphicFramePr>
+          <p:nvPr/>
+        </p:nvGraphicFramePr>
+        <p:xfrm>
+          <a:off x="0" y="1873215"/>
+          <a:ext cx="12192000" cy="3505200"/>
+        </p:xfrm>
+        <a:graphic>
+          <a:graphicData uri="http://schemas.openxmlformats.org/drawingml/2006/table">
+            <a:tbl>
+              <a:tblPr firstRow="1" bandRow="1">
+                <a:tableStyleId>{5C22544A-7EE6-4342-B048-85BDC9FD1C3A}</a:tableStyleId>
+              </a:tblPr>
+              <a:tblGrid>
+                <a:gridCol w="2032000">
+                  <a:extLst>
+                    <a:ext uri="{9D8B030D-6E8A-4147-A177-3AD203B41FA5}">
+                      <a16:colId xmlns:a16="http://schemas.microsoft.com/office/drawing/2014/main" val="601492302"/>
+                    </a:ext>
+                  </a:extLst>
+                </a:gridCol>
+                <a:gridCol w="2032000">
+                  <a:extLst>
+                    <a:ext uri="{9D8B030D-6E8A-4147-A177-3AD203B41FA5}">
+                      <a16:colId xmlns:a16="http://schemas.microsoft.com/office/drawing/2014/main" val="1708878600"/>
+                    </a:ext>
+                  </a:extLst>
+                </a:gridCol>
+                <a:gridCol w="2032000">
+                  <a:extLst>
+                    <a:ext uri="{9D8B030D-6E8A-4147-A177-3AD203B41FA5}">
+                      <a16:colId xmlns:a16="http://schemas.microsoft.com/office/drawing/2014/main" val="1708224671"/>
+                    </a:ext>
+                  </a:extLst>
+                </a:gridCol>
+                <a:gridCol w="2032000">
+                  <a:extLst>
+                    <a:ext uri="{9D8B030D-6E8A-4147-A177-3AD203B41FA5}">
+                      <a16:colId xmlns:a16="http://schemas.microsoft.com/office/drawing/2014/main" val="3429698041"/>
+                    </a:ext>
+                  </a:extLst>
+                </a:gridCol>
+                <a:gridCol w="2032000">
+                  <a:extLst>
+                    <a:ext uri="{9D8B030D-6E8A-4147-A177-3AD203B41FA5}">
+                      <a16:colId xmlns:a16="http://schemas.microsoft.com/office/drawing/2014/main" val="1721756848"/>
+                    </a:ext>
+                  </a:extLst>
+                </a:gridCol>
+                <a:gridCol w="2032000">
+                  <a:extLst>
+                    <a:ext uri="{9D8B030D-6E8A-4147-A177-3AD203B41FA5}">
+                      <a16:colId xmlns:a16="http://schemas.microsoft.com/office/drawing/2014/main" val="2687270320"/>
+                    </a:ext>
+                  </a:extLst>
+                </a:gridCol>
+              </a:tblGrid>
+              <a:tr h="370840">
+                <a:tc>
+                  <a:txBody>
+                    <a:bodyPr/>
+                    <a:lstStyle/>
+                    <a:p>
+                      <a:r>
+                        <a:rPr lang="en-SG" dirty="0"/>
+                        <a:t>Roles &amp; Responsibility</a:t>
+                      </a:r>
+                    </a:p>
+                  </a:txBody>
+                  <a:tcPr/>
+                </a:tc>
+                <a:tc>
+                  <a:txBody>
+                    <a:bodyPr/>
+                    <a:lstStyle/>
+                    <a:p>
+                      <a:r>
+                        <a:rPr lang="en-SG" dirty="0"/>
+                        <a:t>Iteration 1</a:t>
+                      </a:r>
+                    </a:p>
+                    <a:p>
+                      <a:r>
+                        <a:rPr lang="en-SG" dirty="0"/>
+                        <a:t>(Week 5 - 7)</a:t>
+                      </a:r>
+                    </a:p>
+                  </a:txBody>
+                  <a:tcPr/>
+                </a:tc>
+                <a:tc>
+                  <a:txBody>
+                    <a:bodyPr/>
+                    <a:lstStyle/>
+                    <a:p>
+                      <a:r>
+                        <a:rPr lang="en-SG" dirty="0"/>
+                        <a:t>Iteration 2</a:t>
+                      </a:r>
+                    </a:p>
+                    <a:p>
+                      <a:r>
+                        <a:rPr lang="en-SG" dirty="0"/>
+                        <a:t>(Week 7 - 9)</a:t>
+                      </a:r>
+                    </a:p>
+                  </a:txBody>
+                  <a:tcPr/>
+                </a:tc>
+                <a:tc>
+                  <a:txBody>
+                    <a:bodyPr/>
+                    <a:lstStyle/>
+                    <a:p>
+                      <a:r>
+                        <a:rPr lang="en-SG" dirty="0"/>
+                        <a:t>Iteration 3</a:t>
+                      </a:r>
+                    </a:p>
+                    <a:p>
+                      <a:r>
+                        <a:rPr lang="en-SG" dirty="0"/>
+                        <a:t>(Week 9 - 11)</a:t>
+                      </a:r>
+                    </a:p>
+                  </a:txBody>
+                  <a:tcPr/>
+                </a:tc>
+                <a:tc>
+                  <a:txBody>
+                    <a:bodyPr/>
+                    <a:lstStyle/>
+                    <a:p>
+                      <a:r>
+                        <a:rPr lang="en-SG" dirty="0"/>
+                        <a:t>Iteration 4</a:t>
+                      </a:r>
+                    </a:p>
+                    <a:p>
+                      <a:r>
+                        <a:rPr lang="en-SG" dirty="0"/>
+                        <a:t>(Week 11 - 13)</a:t>
+                      </a:r>
+                    </a:p>
+                  </a:txBody>
+                  <a:tcPr/>
+                </a:tc>
+                <a:tc>
+                  <a:txBody>
+                    <a:bodyPr/>
+                    <a:lstStyle/>
+                    <a:p>
+                      <a:r>
+                        <a:rPr lang="en-SG" dirty="0"/>
+                        <a:t>Iteration 5</a:t>
+                      </a:r>
+                    </a:p>
+                    <a:p>
+                      <a:r>
+                        <a:rPr lang="en-SG" dirty="0"/>
+                        <a:t>(Week 14)</a:t>
+                      </a:r>
+                    </a:p>
+                  </a:txBody>
+                  <a:tcPr/>
+                </a:tc>
+                <a:extLst>
+                  <a:ext uri="{0D108BD9-81ED-4DB2-BD59-A6C34878D82A}">
+                    <a16:rowId xmlns:a16="http://schemas.microsoft.com/office/drawing/2014/main" val="1764194951"/>
+                  </a:ext>
+                </a:extLst>
+              </a:tr>
+              <a:tr h="370840">
+                <a:tc>
+                  <a:txBody>
+                    <a:bodyPr/>
+                    <a:lstStyle/>
+                    <a:p>
+                      <a:r>
+                        <a:rPr lang="en-SG" dirty="0"/>
+                        <a:t>Project Manager</a:t>
+                      </a:r>
+                    </a:p>
+                  </a:txBody>
+                  <a:tcPr/>
+                </a:tc>
+                <a:tc>
+                  <a:txBody>
+                    <a:bodyPr/>
+                    <a:lstStyle/>
+                    <a:p>
+                      <a:r>
+                        <a:rPr lang="en-SG" dirty="0" err="1"/>
+                        <a:t>Jiayu</a:t>
+                      </a:r>
+                      <a:endParaRPr lang="en-SG" dirty="0"/>
+                    </a:p>
+                  </a:txBody>
+                  <a:tcPr/>
+                </a:tc>
+                <a:tc>
+                  <a:txBody>
+                    <a:bodyPr/>
+                    <a:lstStyle/>
+                    <a:p>
+                      <a:r>
+                        <a:rPr lang="en-SG" dirty="0"/>
+                        <a:t>Wei Chen</a:t>
+                      </a:r>
+                    </a:p>
+                  </a:txBody>
+                  <a:tcPr/>
+                </a:tc>
+                <a:tc>
+                  <a:txBody>
+                    <a:bodyPr/>
+                    <a:lstStyle/>
+                    <a:p>
+                      <a:r>
+                        <a:rPr lang="en-SG" dirty="0" err="1"/>
+                        <a:t>Shermin</a:t>
+                      </a:r>
+                      <a:endParaRPr lang="en-SG" dirty="0"/>
+                    </a:p>
+                  </a:txBody>
+                  <a:tcPr/>
+                </a:tc>
+                <a:tc>
+                  <a:txBody>
+                    <a:bodyPr/>
+                    <a:lstStyle/>
+                    <a:p>
+                      <a:r>
+                        <a:rPr lang="en-SG" dirty="0"/>
+                        <a:t>Wei Ling</a:t>
+                      </a:r>
+                    </a:p>
+                  </a:txBody>
+                  <a:tcPr/>
+                </a:tc>
+                <a:tc>
+                  <a:txBody>
+                    <a:bodyPr/>
+                    <a:lstStyle/>
+                    <a:p>
+                      <a:r>
+                        <a:rPr lang="en-SG" dirty="0"/>
+                        <a:t>Geralyn</a:t>
+                      </a:r>
+                    </a:p>
+                  </a:txBody>
+                  <a:tcPr/>
+                </a:tc>
+                <a:extLst>
+                  <a:ext uri="{0D108BD9-81ED-4DB2-BD59-A6C34878D82A}">
+                    <a16:rowId xmlns:a16="http://schemas.microsoft.com/office/drawing/2014/main" val="1660340489"/>
+                  </a:ext>
+                </a:extLst>
+              </a:tr>
+              <a:tr h="370840">
+                <a:tc>
+                  <a:txBody>
+                    <a:bodyPr/>
+                    <a:lstStyle/>
+                    <a:p>
+                      <a:r>
+                        <a:rPr lang="en-SG" dirty="0"/>
+                        <a:t>Pair 1</a:t>
+                      </a:r>
+                    </a:p>
+                  </a:txBody>
+                  <a:tcPr/>
+                </a:tc>
+                <a:tc>
+                  <a:txBody>
+                    <a:bodyPr/>
+                    <a:lstStyle/>
+                    <a:p>
+                      <a:r>
+                        <a:rPr lang="en-SG" dirty="0"/>
+                        <a:t>Wei Chen, </a:t>
+                      </a:r>
+                      <a:r>
+                        <a:rPr lang="en-SG" dirty="0" err="1"/>
+                        <a:t>Shermin</a:t>
+                      </a:r>
+                      <a:endParaRPr lang="en-SG" dirty="0"/>
+                    </a:p>
+                  </a:txBody>
+                  <a:tcPr/>
+                </a:tc>
+                <a:tc>
+                  <a:txBody>
+                    <a:bodyPr/>
+                    <a:lstStyle/>
+                    <a:p>
+                      <a:r>
+                        <a:rPr lang="en-SG" dirty="0" err="1"/>
+                        <a:t>Jiayu</a:t>
+                      </a:r>
+                      <a:r>
+                        <a:rPr lang="en-SG" dirty="0"/>
+                        <a:t>, </a:t>
+                      </a:r>
+                      <a:r>
+                        <a:rPr lang="en-SG" dirty="0" err="1"/>
+                        <a:t>Shermin</a:t>
+                      </a:r>
+                      <a:endParaRPr lang="en-SG" dirty="0"/>
+                    </a:p>
+                  </a:txBody>
+                  <a:tcPr/>
+                </a:tc>
+                <a:tc>
+                  <a:txBody>
+                    <a:bodyPr/>
+                    <a:lstStyle/>
+                    <a:p>
+                      <a:pPr marL="0" marR="0" lvl="0" indent="0" algn="l" defTabSz="914400" rtl="0" eaLnBrk="1" fontAlgn="auto" latinLnBrk="0" hangingPunct="1">
+                        <a:lnSpc>
+                          <a:spcPct val="100000"/>
+                        </a:lnSpc>
+                        <a:spcBef>
+                          <a:spcPts val="0"/>
+                        </a:spcBef>
+                        <a:spcAft>
+                          <a:spcPts val="0"/>
+                        </a:spcAft>
+                        <a:buClrTx/>
+                        <a:buSzTx/>
+                        <a:buFontTx/>
+                        <a:buNone/>
+                        <a:tabLst/>
+                        <a:defRPr/>
+                      </a:pPr>
+                      <a:r>
+                        <a:rPr lang="en-SG" dirty="0"/>
+                        <a:t>Wei Chen, Wei Ling</a:t>
+                      </a:r>
+                    </a:p>
+                  </a:txBody>
+                  <a:tcPr/>
+                </a:tc>
+                <a:tc>
+                  <a:txBody>
+                    <a:bodyPr/>
+                    <a:lstStyle/>
+                    <a:p>
+                      <a:pPr marL="0" marR="0" lvl="0" indent="0" algn="l" defTabSz="914400" rtl="0" eaLnBrk="1" fontAlgn="auto" latinLnBrk="0" hangingPunct="1">
+                        <a:lnSpc>
+                          <a:spcPct val="100000"/>
+                        </a:lnSpc>
+                        <a:spcBef>
+                          <a:spcPts val="0"/>
+                        </a:spcBef>
+                        <a:spcAft>
+                          <a:spcPts val="0"/>
+                        </a:spcAft>
+                        <a:buClrTx/>
+                        <a:buSzTx/>
+                        <a:buFontTx/>
+                        <a:buNone/>
+                        <a:tabLst/>
+                        <a:defRPr/>
+                      </a:pPr>
+                      <a:r>
+                        <a:rPr lang="en-SG" dirty="0"/>
+                        <a:t>Wei Chen, </a:t>
+                      </a:r>
+                      <a:r>
+                        <a:rPr lang="en-SG" dirty="0" err="1"/>
+                        <a:t>Shermin</a:t>
+                      </a:r>
+                      <a:endParaRPr lang="en-SG" dirty="0"/>
+                    </a:p>
+                  </a:txBody>
+                  <a:tcPr/>
+                </a:tc>
+                <a:tc>
+                  <a:txBody>
+                    <a:bodyPr/>
+                    <a:lstStyle/>
+                    <a:p>
+                      <a:pPr marL="0" marR="0" lvl="0" indent="0" algn="l" defTabSz="914400" rtl="0" eaLnBrk="1" fontAlgn="auto" latinLnBrk="0" hangingPunct="1">
+                        <a:lnSpc>
+                          <a:spcPct val="100000"/>
+                        </a:lnSpc>
+                        <a:spcBef>
+                          <a:spcPts val="0"/>
+                        </a:spcBef>
+                        <a:spcAft>
+                          <a:spcPts val="0"/>
+                        </a:spcAft>
+                        <a:buClrTx/>
+                        <a:buSzTx/>
+                        <a:buFontTx/>
+                        <a:buNone/>
+                        <a:tabLst/>
+                        <a:defRPr/>
+                      </a:pPr>
+                      <a:r>
+                        <a:rPr lang="en-SG" dirty="0"/>
+                        <a:t>Wei Chen, Wei Ling</a:t>
+                      </a:r>
+                    </a:p>
+                  </a:txBody>
+                  <a:tcPr/>
+                </a:tc>
+                <a:extLst>
+                  <a:ext uri="{0D108BD9-81ED-4DB2-BD59-A6C34878D82A}">
+                    <a16:rowId xmlns:a16="http://schemas.microsoft.com/office/drawing/2014/main" val="3828734406"/>
+                  </a:ext>
+                </a:extLst>
+              </a:tr>
+              <a:tr h="370840">
+                <a:tc>
+                  <a:txBody>
+                    <a:bodyPr/>
+                    <a:lstStyle/>
+                    <a:p>
+                      <a:r>
+                        <a:rPr lang="en-SG" dirty="0"/>
+                        <a:t>Pair 2</a:t>
+                      </a:r>
+                    </a:p>
+                  </a:txBody>
+                  <a:tcPr/>
+                </a:tc>
+                <a:tc>
+                  <a:txBody>
+                    <a:bodyPr/>
+                    <a:lstStyle/>
+                    <a:p>
+                      <a:pPr marL="0" marR="0" lvl="0" indent="0" algn="l" defTabSz="914400" rtl="0" eaLnBrk="1" fontAlgn="auto" latinLnBrk="0" hangingPunct="1">
+                        <a:lnSpc>
+                          <a:spcPct val="100000"/>
+                        </a:lnSpc>
+                        <a:spcBef>
+                          <a:spcPts val="0"/>
+                        </a:spcBef>
+                        <a:spcAft>
+                          <a:spcPts val="0"/>
+                        </a:spcAft>
+                        <a:buClrTx/>
+                        <a:buSzTx/>
+                        <a:buFontTx/>
+                        <a:buNone/>
+                        <a:tabLst/>
+                        <a:defRPr/>
+                      </a:pPr>
+                      <a:r>
+                        <a:rPr lang="en-SG" dirty="0"/>
+                        <a:t>Geralyn, Wei Ling</a:t>
+                      </a:r>
+                    </a:p>
+                  </a:txBody>
+                  <a:tcPr/>
+                </a:tc>
+                <a:tc>
+                  <a:txBody>
+                    <a:bodyPr/>
+                    <a:lstStyle/>
+                    <a:p>
+                      <a:r>
+                        <a:rPr lang="en-SG" dirty="0"/>
+                        <a:t>Geralyn, Wei Ling</a:t>
+                      </a:r>
+                    </a:p>
+                  </a:txBody>
+                  <a:tcPr/>
+                </a:tc>
+                <a:tc>
+                  <a:txBody>
+                    <a:bodyPr/>
+                    <a:lstStyle/>
+                    <a:p>
+                      <a:r>
+                        <a:rPr lang="en-SG" dirty="0"/>
+                        <a:t>Geralyn, </a:t>
+                      </a:r>
+                      <a:r>
+                        <a:rPr lang="en-SG" dirty="0" err="1"/>
+                        <a:t>Jiayu</a:t>
+                      </a:r>
+                      <a:endParaRPr lang="en-SG" dirty="0"/>
+                    </a:p>
+                  </a:txBody>
+                  <a:tcPr/>
+                </a:tc>
+                <a:tc>
+                  <a:txBody>
+                    <a:bodyPr/>
+                    <a:lstStyle/>
+                    <a:p>
+                      <a:pPr marL="0" marR="0" lvl="0" indent="0" algn="l" defTabSz="914400" rtl="0" eaLnBrk="1" fontAlgn="auto" latinLnBrk="0" hangingPunct="1">
+                        <a:lnSpc>
+                          <a:spcPct val="100000"/>
+                        </a:lnSpc>
+                        <a:spcBef>
+                          <a:spcPts val="0"/>
+                        </a:spcBef>
+                        <a:spcAft>
+                          <a:spcPts val="0"/>
+                        </a:spcAft>
+                        <a:buClrTx/>
+                        <a:buSzTx/>
+                        <a:buFontTx/>
+                        <a:buNone/>
+                        <a:tabLst/>
+                        <a:defRPr/>
+                      </a:pPr>
+                      <a:r>
+                        <a:rPr lang="en-SG" dirty="0"/>
+                        <a:t>Geralyn, </a:t>
+                      </a:r>
+                      <a:r>
+                        <a:rPr lang="en-SG" dirty="0" err="1"/>
+                        <a:t>Jiayu</a:t>
+                      </a:r>
+                      <a:endParaRPr lang="en-SG" dirty="0"/>
+                    </a:p>
+                  </a:txBody>
+                  <a:tcPr/>
+                </a:tc>
+                <a:tc>
+                  <a:txBody>
+                    <a:bodyPr/>
+                    <a:lstStyle/>
+                    <a:p>
+                      <a:pPr marL="0" marR="0" lvl="0" indent="0" algn="l" defTabSz="914400" rtl="0" eaLnBrk="1" fontAlgn="auto" latinLnBrk="0" hangingPunct="1">
+                        <a:lnSpc>
+                          <a:spcPct val="100000"/>
+                        </a:lnSpc>
+                        <a:spcBef>
+                          <a:spcPts val="0"/>
+                        </a:spcBef>
+                        <a:spcAft>
+                          <a:spcPts val="0"/>
+                        </a:spcAft>
+                        <a:buClrTx/>
+                        <a:buSzTx/>
+                        <a:buFontTx/>
+                        <a:buNone/>
+                        <a:tabLst/>
+                        <a:defRPr/>
+                      </a:pPr>
+                      <a:r>
+                        <a:rPr lang="en-SG" dirty="0" err="1"/>
+                        <a:t>Jiayu</a:t>
+                      </a:r>
+                      <a:r>
+                        <a:rPr lang="en-SG" dirty="0"/>
+                        <a:t>, </a:t>
+                      </a:r>
+                      <a:r>
+                        <a:rPr lang="en-SG" dirty="0" err="1"/>
+                        <a:t>Shermin</a:t>
+                      </a:r>
+                      <a:endParaRPr lang="en-SG" dirty="0"/>
+                    </a:p>
+                  </a:txBody>
+                  <a:tcPr/>
+                </a:tc>
+                <a:extLst>
+                  <a:ext uri="{0D108BD9-81ED-4DB2-BD59-A6C34878D82A}">
+                    <a16:rowId xmlns:a16="http://schemas.microsoft.com/office/drawing/2014/main" val="380935095"/>
+                  </a:ext>
+                </a:extLst>
+              </a:tr>
+              <a:tr h="370840">
+                <a:tc>
+                  <a:txBody>
+                    <a:bodyPr/>
+                    <a:lstStyle/>
+                    <a:p>
+                      <a:r>
+                        <a:rPr lang="en-SG" dirty="0"/>
+                        <a:t>Pair 3</a:t>
+                      </a:r>
+                    </a:p>
+                  </a:txBody>
+                  <a:tcPr/>
+                </a:tc>
+                <a:tc>
+                  <a:txBody>
+                    <a:bodyPr/>
+                    <a:lstStyle/>
+                    <a:p>
+                      <a:r>
+                        <a:rPr lang="en-SG" dirty="0"/>
+                        <a:t>-</a:t>
+                      </a:r>
+                    </a:p>
+                  </a:txBody>
+                  <a:tcPr/>
+                </a:tc>
+                <a:tc>
+                  <a:txBody>
+                    <a:bodyPr/>
+                    <a:lstStyle/>
+                    <a:p>
+                      <a:r>
+                        <a:rPr lang="en-SG" dirty="0"/>
+                        <a:t>(</a:t>
+                      </a:r>
+                      <a:r>
+                        <a:rPr lang="en-SG" dirty="0">
+                          <a:highlight>
+                            <a:srgbClr val="FFFF00"/>
+                          </a:highlight>
+                        </a:rPr>
+                        <a:t>SPECIAL PAIR</a:t>
+                      </a:r>
+                      <a:r>
+                        <a:rPr lang="en-SG" dirty="0"/>
+                        <a:t>)</a:t>
+                      </a:r>
+                    </a:p>
+                  </a:txBody>
+                  <a:tcPr/>
+                </a:tc>
+                <a:tc>
+                  <a:txBody>
+                    <a:bodyPr/>
+                    <a:lstStyle/>
+                    <a:p>
+                      <a:r>
+                        <a:rPr lang="en-SG" dirty="0"/>
+                        <a:t>-</a:t>
+                      </a:r>
+                    </a:p>
+                  </a:txBody>
+                  <a:tcPr/>
+                </a:tc>
+                <a:tc>
+                  <a:txBody>
+                    <a:bodyPr/>
+                    <a:lstStyle/>
+                    <a:p>
+                      <a:r>
+                        <a:rPr lang="en-SG" dirty="0"/>
+                        <a:t>-</a:t>
+                      </a:r>
+                    </a:p>
+                  </a:txBody>
+                  <a:tcPr/>
+                </a:tc>
+                <a:tc>
+                  <a:txBody>
+                    <a:bodyPr/>
+                    <a:lstStyle/>
+                    <a:p>
+                      <a:r>
+                        <a:rPr lang="en-SG" dirty="0"/>
+                        <a:t>-</a:t>
+                      </a:r>
+                    </a:p>
+                  </a:txBody>
+                  <a:tcPr/>
+                </a:tc>
+                <a:extLst>
+                  <a:ext uri="{0D108BD9-81ED-4DB2-BD59-A6C34878D82A}">
+                    <a16:rowId xmlns:a16="http://schemas.microsoft.com/office/drawing/2014/main" val="770045508"/>
+                  </a:ext>
+                </a:extLst>
+              </a:tr>
+              <a:tr h="370840">
+                <a:tc>
+                  <a:txBody>
+                    <a:bodyPr/>
+                    <a:lstStyle/>
+                    <a:p>
+                      <a:r>
+                        <a:rPr lang="en-SG" dirty="0"/>
+                        <a:t>Dates</a:t>
+                      </a:r>
+                    </a:p>
+                  </a:txBody>
+                  <a:tcPr/>
+                </a:tc>
+                <a:tc>
+                  <a:txBody>
+                    <a:bodyPr/>
+                    <a:lstStyle/>
+                    <a:p>
+                      <a:r>
+                        <a:rPr lang="en-SG" dirty="0"/>
+                        <a:t>16/09 – 03/10 </a:t>
+                      </a:r>
+                    </a:p>
+                  </a:txBody>
+                  <a:tcPr/>
+                </a:tc>
+                <a:tc>
+                  <a:txBody>
+                    <a:bodyPr/>
+                    <a:lstStyle/>
+                    <a:p>
+                      <a:r>
+                        <a:rPr lang="en-SG" dirty="0"/>
+                        <a:t>04/10 – 17/10</a:t>
+                      </a:r>
+                    </a:p>
+                  </a:txBody>
+                  <a:tcPr/>
+                </a:tc>
+                <a:tc>
+                  <a:txBody>
+                    <a:bodyPr/>
+                    <a:lstStyle/>
+                    <a:p>
+                      <a:r>
+                        <a:rPr lang="en-SG" dirty="0"/>
+                        <a:t>18/10 – 31/10</a:t>
+                      </a:r>
+                    </a:p>
+                  </a:txBody>
+                  <a:tcPr/>
+                </a:tc>
+                <a:tc>
+                  <a:txBody>
+                    <a:bodyPr/>
+                    <a:lstStyle/>
+                    <a:p>
+                      <a:r>
+                        <a:rPr lang="en-SG" dirty="0"/>
+                        <a:t>1/11 – 14/10 </a:t>
+                      </a:r>
+                    </a:p>
+                  </a:txBody>
+                  <a:tcPr/>
+                </a:tc>
+                <a:tc>
+                  <a:txBody>
+                    <a:bodyPr/>
+                    <a:lstStyle/>
+                    <a:p>
+                      <a:r>
+                        <a:rPr lang="en-SG" dirty="0"/>
+                        <a:t>15/11 – 21/11 </a:t>
+                      </a:r>
+                    </a:p>
+                  </a:txBody>
+                  <a:tcPr/>
+                </a:tc>
+                <a:extLst>
+                  <a:ext uri="{0D108BD9-81ED-4DB2-BD59-A6C34878D82A}">
+                    <a16:rowId xmlns:a16="http://schemas.microsoft.com/office/drawing/2014/main" val="550168875"/>
+                  </a:ext>
+                </a:extLst>
+              </a:tr>
+              <a:tr h="370840">
+                <a:tc>
+                  <a:txBody>
+                    <a:bodyPr/>
+                    <a:lstStyle/>
+                    <a:p>
+                      <a:r>
+                        <a:rPr lang="en-SG" dirty="0"/>
+                        <a:t>Milestones</a:t>
+                      </a:r>
+                    </a:p>
+                  </a:txBody>
+                  <a:tcPr/>
+                </a:tc>
+                <a:tc>
+                  <a:txBody>
+                    <a:bodyPr/>
+                    <a:lstStyle/>
+                    <a:p>
+                      <a:r>
+                        <a:rPr lang="en-SG" dirty="0"/>
+                        <a:t>03/10:</a:t>
+                      </a:r>
+                    </a:p>
+                    <a:p>
+                      <a:r>
+                        <a:rPr lang="en-SG" dirty="0"/>
+                        <a:t>PM Review</a:t>
+                      </a:r>
+                    </a:p>
+                  </a:txBody>
+                  <a:tcPr/>
+                </a:tc>
+                <a:tc>
+                  <a:txBody>
+                    <a:bodyPr/>
+                    <a:lstStyle/>
+                    <a:p>
+                      <a:r>
+                        <a:rPr lang="en-SG" dirty="0"/>
+                        <a:t>17/10: App Demo &amp; Progress Update</a:t>
+                      </a:r>
+                    </a:p>
+                  </a:txBody>
+                  <a:tcPr/>
+                </a:tc>
+                <a:tc>
+                  <a:txBody>
+                    <a:bodyPr/>
+                    <a:lstStyle/>
+                    <a:p>
+                      <a:r>
+                        <a:rPr lang="en-SG" dirty="0"/>
+                        <a:t>31/10:</a:t>
+                      </a:r>
+                    </a:p>
+                    <a:p>
+                      <a:r>
+                        <a:rPr lang="en-SG" dirty="0"/>
+                        <a:t>UAT</a:t>
+                      </a:r>
+                    </a:p>
+                  </a:txBody>
+                  <a:tcPr/>
+                </a:tc>
+                <a:tc>
+                  <a:txBody>
+                    <a:bodyPr/>
+                    <a:lstStyle/>
+                    <a:p>
+                      <a:r>
+                        <a:rPr lang="en-SG" dirty="0"/>
+                        <a:t>Week 13:</a:t>
+                      </a:r>
+                    </a:p>
+                    <a:p>
+                      <a:r>
+                        <a:rPr lang="en-SG" dirty="0"/>
+                        <a:t>Final Submission</a:t>
+                      </a:r>
+                    </a:p>
+                  </a:txBody>
+                  <a:tcPr/>
+                </a:tc>
+                <a:tc>
+                  <a:txBody>
+                    <a:bodyPr/>
+                    <a:lstStyle/>
+                    <a:p>
+                      <a:r>
+                        <a:rPr lang="en-SG" dirty="0"/>
+                        <a:t>Week 14:</a:t>
+                      </a:r>
+                    </a:p>
+                    <a:p>
+                      <a:r>
+                        <a:rPr lang="en-SG" dirty="0"/>
+                        <a:t>Final Presentation</a:t>
+                      </a:r>
+                    </a:p>
+                  </a:txBody>
+                  <a:tcPr/>
+                </a:tc>
+                <a:extLst>
+                  <a:ext uri="{0D108BD9-81ED-4DB2-BD59-A6C34878D82A}">
+                    <a16:rowId xmlns:a16="http://schemas.microsoft.com/office/drawing/2014/main" val="2169475113"/>
+                  </a:ext>
+                </a:extLst>
+              </a:tr>
+              <a:tr h="370840">
+                <a:tc>
+                  <a:txBody>
+                    <a:bodyPr/>
+                    <a:lstStyle/>
+                    <a:p>
+                      <a:endParaRPr lang="en-SG"/>
+                    </a:p>
+                  </a:txBody>
+                  <a:tcPr/>
+                </a:tc>
+                <a:tc>
+                  <a:txBody>
+                    <a:bodyPr/>
+                    <a:lstStyle/>
+                    <a:p>
+                      <a:endParaRPr lang="en-SG"/>
+                    </a:p>
+                  </a:txBody>
+                  <a:tcPr/>
+                </a:tc>
+                <a:tc>
+                  <a:txBody>
+                    <a:bodyPr/>
+                    <a:lstStyle/>
+                    <a:p>
+                      <a:endParaRPr lang="en-SG"/>
+                    </a:p>
+                  </a:txBody>
+                  <a:tcPr/>
+                </a:tc>
+                <a:tc>
+                  <a:txBody>
+                    <a:bodyPr/>
+                    <a:lstStyle/>
+                    <a:p>
+                      <a:endParaRPr lang="en-SG"/>
+                    </a:p>
+                  </a:txBody>
+                  <a:tcPr/>
+                </a:tc>
+                <a:tc>
+                  <a:txBody>
+                    <a:bodyPr/>
+                    <a:lstStyle/>
+                    <a:p>
+                      <a:endParaRPr lang="en-SG"/>
+                    </a:p>
+                  </a:txBody>
+                  <a:tcPr/>
+                </a:tc>
+                <a:tc>
+                  <a:txBody>
+                    <a:bodyPr/>
+                    <a:lstStyle/>
+                    <a:p>
+                      <a:endParaRPr lang="en-SG" dirty="0"/>
+                    </a:p>
+                  </a:txBody>
+                  <a:tcPr/>
+                </a:tc>
+                <a:extLst>
+                  <a:ext uri="{0D108BD9-81ED-4DB2-BD59-A6C34878D82A}">
+                    <a16:rowId xmlns:a16="http://schemas.microsoft.com/office/drawing/2014/main" val="3475441377"/>
+                  </a:ext>
+                </a:extLst>
+              </a:tr>
+            </a:tbl>
+          </a:graphicData>
+        </a:graphic>
+      </p:graphicFrame>
+    </p:spTree>
+    <p:extLst>
+      <p:ext uri="{BB962C8B-B14F-4D97-AF65-F5344CB8AC3E}">
+        <p14:creationId xmlns:p14="http://schemas.microsoft.com/office/powerpoint/2010/main" val="1109535878"/>
+      </p:ext>
+    </p:extLst>
+  </p:cSld>
+  <p:clrMapOvr>
+    <a:masterClrMapping/>
+  </p:clrMapOvr>
+</p:sld>
+</file>
+
 <file path=ppt/slides/slide2.xml><?xml version="1.0" encoding="utf-8"?>
 <p:sld xmlns:a="http://schemas.openxmlformats.org/drawingml/2006/main" xmlns:r="http://schemas.openxmlformats.org/officeDocument/2006/relationships" xmlns:p="http://schemas.openxmlformats.org/presentationml/2006/main">
   <p:cSld>
@@ -6210,6 +7247,1968 @@
     <p:extLst>
       <p:ext uri="{BB962C8B-B14F-4D97-AF65-F5344CB8AC3E}">
         <p14:creationId xmlns:p14="http://schemas.microsoft.com/office/powerpoint/2010/main" val="3971046614"/>
+      </p:ext>
+    </p:extLst>
+  </p:cSld>
+  <p:clrMapOvr>
+    <a:masterClrMapping/>
+  </p:clrMapOvr>
+</p:sld>
+</file>
+
+<file path=ppt/slides/slide5.xml><?xml version="1.0" encoding="utf-8"?>
+<p:sld xmlns:a="http://schemas.openxmlformats.org/drawingml/2006/main" xmlns:r="http://schemas.openxmlformats.org/officeDocument/2006/relationships" xmlns:p="http://schemas.openxmlformats.org/presentationml/2006/main">
+  <p:cSld>
+    <p:spTree>
+      <p:nvGrpSpPr>
+        <p:cNvPr id="1" name=""/>
+        <p:cNvGrpSpPr/>
+        <p:nvPr/>
+      </p:nvGrpSpPr>
+      <p:grpSpPr>
+        <a:xfrm>
+          <a:off x="0" y="0"/>
+          <a:ext cx="0" cy="0"/>
+          <a:chOff x="0" y="0"/>
+          <a:chExt cx="0" cy="0"/>
+        </a:xfrm>
+      </p:grpSpPr>
+      <p:graphicFrame>
+        <p:nvGraphicFramePr>
+          <p:cNvPr id="4" name="Table 3">
+            <a:extLst>
+              <a:ext uri="{FF2B5EF4-FFF2-40B4-BE49-F238E27FC236}">
+                <a16:creationId xmlns:a16="http://schemas.microsoft.com/office/drawing/2014/main" id="{D53D4EA9-70B8-4B89-B93E-A2F9339C7F35}"/>
+              </a:ext>
+            </a:extLst>
+          </p:cNvPr>
+          <p:cNvGraphicFramePr>
+            <a:graphicFrameLocks noGrp="1"/>
+          </p:cNvGraphicFramePr>
+          <p:nvPr>
+            <p:extLst/>
+          </p:nvPr>
+        </p:nvGraphicFramePr>
+        <p:xfrm>
+          <a:off x="1536504" y="769620"/>
+          <a:ext cx="9118991" cy="4775200"/>
+        </p:xfrm>
+        <a:graphic>
+          <a:graphicData uri="http://schemas.openxmlformats.org/drawingml/2006/table">
+            <a:tbl>
+              <a:tblPr firstRow="1" bandRow="1">
+                <a:tableStyleId>{5C22544A-7EE6-4342-B048-85BDC9FD1C3A}</a:tableStyleId>
+              </a:tblPr>
+              <a:tblGrid>
+                <a:gridCol w="1239832">
+                  <a:extLst>
+                    <a:ext uri="{9D8B030D-6E8A-4147-A177-3AD203B41FA5}">
+                      <a16:colId xmlns:a16="http://schemas.microsoft.com/office/drawing/2014/main" val="4142429104"/>
+                    </a:ext>
+                  </a:extLst>
+                </a:gridCol>
+                <a:gridCol w="1120585">
+                  <a:extLst>
+                    <a:ext uri="{9D8B030D-6E8A-4147-A177-3AD203B41FA5}">
+                      <a16:colId xmlns:a16="http://schemas.microsoft.com/office/drawing/2014/main" val="3965926545"/>
+                    </a:ext>
+                  </a:extLst>
+                </a:gridCol>
+                <a:gridCol w="3671497">
+                  <a:extLst>
+                    <a:ext uri="{9D8B030D-6E8A-4147-A177-3AD203B41FA5}">
+                      <a16:colId xmlns:a16="http://schemas.microsoft.com/office/drawing/2014/main" val="667142157"/>
+                    </a:ext>
+                  </a:extLst>
+                </a:gridCol>
+                <a:gridCol w="1263279">
+                  <a:extLst>
+                    <a:ext uri="{9D8B030D-6E8A-4147-A177-3AD203B41FA5}">
+                      <a16:colId xmlns:a16="http://schemas.microsoft.com/office/drawing/2014/main" val="89399057"/>
+                    </a:ext>
+                  </a:extLst>
+                </a:gridCol>
+                <a:gridCol w="1823798">
+                  <a:extLst>
+                    <a:ext uri="{9D8B030D-6E8A-4147-A177-3AD203B41FA5}">
+                      <a16:colId xmlns:a16="http://schemas.microsoft.com/office/drawing/2014/main" val="2564866558"/>
+                    </a:ext>
+                  </a:extLst>
+                </a:gridCol>
+              </a:tblGrid>
+              <a:tr h="370840">
+                <a:tc>
+                  <a:txBody>
+                    <a:bodyPr/>
+                    <a:lstStyle/>
+                    <a:p>
+                      <a:r>
+                        <a:rPr lang="en-SG" dirty="0"/>
+                        <a:t>Iteration</a:t>
+                      </a:r>
+                    </a:p>
+                  </a:txBody>
+                  <a:tcPr/>
+                </a:tc>
+                <a:tc>
+                  <a:txBody>
+                    <a:bodyPr/>
+                    <a:lstStyle/>
+                    <a:p>
+                      <a:r>
+                        <a:rPr lang="en-SG" dirty="0"/>
+                        <a:t>Task ID</a:t>
+                      </a:r>
+                    </a:p>
+                  </a:txBody>
+                  <a:tcPr/>
+                </a:tc>
+                <a:tc>
+                  <a:txBody>
+                    <a:bodyPr/>
+                    <a:lstStyle/>
+                    <a:p>
+                      <a:r>
+                        <a:rPr lang="en-SG" dirty="0"/>
+                        <a:t>Name</a:t>
+                      </a:r>
+                    </a:p>
+                  </a:txBody>
+                  <a:tcPr/>
+                </a:tc>
+                <a:tc>
+                  <a:txBody>
+                    <a:bodyPr/>
+                    <a:lstStyle/>
+                    <a:p>
+                      <a:r>
+                        <a:rPr lang="en-SG" dirty="0"/>
+                        <a:t>Duration</a:t>
+                      </a:r>
+                    </a:p>
+                  </a:txBody>
+                  <a:tcPr/>
+                </a:tc>
+                <a:tc>
+                  <a:txBody>
+                    <a:bodyPr/>
+                    <a:lstStyle/>
+                    <a:p>
+                      <a:r>
+                        <a:rPr lang="en-SG" dirty="0"/>
+                        <a:t>Predecessor</a:t>
+                      </a:r>
+                    </a:p>
+                  </a:txBody>
+                  <a:tcPr/>
+                </a:tc>
+                <a:extLst>
+                  <a:ext uri="{0D108BD9-81ED-4DB2-BD59-A6C34878D82A}">
+                    <a16:rowId xmlns:a16="http://schemas.microsoft.com/office/drawing/2014/main" val="2317857548"/>
+                  </a:ext>
+                </a:extLst>
+              </a:tr>
+              <a:tr h="370840">
+                <a:tc>
+                  <a:txBody>
+                    <a:bodyPr/>
+                    <a:lstStyle/>
+                    <a:p>
+                      <a:r>
+                        <a:rPr lang="en-SG" dirty="0"/>
+                        <a:t>3</a:t>
+                      </a:r>
+                    </a:p>
+                  </a:txBody>
+                  <a:tcPr/>
+                </a:tc>
+                <a:tc>
+                  <a:txBody>
+                    <a:bodyPr/>
+                    <a:lstStyle/>
+                    <a:p>
+                      <a:r>
+                        <a:rPr lang="en-SG" dirty="0"/>
+                        <a:t>1</a:t>
+                      </a:r>
+                    </a:p>
+                  </a:txBody>
+                  <a:tcPr/>
+                </a:tc>
+                <a:tc>
+                  <a:txBody>
+                    <a:bodyPr/>
+                    <a:lstStyle/>
+                    <a:p>
+                      <a:r>
+                        <a:rPr lang="en-SG" dirty="0"/>
+                        <a:t>Start round function</a:t>
+                      </a:r>
+                    </a:p>
+                    <a:p>
+                      <a:pPr marL="285750" indent="-285750">
+                        <a:buFont typeface="Arial" panose="020B0604020202020204" pitchFamily="34" charset="0"/>
+                        <a:buChar char="•"/>
+                      </a:pPr>
+                      <a:r>
+                        <a:rPr lang="en-SG" dirty="0"/>
+                        <a:t>Check bidding round</a:t>
+                      </a:r>
+                    </a:p>
+                    <a:p>
+                      <a:pPr marL="285750" marR="0" lvl="0" indent="-285750" algn="l" defTabSz="914400" rtl="0" eaLnBrk="1" fontAlgn="auto" latinLnBrk="0" hangingPunct="1">
+                        <a:lnSpc>
+                          <a:spcPct val="100000"/>
+                        </a:lnSpc>
+                        <a:spcBef>
+                          <a:spcPts val="0"/>
+                        </a:spcBef>
+                        <a:spcAft>
+                          <a:spcPts val="0"/>
+                        </a:spcAft>
+                        <a:buClrTx/>
+                        <a:buSzTx/>
+                        <a:buFont typeface="Arial" panose="020B0604020202020204" pitchFamily="34" charset="0"/>
+                        <a:buChar char="•"/>
+                        <a:tabLst/>
+                        <a:defRPr/>
+                      </a:pPr>
+                      <a:r>
+                        <a:rPr lang="en-SG" dirty="0"/>
+                        <a:t>Check active bidding round </a:t>
+                      </a:r>
+                    </a:p>
+                  </a:txBody>
+                  <a:tcPr/>
+                </a:tc>
+                <a:tc>
+                  <a:txBody>
+                    <a:bodyPr/>
+                    <a:lstStyle/>
+                    <a:p>
+                      <a:endParaRPr lang="en-SG" dirty="0"/>
+                    </a:p>
+                  </a:txBody>
+                  <a:tcPr/>
+                </a:tc>
+                <a:tc>
+                  <a:txBody>
+                    <a:bodyPr/>
+                    <a:lstStyle/>
+                    <a:p>
+                      <a:endParaRPr lang="en-SG" dirty="0"/>
+                    </a:p>
+                  </a:txBody>
+                  <a:tcPr/>
+                </a:tc>
+                <a:extLst>
+                  <a:ext uri="{0D108BD9-81ED-4DB2-BD59-A6C34878D82A}">
+                    <a16:rowId xmlns:a16="http://schemas.microsoft.com/office/drawing/2014/main" val="328449147"/>
+                  </a:ext>
+                </a:extLst>
+              </a:tr>
+              <a:tr h="370840">
+                <a:tc>
+                  <a:txBody>
+                    <a:bodyPr/>
+                    <a:lstStyle/>
+                    <a:p>
+                      <a:r>
+                        <a:rPr lang="en-SG" dirty="0"/>
+                        <a:t>3</a:t>
+                      </a:r>
+                    </a:p>
+                  </a:txBody>
+                  <a:tcPr/>
+                </a:tc>
+                <a:tc>
+                  <a:txBody>
+                    <a:bodyPr/>
+                    <a:lstStyle/>
+                    <a:p>
+                      <a:r>
+                        <a:rPr lang="en-SG" dirty="0"/>
+                        <a:t>2</a:t>
+                      </a:r>
+                    </a:p>
+                  </a:txBody>
+                  <a:tcPr/>
+                </a:tc>
+                <a:tc>
+                  <a:txBody>
+                    <a:bodyPr/>
+                    <a:lstStyle/>
+                    <a:p>
+                      <a:pPr marL="0" marR="0" lvl="0" indent="0" algn="l" defTabSz="914400" rtl="0" eaLnBrk="1" fontAlgn="auto" latinLnBrk="0" hangingPunct="1">
+                        <a:lnSpc>
+                          <a:spcPct val="100000"/>
+                        </a:lnSpc>
+                        <a:spcBef>
+                          <a:spcPts val="0"/>
+                        </a:spcBef>
+                        <a:spcAft>
+                          <a:spcPts val="0"/>
+                        </a:spcAft>
+                        <a:buClrTx/>
+                        <a:buSzTx/>
+                        <a:buFontTx/>
+                        <a:buNone/>
+                        <a:tabLst/>
+                        <a:defRPr/>
+                      </a:pPr>
+                      <a:r>
+                        <a:rPr lang="en-SG" dirty="0"/>
+                        <a:t>Clearing rounds function</a:t>
+                      </a:r>
+                    </a:p>
+                  </a:txBody>
+                  <a:tcPr/>
+                </a:tc>
+                <a:tc>
+                  <a:txBody>
+                    <a:bodyPr/>
+                    <a:lstStyle/>
+                    <a:p>
+                      <a:endParaRPr lang="en-SG" dirty="0"/>
+                    </a:p>
+                  </a:txBody>
+                  <a:tcPr/>
+                </a:tc>
+                <a:tc>
+                  <a:txBody>
+                    <a:bodyPr/>
+                    <a:lstStyle/>
+                    <a:p>
+                      <a:endParaRPr lang="en-SG" dirty="0"/>
+                    </a:p>
+                  </a:txBody>
+                  <a:tcPr/>
+                </a:tc>
+                <a:extLst>
+                  <a:ext uri="{0D108BD9-81ED-4DB2-BD59-A6C34878D82A}">
+                    <a16:rowId xmlns:a16="http://schemas.microsoft.com/office/drawing/2014/main" val="1975850622"/>
+                  </a:ext>
+                </a:extLst>
+              </a:tr>
+              <a:tr h="370840">
+                <a:tc>
+                  <a:txBody>
+                    <a:bodyPr/>
+                    <a:lstStyle/>
+                    <a:p>
+                      <a:r>
+                        <a:rPr lang="en-SG" dirty="0"/>
+                        <a:t>3</a:t>
+                      </a:r>
+                    </a:p>
+                  </a:txBody>
+                  <a:tcPr/>
+                </a:tc>
+                <a:tc>
+                  <a:txBody>
+                    <a:bodyPr/>
+                    <a:lstStyle/>
+                    <a:p>
+                      <a:r>
+                        <a:rPr lang="en-SG" dirty="0"/>
+                        <a:t>2_1</a:t>
+                      </a:r>
+                    </a:p>
+                  </a:txBody>
+                  <a:tcPr/>
+                </a:tc>
+                <a:tc>
+                  <a:txBody>
+                    <a:bodyPr/>
+                    <a:lstStyle/>
+                    <a:p>
+                      <a:pPr marL="0" marR="0" lvl="0" indent="0" algn="l" defTabSz="914400" rtl="0" eaLnBrk="1" fontAlgn="auto" latinLnBrk="0" hangingPunct="1">
+                        <a:lnSpc>
+                          <a:spcPct val="100000"/>
+                        </a:lnSpc>
+                        <a:spcBef>
+                          <a:spcPts val="0"/>
+                        </a:spcBef>
+                        <a:spcAft>
+                          <a:spcPts val="0"/>
+                        </a:spcAft>
+                        <a:buClrTx/>
+                        <a:buSzTx/>
+                        <a:buFontTx/>
+                        <a:buNone/>
+                        <a:tabLst/>
+                        <a:defRPr/>
+                      </a:pPr>
+                      <a:r>
+                        <a:rPr lang="en-SG" dirty="0"/>
+                        <a:t>Round 1 clearing function</a:t>
+                      </a:r>
+                    </a:p>
+                    <a:p>
+                      <a:pPr marL="285750" indent="-285750">
+                        <a:buFont typeface="Arial" panose="020B0604020202020204" pitchFamily="34" charset="0"/>
+                        <a:buChar char="•"/>
+                      </a:pPr>
+                      <a:r>
+                        <a:rPr lang="en-SG" dirty="0"/>
+                        <a:t>Sort bids from highest to lowest</a:t>
+                      </a:r>
+                    </a:p>
+                    <a:p>
+                      <a:pPr marL="285750" indent="-285750">
+                        <a:buFont typeface="Arial" panose="020B0604020202020204" pitchFamily="34" charset="0"/>
+                        <a:buChar char="•"/>
+                      </a:pPr>
+                      <a:r>
+                        <a:rPr lang="en-SG" dirty="0"/>
+                        <a:t>Derive minimum clearing price </a:t>
+                      </a:r>
+                    </a:p>
+                  </a:txBody>
+                  <a:tcPr/>
+                </a:tc>
+                <a:tc>
+                  <a:txBody>
+                    <a:bodyPr/>
+                    <a:lstStyle/>
+                    <a:p>
+                      <a:endParaRPr lang="en-SG" dirty="0"/>
+                    </a:p>
+                  </a:txBody>
+                  <a:tcPr/>
+                </a:tc>
+                <a:tc>
+                  <a:txBody>
+                    <a:bodyPr/>
+                    <a:lstStyle/>
+                    <a:p>
+                      <a:endParaRPr lang="en-SG" dirty="0"/>
+                    </a:p>
+                  </a:txBody>
+                  <a:tcPr/>
+                </a:tc>
+                <a:extLst>
+                  <a:ext uri="{0D108BD9-81ED-4DB2-BD59-A6C34878D82A}">
+                    <a16:rowId xmlns:a16="http://schemas.microsoft.com/office/drawing/2014/main" val="4264028945"/>
+                  </a:ext>
+                </a:extLst>
+              </a:tr>
+              <a:tr h="370840">
+                <a:tc>
+                  <a:txBody>
+                    <a:bodyPr/>
+                    <a:lstStyle/>
+                    <a:p>
+                      <a:r>
+                        <a:rPr lang="en-SG" dirty="0"/>
+                        <a:t>3</a:t>
+                      </a:r>
+                    </a:p>
+                  </a:txBody>
+                  <a:tcPr/>
+                </a:tc>
+                <a:tc>
+                  <a:txBody>
+                    <a:bodyPr/>
+                    <a:lstStyle/>
+                    <a:p>
+                      <a:r>
+                        <a:rPr lang="en-SG" dirty="0"/>
+                        <a:t>2_2</a:t>
+                      </a:r>
+                    </a:p>
+                  </a:txBody>
+                  <a:tcPr/>
+                </a:tc>
+                <a:tc>
+                  <a:txBody>
+                    <a:bodyPr/>
+                    <a:lstStyle/>
+                    <a:p>
+                      <a:pPr marL="0" marR="0" lvl="0" indent="0" algn="l" defTabSz="914400" rtl="0" eaLnBrk="1" fontAlgn="auto" latinLnBrk="0" hangingPunct="1">
+                        <a:lnSpc>
+                          <a:spcPct val="100000"/>
+                        </a:lnSpc>
+                        <a:spcBef>
+                          <a:spcPts val="0"/>
+                        </a:spcBef>
+                        <a:spcAft>
+                          <a:spcPts val="0"/>
+                        </a:spcAft>
+                        <a:buClrTx/>
+                        <a:buSzTx/>
+                        <a:buFontTx/>
+                        <a:buNone/>
+                        <a:tabLst/>
+                        <a:defRPr/>
+                      </a:pPr>
+                      <a:r>
+                        <a:rPr lang="en-SG" dirty="0"/>
+                        <a:t>Round 2 clearing function</a:t>
+                      </a:r>
+                    </a:p>
+                    <a:p>
+                      <a:pPr marL="285750" marR="0" lvl="0" indent="-285750" algn="l" defTabSz="914400" rtl="0" eaLnBrk="1" fontAlgn="auto" latinLnBrk="0" hangingPunct="1">
+                        <a:lnSpc>
+                          <a:spcPct val="100000"/>
+                        </a:lnSpc>
+                        <a:spcBef>
+                          <a:spcPts val="0"/>
+                        </a:spcBef>
+                        <a:spcAft>
+                          <a:spcPts val="0"/>
+                        </a:spcAft>
+                        <a:buClrTx/>
+                        <a:buSzTx/>
+                        <a:buFont typeface="Arial" panose="020B0604020202020204" pitchFamily="34" charset="0"/>
+                        <a:buChar char="•"/>
+                        <a:tabLst/>
+                        <a:defRPr/>
+                      </a:pPr>
+                      <a:r>
+                        <a:rPr lang="en-SG" dirty="0"/>
+                        <a:t>Sort bids from highest to lowest</a:t>
+                      </a:r>
+                    </a:p>
+                    <a:p>
+                      <a:pPr marL="285750" marR="0" lvl="0" indent="-285750" algn="l" defTabSz="914400" rtl="0" eaLnBrk="1" fontAlgn="auto" latinLnBrk="0" hangingPunct="1">
+                        <a:lnSpc>
+                          <a:spcPct val="100000"/>
+                        </a:lnSpc>
+                        <a:spcBef>
+                          <a:spcPts val="0"/>
+                        </a:spcBef>
+                        <a:spcAft>
+                          <a:spcPts val="0"/>
+                        </a:spcAft>
+                        <a:buClrTx/>
+                        <a:buSzTx/>
+                        <a:buFont typeface="Arial" panose="020B0604020202020204" pitchFamily="34" charset="0"/>
+                        <a:buChar char="•"/>
+                        <a:tabLst/>
+                        <a:defRPr/>
+                      </a:pPr>
+                      <a:r>
+                        <a:rPr lang="en-SG" dirty="0"/>
+                        <a:t>Total available seats</a:t>
+                      </a:r>
+                    </a:p>
+                    <a:p>
+                      <a:pPr marL="285750" marR="0" lvl="0" indent="-285750" algn="l" defTabSz="914400" rtl="0" eaLnBrk="1" fontAlgn="auto" latinLnBrk="0" hangingPunct="1">
+                        <a:lnSpc>
+                          <a:spcPct val="100000"/>
+                        </a:lnSpc>
+                        <a:spcBef>
+                          <a:spcPts val="0"/>
+                        </a:spcBef>
+                        <a:spcAft>
+                          <a:spcPts val="0"/>
+                        </a:spcAft>
+                        <a:buClrTx/>
+                        <a:buSzTx/>
+                        <a:buFont typeface="Arial" panose="020B0604020202020204" pitchFamily="34" charset="0"/>
+                        <a:buChar char="•"/>
+                        <a:tabLst/>
+                        <a:defRPr/>
+                      </a:pPr>
+                      <a:r>
+                        <a:rPr lang="en-SG" dirty="0"/>
+                        <a:t>Find out minimum bid value</a:t>
+                      </a:r>
+                    </a:p>
+                    <a:p>
+                      <a:pPr marL="285750" marR="0" lvl="0" indent="-285750" algn="l" defTabSz="914400" rtl="0" eaLnBrk="1" fontAlgn="auto" latinLnBrk="0" hangingPunct="1">
+                        <a:lnSpc>
+                          <a:spcPct val="100000"/>
+                        </a:lnSpc>
+                        <a:spcBef>
+                          <a:spcPts val="0"/>
+                        </a:spcBef>
+                        <a:spcAft>
+                          <a:spcPts val="0"/>
+                        </a:spcAft>
+                        <a:buClrTx/>
+                        <a:buSzTx/>
+                        <a:buFont typeface="Arial" panose="020B0604020202020204" pitchFamily="34" charset="0"/>
+                        <a:buChar char="•"/>
+                        <a:tabLst/>
+                        <a:defRPr/>
+                      </a:pPr>
+                      <a:r>
+                        <a:rPr lang="en-SG" dirty="0"/>
+                        <a:t>Re-compute minimum bid value</a:t>
+                      </a:r>
+                    </a:p>
+                  </a:txBody>
+                  <a:tcPr/>
+                </a:tc>
+                <a:tc>
+                  <a:txBody>
+                    <a:bodyPr/>
+                    <a:lstStyle/>
+                    <a:p>
+                      <a:endParaRPr lang="en-SG" dirty="0"/>
+                    </a:p>
+                  </a:txBody>
+                  <a:tcPr/>
+                </a:tc>
+                <a:tc>
+                  <a:txBody>
+                    <a:bodyPr/>
+                    <a:lstStyle/>
+                    <a:p>
+                      <a:endParaRPr lang="en-SG" dirty="0"/>
+                    </a:p>
+                  </a:txBody>
+                  <a:tcPr/>
+                </a:tc>
+                <a:extLst>
+                  <a:ext uri="{0D108BD9-81ED-4DB2-BD59-A6C34878D82A}">
+                    <a16:rowId xmlns:a16="http://schemas.microsoft.com/office/drawing/2014/main" val="323787019"/>
+                  </a:ext>
+                </a:extLst>
+              </a:tr>
+              <a:tr h="370840">
+                <a:tc>
+                  <a:txBody>
+                    <a:bodyPr/>
+                    <a:lstStyle/>
+                    <a:p>
+                      <a:r>
+                        <a:rPr lang="en-SG" dirty="0"/>
+                        <a:t>3</a:t>
+                      </a:r>
+                    </a:p>
+                  </a:txBody>
+                  <a:tcPr/>
+                </a:tc>
+                <a:tc>
+                  <a:txBody>
+                    <a:bodyPr/>
+                    <a:lstStyle/>
+                    <a:p>
+                      <a:r>
+                        <a:rPr lang="en-SG" dirty="0"/>
+                        <a:t>3</a:t>
+                      </a:r>
+                    </a:p>
+                  </a:txBody>
+                  <a:tcPr/>
+                </a:tc>
+                <a:tc>
+                  <a:txBody>
+                    <a:bodyPr/>
+                    <a:lstStyle/>
+                    <a:p>
+                      <a:pPr marL="0" marR="0" lvl="0" indent="0" algn="l" defTabSz="914400" rtl="0" eaLnBrk="1" fontAlgn="auto" latinLnBrk="0" hangingPunct="1">
+                        <a:lnSpc>
+                          <a:spcPct val="100000"/>
+                        </a:lnSpc>
+                        <a:spcBef>
+                          <a:spcPts val="0"/>
+                        </a:spcBef>
+                        <a:spcAft>
+                          <a:spcPts val="0"/>
+                        </a:spcAft>
+                        <a:buClrTx/>
+                        <a:buSzTx/>
+                        <a:buFontTx/>
+                        <a:buNone/>
+                        <a:tabLst/>
+                        <a:defRPr/>
+                      </a:pPr>
+                      <a:r>
+                        <a:rPr lang="en-SG" dirty="0"/>
+                        <a:t>Prepare bug metrics &amp; test plan</a:t>
+                      </a:r>
+                    </a:p>
+                  </a:txBody>
+                  <a:tcPr/>
+                </a:tc>
+                <a:tc>
+                  <a:txBody>
+                    <a:bodyPr/>
+                    <a:lstStyle/>
+                    <a:p>
+                      <a:endParaRPr lang="en-SG" dirty="0"/>
+                    </a:p>
+                  </a:txBody>
+                  <a:tcPr/>
+                </a:tc>
+                <a:tc>
+                  <a:txBody>
+                    <a:bodyPr/>
+                    <a:lstStyle/>
+                    <a:p>
+                      <a:endParaRPr lang="en-SG" dirty="0"/>
+                    </a:p>
+                  </a:txBody>
+                  <a:tcPr/>
+                </a:tc>
+                <a:extLst>
+                  <a:ext uri="{0D108BD9-81ED-4DB2-BD59-A6C34878D82A}">
+                    <a16:rowId xmlns:a16="http://schemas.microsoft.com/office/drawing/2014/main" val="2769772195"/>
+                  </a:ext>
+                </a:extLst>
+              </a:tr>
+              <a:tr h="370840">
+                <a:tc>
+                  <a:txBody>
+                    <a:bodyPr/>
+                    <a:lstStyle/>
+                    <a:p>
+                      <a:r>
+                        <a:rPr lang="en-SG" dirty="0"/>
+                        <a:t>3</a:t>
+                      </a:r>
+                    </a:p>
+                  </a:txBody>
+                  <a:tcPr/>
+                </a:tc>
+                <a:tc>
+                  <a:txBody>
+                    <a:bodyPr/>
+                    <a:lstStyle/>
+                    <a:p>
+                      <a:r>
+                        <a:rPr lang="en-SG" dirty="0"/>
+                        <a:t>4</a:t>
+                      </a:r>
+                    </a:p>
+                  </a:txBody>
+                  <a:tcPr/>
+                </a:tc>
+                <a:tc>
+                  <a:txBody>
+                    <a:bodyPr/>
+                    <a:lstStyle/>
+                    <a:p>
+                      <a:pPr marL="0" marR="0" lvl="0" indent="0" algn="l" defTabSz="914400" rtl="0" eaLnBrk="1" fontAlgn="auto" latinLnBrk="0" hangingPunct="1">
+                        <a:lnSpc>
+                          <a:spcPct val="100000"/>
+                        </a:lnSpc>
+                        <a:spcBef>
+                          <a:spcPts val="0"/>
+                        </a:spcBef>
+                        <a:spcAft>
+                          <a:spcPts val="0"/>
+                        </a:spcAft>
+                        <a:buClrTx/>
+                        <a:buSzTx/>
+                        <a:buFontTx/>
+                        <a:buNone/>
+                        <a:tabLst/>
+                        <a:defRPr/>
+                      </a:pPr>
+                      <a:r>
+                        <a:rPr lang="en-SG" dirty="0"/>
+                        <a:t>Prepare for UAT</a:t>
+                      </a:r>
+                    </a:p>
+                  </a:txBody>
+                  <a:tcPr/>
+                </a:tc>
+                <a:tc>
+                  <a:txBody>
+                    <a:bodyPr/>
+                    <a:lstStyle/>
+                    <a:p>
+                      <a:endParaRPr lang="en-SG" dirty="0"/>
+                    </a:p>
+                  </a:txBody>
+                  <a:tcPr/>
+                </a:tc>
+                <a:tc>
+                  <a:txBody>
+                    <a:bodyPr/>
+                    <a:lstStyle/>
+                    <a:p>
+                      <a:endParaRPr lang="en-SG" dirty="0"/>
+                    </a:p>
+                  </a:txBody>
+                  <a:tcPr/>
+                </a:tc>
+                <a:extLst>
+                  <a:ext uri="{0D108BD9-81ED-4DB2-BD59-A6C34878D82A}">
+                    <a16:rowId xmlns:a16="http://schemas.microsoft.com/office/drawing/2014/main" val="3463600757"/>
+                  </a:ext>
+                </a:extLst>
+              </a:tr>
+            </a:tbl>
+          </a:graphicData>
+        </a:graphic>
+      </p:graphicFrame>
+      <p:sp>
+        <p:nvSpPr>
+          <p:cNvPr id="5" name="TextBox 4">
+            <a:extLst>
+              <a:ext uri="{FF2B5EF4-FFF2-40B4-BE49-F238E27FC236}">
+                <a16:creationId xmlns:a16="http://schemas.microsoft.com/office/drawing/2014/main" id="{E46416C7-5AE3-415A-A4B4-6178EE9D2804}"/>
+              </a:ext>
+            </a:extLst>
+          </p:cNvPr>
+          <p:cNvSpPr txBox="1"/>
+          <p:nvPr/>
+        </p:nvSpPr>
+        <p:spPr>
+          <a:xfrm>
+            <a:off x="0" y="196948"/>
+            <a:ext cx="1252025" cy="365760"/>
+          </a:xfrm>
+          <a:prstGeom prst="rect">
+            <a:avLst/>
+          </a:prstGeom>
+          <a:noFill/>
+        </p:spPr>
+        <p:txBody>
+          <a:bodyPr wrap="square" rtlCol="0">
+            <a:spAutoFit/>
+          </a:bodyPr>
+          <a:lstStyle/>
+          <a:p>
+            <a:r>
+              <a:rPr lang="en-SG" dirty="0"/>
+              <a:t>Week 9-11</a:t>
+            </a:r>
+          </a:p>
+        </p:txBody>
+      </p:sp>
+    </p:spTree>
+    <p:extLst>
+      <p:ext uri="{BB962C8B-B14F-4D97-AF65-F5344CB8AC3E}">
+        <p14:creationId xmlns:p14="http://schemas.microsoft.com/office/powerpoint/2010/main" val="3764766760"/>
+      </p:ext>
+    </p:extLst>
+  </p:cSld>
+  <p:clrMapOvr>
+    <a:masterClrMapping/>
+  </p:clrMapOvr>
+</p:sld>
+</file>
+
+<file path=ppt/slides/slide6.xml><?xml version="1.0" encoding="utf-8"?>
+<p:sld xmlns:a="http://schemas.openxmlformats.org/drawingml/2006/main" xmlns:r="http://schemas.openxmlformats.org/officeDocument/2006/relationships" xmlns:p="http://schemas.openxmlformats.org/presentationml/2006/main">
+  <p:cSld>
+    <p:spTree>
+      <p:nvGrpSpPr>
+        <p:cNvPr id="1" name=""/>
+        <p:cNvGrpSpPr/>
+        <p:nvPr/>
+      </p:nvGrpSpPr>
+      <p:grpSpPr>
+        <a:xfrm>
+          <a:off x="0" y="0"/>
+          <a:ext cx="0" cy="0"/>
+          <a:chOff x="0" y="0"/>
+          <a:chExt cx="0" cy="0"/>
+        </a:xfrm>
+      </p:grpSpPr>
+      <p:sp>
+        <p:nvSpPr>
+          <p:cNvPr id="2" name="Title 1">
+            <a:extLst>
+              <a:ext uri="{FF2B5EF4-FFF2-40B4-BE49-F238E27FC236}">
+                <a16:creationId xmlns:a16="http://schemas.microsoft.com/office/drawing/2014/main" id="{2B84E9AE-F920-42E0-AA23-60F9C08E5E58}"/>
+              </a:ext>
+            </a:extLst>
+          </p:cNvPr>
+          <p:cNvSpPr>
+            <a:spLocks noGrp="1"/>
+          </p:cNvSpPr>
+          <p:nvPr>
+            <p:ph type="title"/>
+          </p:nvPr>
+        </p:nvSpPr>
+        <p:spPr/>
+        <p:txBody>
+          <a:bodyPr/>
+          <a:lstStyle/>
+          <a:p>
+            <a:r>
+              <a:rPr lang="en-SG" dirty="0"/>
+              <a:t>Critical Path Analysis – Iteration 3</a:t>
+            </a:r>
+          </a:p>
+        </p:txBody>
+      </p:sp>
+    </p:spTree>
+    <p:extLst>
+      <p:ext uri="{BB962C8B-B14F-4D97-AF65-F5344CB8AC3E}">
+        <p14:creationId xmlns:p14="http://schemas.microsoft.com/office/powerpoint/2010/main" val="1089334700"/>
+      </p:ext>
+    </p:extLst>
+  </p:cSld>
+  <p:clrMapOvr>
+    <a:masterClrMapping/>
+  </p:clrMapOvr>
+</p:sld>
+</file>
+
+<file path=ppt/slides/slide7.xml><?xml version="1.0" encoding="utf-8"?>
+<p:sld xmlns:a="http://schemas.openxmlformats.org/drawingml/2006/main" xmlns:r="http://schemas.openxmlformats.org/officeDocument/2006/relationships" xmlns:p="http://schemas.openxmlformats.org/presentationml/2006/main">
+  <p:cSld>
+    <p:spTree>
+      <p:nvGrpSpPr>
+        <p:cNvPr id="1" name=""/>
+        <p:cNvGrpSpPr/>
+        <p:nvPr/>
+      </p:nvGrpSpPr>
+      <p:grpSpPr>
+        <a:xfrm>
+          <a:off x="0" y="0"/>
+          <a:ext cx="0" cy="0"/>
+          <a:chOff x="0" y="0"/>
+          <a:chExt cx="0" cy="0"/>
+        </a:xfrm>
+      </p:grpSpPr>
+      <p:graphicFrame>
+        <p:nvGraphicFramePr>
+          <p:cNvPr id="4" name="Table 3">
+            <a:extLst>
+              <a:ext uri="{FF2B5EF4-FFF2-40B4-BE49-F238E27FC236}">
+                <a16:creationId xmlns:a16="http://schemas.microsoft.com/office/drawing/2014/main" id="{89C5E6DF-1B26-435A-BF3B-BBD9BA72FA79}"/>
+              </a:ext>
+            </a:extLst>
+          </p:cNvPr>
+          <p:cNvGraphicFramePr>
+            <a:graphicFrameLocks noGrp="1"/>
+          </p:cNvGraphicFramePr>
+          <p:nvPr>
+            <p:extLst/>
+          </p:nvPr>
+        </p:nvGraphicFramePr>
+        <p:xfrm>
+          <a:off x="1536504" y="769620"/>
+          <a:ext cx="9118991" cy="2590800"/>
+        </p:xfrm>
+        <a:graphic>
+          <a:graphicData uri="http://schemas.openxmlformats.org/drawingml/2006/table">
+            <a:tbl>
+              <a:tblPr firstRow="1" bandRow="1">
+                <a:tableStyleId>{5C22544A-7EE6-4342-B048-85BDC9FD1C3A}</a:tableStyleId>
+              </a:tblPr>
+              <a:tblGrid>
+                <a:gridCol w="1239832">
+                  <a:extLst>
+                    <a:ext uri="{9D8B030D-6E8A-4147-A177-3AD203B41FA5}">
+                      <a16:colId xmlns:a16="http://schemas.microsoft.com/office/drawing/2014/main" val="4142429104"/>
+                    </a:ext>
+                  </a:extLst>
+                </a:gridCol>
+                <a:gridCol w="1120585">
+                  <a:extLst>
+                    <a:ext uri="{9D8B030D-6E8A-4147-A177-3AD203B41FA5}">
+                      <a16:colId xmlns:a16="http://schemas.microsoft.com/office/drawing/2014/main" val="3965926545"/>
+                    </a:ext>
+                  </a:extLst>
+                </a:gridCol>
+                <a:gridCol w="3671497">
+                  <a:extLst>
+                    <a:ext uri="{9D8B030D-6E8A-4147-A177-3AD203B41FA5}">
+                      <a16:colId xmlns:a16="http://schemas.microsoft.com/office/drawing/2014/main" val="667142157"/>
+                    </a:ext>
+                  </a:extLst>
+                </a:gridCol>
+                <a:gridCol w="1263279">
+                  <a:extLst>
+                    <a:ext uri="{9D8B030D-6E8A-4147-A177-3AD203B41FA5}">
+                      <a16:colId xmlns:a16="http://schemas.microsoft.com/office/drawing/2014/main" val="89399057"/>
+                    </a:ext>
+                  </a:extLst>
+                </a:gridCol>
+                <a:gridCol w="1823798">
+                  <a:extLst>
+                    <a:ext uri="{9D8B030D-6E8A-4147-A177-3AD203B41FA5}">
+                      <a16:colId xmlns:a16="http://schemas.microsoft.com/office/drawing/2014/main" val="2564866558"/>
+                    </a:ext>
+                  </a:extLst>
+                </a:gridCol>
+              </a:tblGrid>
+              <a:tr h="370840">
+                <a:tc>
+                  <a:txBody>
+                    <a:bodyPr/>
+                    <a:lstStyle/>
+                    <a:p>
+                      <a:r>
+                        <a:rPr lang="en-SG" dirty="0"/>
+                        <a:t>Iteration</a:t>
+                      </a:r>
+                    </a:p>
+                  </a:txBody>
+                  <a:tcPr/>
+                </a:tc>
+                <a:tc>
+                  <a:txBody>
+                    <a:bodyPr/>
+                    <a:lstStyle/>
+                    <a:p>
+                      <a:r>
+                        <a:rPr lang="en-SG" dirty="0"/>
+                        <a:t>Task ID</a:t>
+                      </a:r>
+                    </a:p>
+                  </a:txBody>
+                  <a:tcPr/>
+                </a:tc>
+                <a:tc>
+                  <a:txBody>
+                    <a:bodyPr/>
+                    <a:lstStyle/>
+                    <a:p>
+                      <a:r>
+                        <a:rPr lang="en-SG" dirty="0"/>
+                        <a:t>Name</a:t>
+                      </a:r>
+                    </a:p>
+                  </a:txBody>
+                  <a:tcPr/>
+                </a:tc>
+                <a:tc>
+                  <a:txBody>
+                    <a:bodyPr/>
+                    <a:lstStyle/>
+                    <a:p>
+                      <a:r>
+                        <a:rPr lang="en-SG" dirty="0"/>
+                        <a:t>Duration</a:t>
+                      </a:r>
+                    </a:p>
+                  </a:txBody>
+                  <a:tcPr/>
+                </a:tc>
+                <a:tc>
+                  <a:txBody>
+                    <a:bodyPr/>
+                    <a:lstStyle/>
+                    <a:p>
+                      <a:r>
+                        <a:rPr lang="en-SG" dirty="0"/>
+                        <a:t>Predecessor</a:t>
+                      </a:r>
+                    </a:p>
+                  </a:txBody>
+                  <a:tcPr/>
+                </a:tc>
+                <a:extLst>
+                  <a:ext uri="{0D108BD9-81ED-4DB2-BD59-A6C34878D82A}">
+                    <a16:rowId xmlns:a16="http://schemas.microsoft.com/office/drawing/2014/main" val="2317857548"/>
+                  </a:ext>
+                </a:extLst>
+              </a:tr>
+              <a:tr h="370840">
+                <a:tc>
+                  <a:txBody>
+                    <a:bodyPr/>
+                    <a:lstStyle/>
+                    <a:p>
+                      <a:r>
+                        <a:rPr lang="en-SG" dirty="0"/>
+                        <a:t>4</a:t>
+                      </a:r>
+                    </a:p>
+                  </a:txBody>
+                  <a:tcPr/>
+                </a:tc>
+                <a:tc>
+                  <a:txBody>
+                    <a:bodyPr/>
+                    <a:lstStyle/>
+                    <a:p>
+                      <a:r>
+                        <a:rPr lang="en-SG" dirty="0"/>
+                        <a:t>1</a:t>
+                      </a:r>
+                    </a:p>
+                  </a:txBody>
+                  <a:tcPr/>
+                </a:tc>
+                <a:tc>
+                  <a:txBody>
+                    <a:bodyPr/>
+                    <a:lstStyle/>
+                    <a:p>
+                      <a:r>
+                        <a:rPr lang="en-SG" dirty="0"/>
+                        <a:t>Prepare more test cases</a:t>
+                      </a:r>
+                    </a:p>
+                  </a:txBody>
+                  <a:tcPr/>
+                </a:tc>
+                <a:tc>
+                  <a:txBody>
+                    <a:bodyPr/>
+                    <a:lstStyle/>
+                    <a:p>
+                      <a:endParaRPr lang="en-SG" dirty="0"/>
+                    </a:p>
+                  </a:txBody>
+                  <a:tcPr/>
+                </a:tc>
+                <a:tc>
+                  <a:txBody>
+                    <a:bodyPr/>
+                    <a:lstStyle/>
+                    <a:p>
+                      <a:endParaRPr lang="en-SG" dirty="0"/>
+                    </a:p>
+                  </a:txBody>
+                  <a:tcPr/>
+                </a:tc>
+                <a:extLst>
+                  <a:ext uri="{0D108BD9-81ED-4DB2-BD59-A6C34878D82A}">
+                    <a16:rowId xmlns:a16="http://schemas.microsoft.com/office/drawing/2014/main" val="328449147"/>
+                  </a:ext>
+                </a:extLst>
+              </a:tr>
+              <a:tr h="370840">
+                <a:tc>
+                  <a:txBody>
+                    <a:bodyPr/>
+                    <a:lstStyle/>
+                    <a:p>
+                      <a:r>
+                        <a:rPr lang="en-SG" dirty="0"/>
+                        <a:t>4</a:t>
+                      </a:r>
+                    </a:p>
+                  </a:txBody>
+                  <a:tcPr/>
+                </a:tc>
+                <a:tc>
+                  <a:txBody>
+                    <a:bodyPr/>
+                    <a:lstStyle/>
+                    <a:p>
+                      <a:r>
+                        <a:rPr lang="en-SG" dirty="0"/>
+                        <a:t>2</a:t>
+                      </a:r>
+                    </a:p>
+                  </a:txBody>
+                  <a:tcPr/>
+                </a:tc>
+                <a:tc>
+                  <a:txBody>
+                    <a:bodyPr/>
+                    <a:lstStyle/>
+                    <a:p>
+                      <a:r>
+                        <a:rPr lang="en-SG" dirty="0"/>
+                        <a:t> Debug</a:t>
+                      </a:r>
+                    </a:p>
+                  </a:txBody>
+                  <a:tcPr/>
+                </a:tc>
+                <a:tc>
+                  <a:txBody>
+                    <a:bodyPr/>
+                    <a:lstStyle/>
+                    <a:p>
+                      <a:endParaRPr lang="en-SG" dirty="0"/>
+                    </a:p>
+                  </a:txBody>
+                  <a:tcPr/>
+                </a:tc>
+                <a:tc>
+                  <a:txBody>
+                    <a:bodyPr/>
+                    <a:lstStyle/>
+                    <a:p>
+                      <a:endParaRPr lang="en-SG" dirty="0"/>
+                    </a:p>
+                  </a:txBody>
+                  <a:tcPr/>
+                </a:tc>
+                <a:extLst>
+                  <a:ext uri="{0D108BD9-81ED-4DB2-BD59-A6C34878D82A}">
+                    <a16:rowId xmlns:a16="http://schemas.microsoft.com/office/drawing/2014/main" val="1975850622"/>
+                  </a:ext>
+                </a:extLst>
+              </a:tr>
+              <a:tr h="370840">
+                <a:tc>
+                  <a:txBody>
+                    <a:bodyPr/>
+                    <a:lstStyle/>
+                    <a:p>
+                      <a:r>
+                        <a:rPr lang="en-SG" dirty="0"/>
+                        <a:t>4</a:t>
+                      </a:r>
+                    </a:p>
+                  </a:txBody>
+                  <a:tcPr/>
+                </a:tc>
+                <a:tc>
+                  <a:txBody>
+                    <a:bodyPr/>
+                    <a:lstStyle/>
+                    <a:p>
+                      <a:endParaRPr lang="en-SG" dirty="0"/>
+                    </a:p>
+                  </a:txBody>
+                  <a:tcPr/>
+                </a:tc>
+                <a:tc>
+                  <a:txBody>
+                    <a:bodyPr/>
+                    <a:lstStyle/>
+                    <a:p>
+                      <a:pPr marL="0" marR="0" lvl="0" indent="0" algn="l" defTabSz="914400" rtl="0" eaLnBrk="1" fontAlgn="auto" latinLnBrk="0" hangingPunct="1">
+                        <a:lnSpc>
+                          <a:spcPct val="100000"/>
+                        </a:lnSpc>
+                        <a:spcBef>
+                          <a:spcPts val="0"/>
+                        </a:spcBef>
+                        <a:spcAft>
+                          <a:spcPts val="0"/>
+                        </a:spcAft>
+                        <a:buClrTx/>
+                        <a:buSzTx/>
+                        <a:buFontTx/>
+                        <a:buNone/>
+                        <a:tabLst/>
+                        <a:defRPr/>
+                      </a:pPr>
+                      <a:endParaRPr lang="en-SG" dirty="0"/>
+                    </a:p>
+                  </a:txBody>
+                  <a:tcPr/>
+                </a:tc>
+                <a:tc>
+                  <a:txBody>
+                    <a:bodyPr/>
+                    <a:lstStyle/>
+                    <a:p>
+                      <a:endParaRPr lang="en-SG"/>
+                    </a:p>
+                  </a:txBody>
+                  <a:tcPr/>
+                </a:tc>
+                <a:tc>
+                  <a:txBody>
+                    <a:bodyPr/>
+                    <a:lstStyle/>
+                    <a:p>
+                      <a:endParaRPr lang="en-SG" dirty="0"/>
+                    </a:p>
+                  </a:txBody>
+                  <a:tcPr/>
+                </a:tc>
+                <a:extLst>
+                  <a:ext uri="{0D108BD9-81ED-4DB2-BD59-A6C34878D82A}">
+                    <a16:rowId xmlns:a16="http://schemas.microsoft.com/office/drawing/2014/main" val="4264028945"/>
+                  </a:ext>
+                </a:extLst>
+              </a:tr>
+              <a:tr h="370840">
+                <a:tc>
+                  <a:txBody>
+                    <a:bodyPr/>
+                    <a:lstStyle/>
+                    <a:p>
+                      <a:r>
+                        <a:rPr lang="en-SG" dirty="0"/>
+                        <a:t>4</a:t>
+                      </a:r>
+                    </a:p>
+                  </a:txBody>
+                  <a:tcPr/>
+                </a:tc>
+                <a:tc>
+                  <a:txBody>
+                    <a:bodyPr/>
+                    <a:lstStyle/>
+                    <a:p>
+                      <a:endParaRPr lang="en-SG" dirty="0"/>
+                    </a:p>
+                  </a:txBody>
+                  <a:tcPr/>
+                </a:tc>
+                <a:tc>
+                  <a:txBody>
+                    <a:bodyPr/>
+                    <a:lstStyle/>
+                    <a:p>
+                      <a:pPr marL="0" marR="0" lvl="0" indent="0" algn="l" defTabSz="914400" rtl="0" eaLnBrk="1" fontAlgn="auto" latinLnBrk="0" hangingPunct="1">
+                        <a:lnSpc>
+                          <a:spcPct val="100000"/>
+                        </a:lnSpc>
+                        <a:spcBef>
+                          <a:spcPts val="0"/>
+                        </a:spcBef>
+                        <a:spcAft>
+                          <a:spcPts val="0"/>
+                        </a:spcAft>
+                        <a:buClrTx/>
+                        <a:buSzTx/>
+                        <a:buFontTx/>
+                        <a:buNone/>
+                        <a:tabLst/>
+                        <a:defRPr/>
+                      </a:pPr>
+                      <a:endParaRPr lang="en-SG" dirty="0"/>
+                    </a:p>
+                  </a:txBody>
+                  <a:tcPr/>
+                </a:tc>
+                <a:tc>
+                  <a:txBody>
+                    <a:bodyPr/>
+                    <a:lstStyle/>
+                    <a:p>
+                      <a:endParaRPr lang="en-SG"/>
+                    </a:p>
+                  </a:txBody>
+                  <a:tcPr/>
+                </a:tc>
+                <a:tc>
+                  <a:txBody>
+                    <a:bodyPr/>
+                    <a:lstStyle/>
+                    <a:p>
+                      <a:endParaRPr lang="en-SG" dirty="0"/>
+                    </a:p>
+                  </a:txBody>
+                  <a:tcPr/>
+                </a:tc>
+                <a:extLst>
+                  <a:ext uri="{0D108BD9-81ED-4DB2-BD59-A6C34878D82A}">
+                    <a16:rowId xmlns:a16="http://schemas.microsoft.com/office/drawing/2014/main" val="323787019"/>
+                  </a:ext>
+                </a:extLst>
+              </a:tr>
+              <a:tr h="370840">
+                <a:tc>
+                  <a:txBody>
+                    <a:bodyPr/>
+                    <a:lstStyle/>
+                    <a:p>
+                      <a:r>
+                        <a:rPr lang="en-SG" dirty="0"/>
+                        <a:t>4</a:t>
+                      </a:r>
+                    </a:p>
+                  </a:txBody>
+                  <a:tcPr/>
+                </a:tc>
+                <a:tc>
+                  <a:txBody>
+                    <a:bodyPr/>
+                    <a:lstStyle/>
+                    <a:p>
+                      <a:endParaRPr lang="en-SG" dirty="0"/>
+                    </a:p>
+                  </a:txBody>
+                  <a:tcPr/>
+                </a:tc>
+                <a:tc>
+                  <a:txBody>
+                    <a:bodyPr/>
+                    <a:lstStyle/>
+                    <a:p>
+                      <a:pPr marL="0" marR="0" lvl="0" indent="0" algn="l" defTabSz="914400" rtl="0" eaLnBrk="1" fontAlgn="auto" latinLnBrk="0" hangingPunct="1">
+                        <a:lnSpc>
+                          <a:spcPct val="100000"/>
+                        </a:lnSpc>
+                        <a:spcBef>
+                          <a:spcPts val="0"/>
+                        </a:spcBef>
+                        <a:spcAft>
+                          <a:spcPts val="0"/>
+                        </a:spcAft>
+                        <a:buClrTx/>
+                        <a:buSzTx/>
+                        <a:buFontTx/>
+                        <a:buNone/>
+                        <a:tabLst/>
+                        <a:defRPr/>
+                      </a:pPr>
+                      <a:endParaRPr lang="en-SG" dirty="0"/>
+                    </a:p>
+                  </a:txBody>
+                  <a:tcPr/>
+                </a:tc>
+                <a:tc>
+                  <a:txBody>
+                    <a:bodyPr/>
+                    <a:lstStyle/>
+                    <a:p>
+                      <a:endParaRPr lang="en-SG" dirty="0"/>
+                    </a:p>
+                  </a:txBody>
+                  <a:tcPr/>
+                </a:tc>
+                <a:tc>
+                  <a:txBody>
+                    <a:bodyPr/>
+                    <a:lstStyle/>
+                    <a:p>
+                      <a:endParaRPr lang="en-SG" dirty="0"/>
+                    </a:p>
+                  </a:txBody>
+                  <a:tcPr/>
+                </a:tc>
+                <a:extLst>
+                  <a:ext uri="{0D108BD9-81ED-4DB2-BD59-A6C34878D82A}">
+                    <a16:rowId xmlns:a16="http://schemas.microsoft.com/office/drawing/2014/main" val="2769772195"/>
+                  </a:ext>
+                </a:extLst>
+              </a:tr>
+              <a:tr h="205740">
+                <a:tc>
+                  <a:txBody>
+                    <a:bodyPr/>
+                    <a:lstStyle/>
+                    <a:p>
+                      <a:r>
+                        <a:rPr lang="en-SG" dirty="0"/>
+                        <a:t>4</a:t>
+                      </a:r>
+                    </a:p>
+                  </a:txBody>
+                  <a:tcPr/>
+                </a:tc>
+                <a:tc>
+                  <a:txBody>
+                    <a:bodyPr/>
+                    <a:lstStyle/>
+                    <a:p>
+                      <a:endParaRPr lang="en-SG" dirty="0"/>
+                    </a:p>
+                  </a:txBody>
+                  <a:tcPr/>
+                </a:tc>
+                <a:tc>
+                  <a:txBody>
+                    <a:bodyPr/>
+                    <a:lstStyle/>
+                    <a:p>
+                      <a:pPr marL="0" marR="0" lvl="0" indent="0" algn="l" defTabSz="914400" rtl="0" eaLnBrk="1" fontAlgn="auto" latinLnBrk="0" hangingPunct="1">
+                        <a:lnSpc>
+                          <a:spcPct val="100000"/>
+                        </a:lnSpc>
+                        <a:spcBef>
+                          <a:spcPts val="0"/>
+                        </a:spcBef>
+                        <a:spcAft>
+                          <a:spcPts val="0"/>
+                        </a:spcAft>
+                        <a:buClrTx/>
+                        <a:buSzTx/>
+                        <a:buFontTx/>
+                        <a:buNone/>
+                        <a:tabLst/>
+                        <a:defRPr/>
+                      </a:pPr>
+                      <a:endParaRPr lang="en-SG" dirty="0"/>
+                    </a:p>
+                  </a:txBody>
+                  <a:tcPr/>
+                </a:tc>
+                <a:tc>
+                  <a:txBody>
+                    <a:bodyPr/>
+                    <a:lstStyle/>
+                    <a:p>
+                      <a:endParaRPr lang="en-SG" dirty="0"/>
+                    </a:p>
+                  </a:txBody>
+                  <a:tcPr/>
+                </a:tc>
+                <a:tc>
+                  <a:txBody>
+                    <a:bodyPr/>
+                    <a:lstStyle/>
+                    <a:p>
+                      <a:endParaRPr lang="en-SG" dirty="0"/>
+                    </a:p>
+                  </a:txBody>
+                  <a:tcPr/>
+                </a:tc>
+                <a:extLst>
+                  <a:ext uri="{0D108BD9-81ED-4DB2-BD59-A6C34878D82A}">
+                    <a16:rowId xmlns:a16="http://schemas.microsoft.com/office/drawing/2014/main" val="3463600757"/>
+                  </a:ext>
+                </a:extLst>
+              </a:tr>
+            </a:tbl>
+          </a:graphicData>
+        </a:graphic>
+      </p:graphicFrame>
+      <p:sp>
+        <p:nvSpPr>
+          <p:cNvPr id="5" name="TextBox 4">
+            <a:extLst>
+              <a:ext uri="{FF2B5EF4-FFF2-40B4-BE49-F238E27FC236}">
+                <a16:creationId xmlns:a16="http://schemas.microsoft.com/office/drawing/2014/main" id="{016BE4A8-599C-4812-8CE8-41E72E84AEA7}"/>
+              </a:ext>
+            </a:extLst>
+          </p:cNvPr>
+          <p:cNvSpPr txBox="1"/>
+          <p:nvPr/>
+        </p:nvSpPr>
+        <p:spPr>
+          <a:xfrm>
+            <a:off x="0" y="403860"/>
+            <a:ext cx="1631853" cy="365760"/>
+          </a:xfrm>
+          <a:prstGeom prst="rect">
+            <a:avLst/>
+          </a:prstGeom>
+          <a:noFill/>
+        </p:spPr>
+        <p:txBody>
+          <a:bodyPr wrap="square" rtlCol="0">
+            <a:spAutoFit/>
+          </a:bodyPr>
+          <a:lstStyle/>
+          <a:p>
+            <a:r>
+              <a:rPr lang="en-SG" dirty="0"/>
+              <a:t>Week 11-13</a:t>
+            </a:r>
+          </a:p>
+        </p:txBody>
+      </p:sp>
+    </p:spTree>
+    <p:extLst>
+      <p:ext uri="{BB962C8B-B14F-4D97-AF65-F5344CB8AC3E}">
+        <p14:creationId xmlns:p14="http://schemas.microsoft.com/office/powerpoint/2010/main" val="401618857"/>
+      </p:ext>
+    </p:extLst>
+  </p:cSld>
+  <p:clrMapOvr>
+    <a:masterClrMapping/>
+  </p:clrMapOvr>
+</p:sld>
+</file>
+
+<file path=ppt/slides/slide8.xml><?xml version="1.0" encoding="utf-8"?>
+<p:sld xmlns:a="http://schemas.openxmlformats.org/drawingml/2006/main" xmlns:r="http://schemas.openxmlformats.org/officeDocument/2006/relationships" xmlns:p="http://schemas.openxmlformats.org/presentationml/2006/main">
+  <p:cSld>
+    <p:spTree>
+      <p:nvGrpSpPr>
+        <p:cNvPr id="1" name=""/>
+        <p:cNvGrpSpPr/>
+        <p:nvPr/>
+      </p:nvGrpSpPr>
+      <p:grpSpPr>
+        <a:xfrm>
+          <a:off x="0" y="0"/>
+          <a:ext cx="0" cy="0"/>
+          <a:chOff x="0" y="0"/>
+          <a:chExt cx="0" cy="0"/>
+        </a:xfrm>
+      </p:grpSpPr>
+      <p:sp>
+        <p:nvSpPr>
+          <p:cNvPr id="2" name="Title 1">
+            <a:extLst>
+              <a:ext uri="{FF2B5EF4-FFF2-40B4-BE49-F238E27FC236}">
+                <a16:creationId xmlns:a16="http://schemas.microsoft.com/office/drawing/2014/main" id="{2B84E9AE-F920-42E0-AA23-60F9C08E5E58}"/>
+              </a:ext>
+            </a:extLst>
+          </p:cNvPr>
+          <p:cNvSpPr>
+            <a:spLocks noGrp="1"/>
+          </p:cNvSpPr>
+          <p:nvPr>
+            <p:ph type="title"/>
+          </p:nvPr>
+        </p:nvSpPr>
+        <p:spPr/>
+        <p:txBody>
+          <a:bodyPr/>
+          <a:lstStyle/>
+          <a:p>
+            <a:r>
+              <a:rPr lang="en-SG" dirty="0"/>
+              <a:t>Critical Path Analysis – Iteration 4</a:t>
+            </a:r>
+          </a:p>
+        </p:txBody>
+      </p:sp>
+    </p:spTree>
+    <p:extLst>
+      <p:ext uri="{BB962C8B-B14F-4D97-AF65-F5344CB8AC3E}">
+        <p14:creationId xmlns:p14="http://schemas.microsoft.com/office/powerpoint/2010/main" val="2588916874"/>
+      </p:ext>
+    </p:extLst>
+  </p:cSld>
+  <p:clrMapOvr>
+    <a:masterClrMapping/>
+  </p:clrMapOvr>
+</p:sld>
+</file>
+
+<file path=ppt/slides/slide9.xml><?xml version="1.0" encoding="utf-8"?>
+<p:sld xmlns:a="http://schemas.openxmlformats.org/drawingml/2006/main" xmlns:r="http://schemas.openxmlformats.org/officeDocument/2006/relationships" xmlns:p="http://schemas.openxmlformats.org/presentationml/2006/main">
+  <p:cSld>
+    <p:spTree>
+      <p:nvGrpSpPr>
+        <p:cNvPr id="1" name=""/>
+        <p:cNvGrpSpPr/>
+        <p:nvPr/>
+      </p:nvGrpSpPr>
+      <p:grpSpPr>
+        <a:xfrm>
+          <a:off x="0" y="0"/>
+          <a:ext cx="0" cy="0"/>
+          <a:chOff x="0" y="0"/>
+          <a:chExt cx="0" cy="0"/>
+        </a:xfrm>
+      </p:grpSpPr>
+      <p:graphicFrame>
+        <p:nvGraphicFramePr>
+          <p:cNvPr id="4" name="Table 3">
+            <a:extLst>
+              <a:ext uri="{FF2B5EF4-FFF2-40B4-BE49-F238E27FC236}">
+                <a16:creationId xmlns:a16="http://schemas.microsoft.com/office/drawing/2014/main" id="{89C5E6DF-1B26-435A-BF3B-BBD9BA72FA79}"/>
+              </a:ext>
+            </a:extLst>
+          </p:cNvPr>
+          <p:cNvGraphicFramePr>
+            <a:graphicFrameLocks noGrp="1"/>
+          </p:cNvGraphicFramePr>
+          <p:nvPr>
+            <p:extLst/>
+          </p:nvPr>
+        </p:nvGraphicFramePr>
+        <p:xfrm>
+          <a:off x="1536504" y="2133600"/>
+          <a:ext cx="9118991" cy="1483360"/>
+        </p:xfrm>
+        <a:graphic>
+          <a:graphicData uri="http://schemas.openxmlformats.org/drawingml/2006/table">
+            <a:tbl>
+              <a:tblPr firstRow="1" bandRow="1">
+                <a:tableStyleId>{5C22544A-7EE6-4342-B048-85BDC9FD1C3A}</a:tableStyleId>
+              </a:tblPr>
+              <a:tblGrid>
+                <a:gridCol w="1239832">
+                  <a:extLst>
+                    <a:ext uri="{9D8B030D-6E8A-4147-A177-3AD203B41FA5}">
+                      <a16:colId xmlns:a16="http://schemas.microsoft.com/office/drawing/2014/main" val="4142429104"/>
+                    </a:ext>
+                  </a:extLst>
+                </a:gridCol>
+                <a:gridCol w="1120585">
+                  <a:extLst>
+                    <a:ext uri="{9D8B030D-6E8A-4147-A177-3AD203B41FA5}">
+                      <a16:colId xmlns:a16="http://schemas.microsoft.com/office/drawing/2014/main" val="3965926545"/>
+                    </a:ext>
+                  </a:extLst>
+                </a:gridCol>
+                <a:gridCol w="3671497">
+                  <a:extLst>
+                    <a:ext uri="{9D8B030D-6E8A-4147-A177-3AD203B41FA5}">
+                      <a16:colId xmlns:a16="http://schemas.microsoft.com/office/drawing/2014/main" val="667142157"/>
+                    </a:ext>
+                  </a:extLst>
+                </a:gridCol>
+                <a:gridCol w="1263279">
+                  <a:extLst>
+                    <a:ext uri="{9D8B030D-6E8A-4147-A177-3AD203B41FA5}">
+                      <a16:colId xmlns:a16="http://schemas.microsoft.com/office/drawing/2014/main" val="89399057"/>
+                    </a:ext>
+                  </a:extLst>
+                </a:gridCol>
+                <a:gridCol w="1823798">
+                  <a:extLst>
+                    <a:ext uri="{9D8B030D-6E8A-4147-A177-3AD203B41FA5}">
+                      <a16:colId xmlns:a16="http://schemas.microsoft.com/office/drawing/2014/main" val="2564866558"/>
+                    </a:ext>
+                  </a:extLst>
+                </a:gridCol>
+              </a:tblGrid>
+              <a:tr h="370840">
+                <a:tc>
+                  <a:txBody>
+                    <a:bodyPr/>
+                    <a:lstStyle/>
+                    <a:p>
+                      <a:r>
+                        <a:rPr lang="en-SG" dirty="0"/>
+                        <a:t>Iteration</a:t>
+                      </a:r>
+                    </a:p>
+                  </a:txBody>
+                  <a:tcPr/>
+                </a:tc>
+                <a:tc>
+                  <a:txBody>
+                    <a:bodyPr/>
+                    <a:lstStyle/>
+                    <a:p>
+                      <a:r>
+                        <a:rPr lang="en-SG" dirty="0"/>
+                        <a:t>Task ID</a:t>
+                      </a:r>
+                    </a:p>
+                  </a:txBody>
+                  <a:tcPr/>
+                </a:tc>
+                <a:tc>
+                  <a:txBody>
+                    <a:bodyPr/>
+                    <a:lstStyle/>
+                    <a:p>
+                      <a:r>
+                        <a:rPr lang="en-SG" dirty="0"/>
+                        <a:t>Name</a:t>
+                      </a:r>
+                    </a:p>
+                  </a:txBody>
+                  <a:tcPr/>
+                </a:tc>
+                <a:tc>
+                  <a:txBody>
+                    <a:bodyPr/>
+                    <a:lstStyle/>
+                    <a:p>
+                      <a:r>
+                        <a:rPr lang="en-SG" dirty="0"/>
+                        <a:t>Duration</a:t>
+                      </a:r>
+                    </a:p>
+                  </a:txBody>
+                  <a:tcPr/>
+                </a:tc>
+                <a:tc>
+                  <a:txBody>
+                    <a:bodyPr/>
+                    <a:lstStyle/>
+                    <a:p>
+                      <a:r>
+                        <a:rPr lang="en-SG" dirty="0"/>
+                        <a:t>Predecessor</a:t>
+                      </a:r>
+                    </a:p>
+                  </a:txBody>
+                  <a:tcPr/>
+                </a:tc>
+                <a:extLst>
+                  <a:ext uri="{0D108BD9-81ED-4DB2-BD59-A6C34878D82A}">
+                    <a16:rowId xmlns:a16="http://schemas.microsoft.com/office/drawing/2014/main" val="2317857548"/>
+                  </a:ext>
+                </a:extLst>
+              </a:tr>
+              <a:tr h="370840">
+                <a:tc>
+                  <a:txBody>
+                    <a:bodyPr/>
+                    <a:lstStyle/>
+                    <a:p>
+                      <a:r>
+                        <a:rPr lang="en-SG" dirty="0"/>
+                        <a:t>5</a:t>
+                      </a:r>
+                    </a:p>
+                  </a:txBody>
+                  <a:tcPr/>
+                </a:tc>
+                <a:tc>
+                  <a:txBody>
+                    <a:bodyPr/>
+                    <a:lstStyle/>
+                    <a:p>
+                      <a:r>
+                        <a:rPr lang="en-SG" dirty="0"/>
+                        <a:t>1</a:t>
+                      </a:r>
+                    </a:p>
+                  </a:txBody>
+                  <a:tcPr/>
+                </a:tc>
+                <a:tc>
+                  <a:txBody>
+                    <a:bodyPr/>
+                    <a:lstStyle/>
+                    <a:p>
+                      <a:r>
+                        <a:rPr lang="en-SG" dirty="0"/>
+                        <a:t>Prepare slides for final presentation</a:t>
+                      </a:r>
+                    </a:p>
+                  </a:txBody>
+                  <a:tcPr/>
+                </a:tc>
+                <a:tc>
+                  <a:txBody>
+                    <a:bodyPr/>
+                    <a:lstStyle/>
+                    <a:p>
+                      <a:endParaRPr lang="en-SG" dirty="0"/>
+                    </a:p>
+                  </a:txBody>
+                  <a:tcPr/>
+                </a:tc>
+                <a:tc>
+                  <a:txBody>
+                    <a:bodyPr/>
+                    <a:lstStyle/>
+                    <a:p>
+                      <a:endParaRPr lang="en-SG" dirty="0"/>
+                    </a:p>
+                  </a:txBody>
+                  <a:tcPr/>
+                </a:tc>
+                <a:extLst>
+                  <a:ext uri="{0D108BD9-81ED-4DB2-BD59-A6C34878D82A}">
+                    <a16:rowId xmlns:a16="http://schemas.microsoft.com/office/drawing/2014/main" val="328449147"/>
+                  </a:ext>
+                </a:extLst>
+              </a:tr>
+              <a:tr h="370840">
+                <a:tc>
+                  <a:txBody>
+                    <a:bodyPr/>
+                    <a:lstStyle/>
+                    <a:p>
+                      <a:r>
+                        <a:rPr lang="en-SG" dirty="0"/>
+                        <a:t>5</a:t>
+                      </a:r>
+                    </a:p>
+                  </a:txBody>
+                  <a:tcPr/>
+                </a:tc>
+                <a:tc>
+                  <a:txBody>
+                    <a:bodyPr/>
+                    <a:lstStyle/>
+                    <a:p>
+                      <a:endParaRPr lang="en-SG" dirty="0"/>
+                    </a:p>
+                  </a:txBody>
+                  <a:tcPr/>
+                </a:tc>
+                <a:tc>
+                  <a:txBody>
+                    <a:bodyPr/>
+                    <a:lstStyle/>
+                    <a:p>
+                      <a:endParaRPr lang="en-SG" dirty="0"/>
+                    </a:p>
+                  </a:txBody>
+                  <a:tcPr/>
+                </a:tc>
+                <a:tc>
+                  <a:txBody>
+                    <a:bodyPr/>
+                    <a:lstStyle/>
+                    <a:p>
+                      <a:endParaRPr lang="en-SG" dirty="0"/>
+                    </a:p>
+                  </a:txBody>
+                  <a:tcPr/>
+                </a:tc>
+                <a:tc>
+                  <a:txBody>
+                    <a:bodyPr/>
+                    <a:lstStyle/>
+                    <a:p>
+                      <a:endParaRPr lang="en-SG" dirty="0"/>
+                    </a:p>
+                  </a:txBody>
+                  <a:tcPr/>
+                </a:tc>
+                <a:extLst>
+                  <a:ext uri="{0D108BD9-81ED-4DB2-BD59-A6C34878D82A}">
+                    <a16:rowId xmlns:a16="http://schemas.microsoft.com/office/drawing/2014/main" val="1975850622"/>
+                  </a:ext>
+                </a:extLst>
+              </a:tr>
+              <a:tr h="370840">
+                <a:tc>
+                  <a:txBody>
+                    <a:bodyPr/>
+                    <a:lstStyle/>
+                    <a:p>
+                      <a:r>
+                        <a:rPr lang="en-SG" dirty="0"/>
+                        <a:t>5</a:t>
+                      </a:r>
+                    </a:p>
+                  </a:txBody>
+                  <a:tcPr/>
+                </a:tc>
+                <a:tc>
+                  <a:txBody>
+                    <a:bodyPr/>
+                    <a:lstStyle/>
+                    <a:p>
+                      <a:endParaRPr lang="en-SG" dirty="0"/>
+                    </a:p>
+                  </a:txBody>
+                  <a:tcPr/>
+                </a:tc>
+                <a:tc>
+                  <a:txBody>
+                    <a:bodyPr/>
+                    <a:lstStyle/>
+                    <a:p>
+                      <a:pPr marL="0" marR="0" lvl="0" indent="0" algn="l" defTabSz="914400" rtl="0" eaLnBrk="1" fontAlgn="auto" latinLnBrk="0" hangingPunct="1">
+                        <a:lnSpc>
+                          <a:spcPct val="100000"/>
+                        </a:lnSpc>
+                        <a:spcBef>
+                          <a:spcPts val="0"/>
+                        </a:spcBef>
+                        <a:spcAft>
+                          <a:spcPts val="0"/>
+                        </a:spcAft>
+                        <a:buClrTx/>
+                        <a:buSzTx/>
+                        <a:buFontTx/>
+                        <a:buNone/>
+                        <a:tabLst/>
+                        <a:defRPr/>
+                      </a:pPr>
+                      <a:endParaRPr lang="en-SG" dirty="0"/>
+                    </a:p>
+                  </a:txBody>
+                  <a:tcPr/>
+                </a:tc>
+                <a:tc>
+                  <a:txBody>
+                    <a:bodyPr/>
+                    <a:lstStyle/>
+                    <a:p>
+                      <a:endParaRPr lang="en-SG"/>
+                    </a:p>
+                  </a:txBody>
+                  <a:tcPr/>
+                </a:tc>
+                <a:tc>
+                  <a:txBody>
+                    <a:bodyPr/>
+                    <a:lstStyle/>
+                    <a:p>
+                      <a:endParaRPr lang="en-SG" dirty="0"/>
+                    </a:p>
+                  </a:txBody>
+                  <a:tcPr/>
+                </a:tc>
+                <a:extLst>
+                  <a:ext uri="{0D108BD9-81ED-4DB2-BD59-A6C34878D82A}">
+                    <a16:rowId xmlns:a16="http://schemas.microsoft.com/office/drawing/2014/main" val="4264028945"/>
+                  </a:ext>
+                </a:extLst>
+              </a:tr>
+            </a:tbl>
+          </a:graphicData>
+        </a:graphic>
+      </p:graphicFrame>
+    </p:spTree>
+    <p:extLst>
+      <p:ext uri="{BB962C8B-B14F-4D97-AF65-F5344CB8AC3E}">
+        <p14:creationId xmlns:p14="http://schemas.microsoft.com/office/powerpoint/2010/main" val="4063160366"/>
       </p:ext>
     </p:extLst>
   </p:cSld>
